--- a/VJ_PITCH.pptx
+++ b/VJ_PITCH.pptx
@@ -2,7 +2,7 @@
 <file path=ppt/presentation.xml><?xml version="1.0" encoding="utf-8"?>
 <p:presentation xmlns:a="http://schemas.openxmlformats.org/drawingml/2006/main" xmlns:r="http://schemas.openxmlformats.org/officeDocument/2006/relationships" xmlns:p="http://schemas.openxmlformats.org/presentationml/2006/main" saveSubsetFonts="1">
   <p:sldMasterIdLst>
-    <p:sldMasterId id="2147483678" r:id="rId1"/>
+    <p:sldMasterId id="2147483971" r:id="rId1"/>
   </p:sldMasterIdLst>
   <p:sldIdLst>
     <p:sldId id="256" r:id="rId2"/>
@@ -112,6 +112,11 @@
       </a:defRPr>
     </a:lvl9pPr>
   </p:defaultTextStyle>
+  <p:extLst>
+    <p:ext uri="{EFAFB233-063F-42B5-8137-9DF3F51BA10A}">
+      <p15:sldGuideLst xmlns:p15="http://schemas.microsoft.com/office/powerpoint/2012/main"/>
+    </p:ext>
+  </p:extLst>
 </p:presentation>
 </file>
 
@@ -121,7 +126,7 @@
 
 <file path=ppt/slideLayouts/slideLayout1.xml><?xml version="1.0" encoding="utf-8"?>
 <p:sldLayout xmlns:a="http://schemas.openxmlformats.org/drawingml/2006/main" xmlns:r="http://schemas.openxmlformats.org/officeDocument/2006/relationships" xmlns:p="http://schemas.openxmlformats.org/presentationml/2006/main" type="title" preserve="1">
-  <p:cSld name="Diapositiva de título">
+  <p:cSld name="Title Slide">
     <p:spTree>
       <p:nvGrpSpPr>
         <p:cNvPr id="1" name=""/>
@@ -148,8 +153,8 @@
         </p:nvSpPr>
         <p:spPr>
           <a:xfrm>
-            <a:off x="1370693" y="1769540"/>
-            <a:ext cx="9440034" cy="1828801"/>
+            <a:off x="1751012" y="609601"/>
+            <a:ext cx="8676222" cy="3200400"/>
           </a:xfrm>
         </p:spPr>
         <p:txBody>
@@ -158,13 +163,28 @@
           </a:bodyPr>
           <a:lstStyle>
             <a:lvl1pPr algn="ctr">
-              <a:defRPr sz="5400"/>
+              <a:defRPr sz="4800">
+                <a:effectLst>
+                  <a:glow rad="38100">
+                    <a:schemeClr val="bg1">
+                      <a:lumMod val="65000"/>
+                      <a:lumOff val="35000"/>
+                      <a:alpha val="50000"/>
+                    </a:schemeClr>
+                  </a:glow>
+                  <a:outerShdw blurRad="28575" dist="31750" dir="13200000" algn="tl" rotWithShape="0">
+                    <a:srgbClr val="000000">
+                      <a:alpha val="25000"/>
+                    </a:srgbClr>
+                  </a:outerShdw>
+                </a:effectLst>
+              </a:defRPr>
             </a:lvl1pPr>
           </a:lstStyle>
           <a:p>
             <a:r>
-              <a:rPr lang="es-ES"/>
-              <a:t>Haga clic para modificar el estilo de título del patrón</a:t>
+              <a:rPr lang="en-US" smtClean="0"/>
+              <a:t>Click to edit Master title style</a:t>
             </a:r>
             <a:endParaRPr lang="en-US" dirty="0"/>
           </a:p>
@@ -182,19 +202,32 @@
         </p:nvSpPr>
         <p:spPr>
           <a:xfrm>
-            <a:off x="1370693" y="3598339"/>
-            <a:ext cx="9440034" cy="1049867"/>
+            <a:off x="1751012" y="3886200"/>
+            <a:ext cx="8676222" cy="1905000"/>
           </a:xfrm>
         </p:spPr>
         <p:txBody>
-          <a:bodyPr anchor="t"/>
+          <a:bodyPr anchor="t">
+            <a:normAutofit/>
+          </a:bodyPr>
           <a:lstStyle>
             <a:lvl1pPr marL="0" indent="0" algn="ctr">
               <a:buNone/>
-              <a:defRPr>
-                <a:solidFill>
-                  <a:schemeClr val="tx1"/>
-                </a:solidFill>
+              <a:defRPr sz="2100">
+                <a:gradFill flip="none" rotWithShape="1">
+                  <a:gsLst>
+                    <a:gs pos="0">
+                      <a:schemeClr val="tx1"/>
+                    </a:gs>
+                    <a:gs pos="100000">
+                      <a:schemeClr val="tx1">
+                        <a:lumMod val="75000"/>
+                      </a:schemeClr>
+                    </a:gs>
+                  </a:gsLst>
+                  <a:lin ang="5400000" scaled="0"/>
+                  <a:tileRect/>
+                </a:gradFill>
               </a:defRPr>
             </a:lvl1pPr>
             <a:lvl2pPr marL="457200" indent="0" algn="ctr">
@@ -280,8 +313,8 @@
           </a:lstStyle>
           <a:p>
             <a:r>
-              <a:rPr lang="es-ES"/>
-              <a:t>Haga clic para modificar el estilo de subtítulo del patrón</a:t>
+              <a:rPr lang="en-US" smtClean="0"/>
+              <a:t>Click to edit Master subtitle style</a:t>
             </a:r>
             <a:endParaRPr lang="en-US" dirty="0"/>
           </a:p>
@@ -304,7 +337,7 @@
           <a:p>
             <a:fld id="{E498B8CB-B27C-42AF-AE8C-17152853A980}" type="datetimeFigureOut">
               <a:rPr lang="es-ES" smtClean="0"/>
-              <a:t>14/12/2017</a:t>
+              <a:t>19/12/17</a:t>
             </a:fld>
             <a:endParaRPr lang="es-ES"/>
           </a:p>
@@ -346,28 +379,28 @@
           <a:p>
             <a:fld id="{1BE3AEAD-4961-45A3-8210-BDC7770D3F15}" type="slidenum">
               <a:rPr lang="es-ES" smtClean="0"/>
-              <a:t>‹Nº›</a:t>
+              <a:t>‹#›</a:t>
             </a:fld>
             <a:endParaRPr lang="es-ES"/>
           </a:p>
         </p:txBody>
       </p:sp>
     </p:spTree>
-    <p:extLst>
-      <p:ext uri="{BB962C8B-B14F-4D97-AF65-F5344CB8AC3E}">
-        <p14:creationId xmlns:p14="http://schemas.microsoft.com/office/powerpoint/2010/main" val="3896697059"/>
-      </p:ext>
-    </p:extLst>
   </p:cSld>
   <p:clrMapOvr>
     <a:masterClrMapping/>
   </p:clrMapOvr>
+  <p:extLst>
+    <p:ext uri="{DCECCB84-F9BA-43D5-87BE-67443E8EF086}">
+      <p15:sldGuideLst xmlns:p15="http://schemas.microsoft.com/office/powerpoint/2012/main"/>
+    </p:ext>
+  </p:extLst>
 </p:sldLayout>
 </file>
 
 <file path=ppt/slideLayouts/slideLayout10.xml><?xml version="1.0" encoding="utf-8"?>
 <p:sldLayout xmlns:a="http://schemas.openxmlformats.org/drawingml/2006/main" xmlns:r="http://schemas.openxmlformats.org/officeDocument/2006/relationships" xmlns:p="http://schemas.openxmlformats.org/presentationml/2006/main" preserve="1">
-  <p:cSld name="Imagen panorámica con descripción">
+  <p:cSld name="Panoramic Picture with Caption">
     <p:spTree>
       <p:nvGrpSpPr>
         <p:cNvPr id="1" name=""/>
@@ -382,50 +415,20 @@
           <a:chExt cx="0" cy="0"/>
         </a:xfrm>
       </p:grpSpPr>
-      <p:pic>
-        <p:nvPicPr>
-          <p:cNvPr id="16" name="Picture 15" descr="Slate-V2-HD-panoPhotoInset.png"/>
-          <p:cNvPicPr>
-            <a:picLocks noChangeAspect="1"/>
-          </p:cNvPicPr>
-          <p:nvPr/>
-        </p:nvPicPr>
-        <p:blipFill>
-          <a:blip r:embed="rId2">
-            <a:extLst>
-              <a:ext uri="{28A0092B-C50C-407E-A947-70E740481C1C}">
-                <a14:useLocalDpi xmlns:a14="http://schemas.microsoft.com/office/drawing/2010/main" val="0"/>
-              </a:ext>
-            </a:extLst>
-          </a:blip>
-          <a:stretch>
-            <a:fillRect/>
-          </a:stretch>
-        </p:blipFill>
+      <p:sp>
+        <p:nvSpPr>
+          <p:cNvPr id="2" name="Title 1"/>
+          <p:cNvSpPr>
+            <a:spLocks noGrp="1"/>
+          </p:cNvSpPr>
+          <p:nvPr>
+            <p:ph type="title"/>
+          </p:nvPr>
+        </p:nvSpPr>
         <p:spPr>
           <a:xfrm>
-            <a:off x="1013883" y="547807"/>
-            <a:ext cx="10141799" cy="3816806"/>
-          </a:xfrm>
-          <a:prstGeom prst="rect">
-            <a:avLst/>
-          </a:prstGeom>
-        </p:spPr>
-      </p:pic>
-      <p:sp>
-        <p:nvSpPr>
-          <p:cNvPr id="2" name="Title 1"/>
-          <p:cNvSpPr>
-            <a:spLocks noGrp="1"/>
-          </p:cNvSpPr>
-          <p:nvPr>
-            <p:ph type="title"/>
-          </p:nvPr>
-        </p:nvSpPr>
-        <p:spPr>
-          <a:xfrm>
-            <a:off x="913806" y="4565255"/>
-            <a:ext cx="10355326" cy="543472"/>
+            <a:off x="1141413" y="4732865"/>
+            <a:ext cx="9906000" cy="566738"/>
           </a:xfrm>
         </p:spPr>
         <p:txBody>
@@ -433,14 +436,14 @@
             <a:normAutofit/>
           </a:bodyPr>
           <a:lstStyle>
-            <a:lvl1pPr algn="ctr">
-              <a:defRPr sz="2800"/>
+            <a:lvl1pPr algn="l">
+              <a:defRPr sz="2400" b="0"/>
             </a:lvl1pPr>
           </a:lstStyle>
           <a:p>
             <a:r>
-              <a:rPr lang="es-ES"/>
-              <a:t>Haga clic para modificar el estilo de título del patrón</a:t>
+              <a:rPr lang="en-US" smtClean="0"/>
+              <a:t>Click to edit Master title style</a:t>
             </a:r>
             <a:endParaRPr lang="en-US" dirty="0"/>
           </a:p>
@@ -458,15 +461,36 @@
         </p:nvSpPr>
         <p:spPr>
           <a:xfrm>
-            <a:off x="1169349" y="695009"/>
-            <a:ext cx="9845346" cy="3525671"/>
+            <a:off x="1979612" y="932112"/>
+            <a:ext cx="8225944" cy="3164976"/>
           </a:xfrm>
+          <a:prstGeom prst="roundRect">
+            <a:avLst>
+              <a:gd name="adj" fmla="val 4380"/>
+            </a:avLst>
+          </a:prstGeom>
+          <a:ln w="38100">
+            <a:gradFill flip="none" rotWithShape="1">
+              <a:gsLst>
+                <a:gs pos="0">
+                  <a:schemeClr val="bg2"/>
+                </a:gs>
+                <a:gs pos="100000">
+                  <a:schemeClr val="bg2">
+                    <a:lumMod val="75000"/>
+                  </a:schemeClr>
+                </a:gs>
+              </a:gsLst>
+              <a:lin ang="5400000" scaled="0"/>
+              <a:tileRect/>
+            </a:gradFill>
+          </a:ln>
           <a:effectLst>
-            <a:outerShdw blurRad="38100" dist="25400" dir="4440000">
+            <a:innerShdw blurRad="57150" dist="38100" dir="14460000">
               <a:srgbClr val="000000">
-                <a:alpha val="36000"/>
+                <a:alpha val="70000"/>
               </a:srgbClr>
-            </a:outerShdw>
+            </a:innerShdw>
           </a:effectLst>
         </p:spPr>
         <p:txBody>
@@ -476,111 +500,113 @@
           <a:lstStyle>
             <a:lvl1pPr marL="0" indent="0" algn="ctr">
               <a:buNone/>
-              <a:defRPr sz="2000"/>
-            </a:lvl1pPr>
-            <a:lvl2pPr marL="457200" indent="0">
-              <a:buNone/>
-              <a:defRPr sz="2000"/>
-            </a:lvl2pPr>
-            <a:lvl3pPr marL="914400" indent="0">
-              <a:buNone/>
-              <a:defRPr sz="2000"/>
-            </a:lvl3pPr>
-            <a:lvl4pPr marL="1371600" indent="0">
-              <a:buNone/>
-              <a:defRPr sz="2000"/>
-            </a:lvl4pPr>
-            <a:lvl5pPr marL="1828800" indent="0">
-              <a:buNone/>
-              <a:defRPr sz="2000"/>
-            </a:lvl5pPr>
-            <a:lvl6pPr marL="2286000" indent="0">
-              <a:buNone/>
-              <a:defRPr sz="2000"/>
-            </a:lvl6pPr>
-            <a:lvl7pPr marL="2743200" indent="0">
-              <a:buNone/>
-              <a:defRPr sz="2000"/>
-            </a:lvl7pPr>
-            <a:lvl8pPr marL="3200400" indent="0">
-              <a:buNone/>
-              <a:defRPr sz="2000"/>
-            </a:lvl8pPr>
-            <a:lvl9pPr marL="3657600" indent="0">
-              <a:buNone/>
-              <a:defRPr sz="2000"/>
-            </a:lvl9pPr>
-          </a:lstStyle>
-          <a:p>
-            <a:r>
-              <a:rPr lang="es-ES"/>
-              <a:t>Haga clic en el icono para agregar una imagen</a:t>
-            </a:r>
-            <a:endParaRPr lang="en-US" dirty="0"/>
-          </a:p>
-        </p:txBody>
-      </p:sp>
-      <p:sp>
-        <p:nvSpPr>
-          <p:cNvPr id="4" name="Text Placeholder 3"/>
-          <p:cNvSpPr>
-            <a:spLocks noGrp="1"/>
-          </p:cNvSpPr>
-          <p:nvPr>
-            <p:ph type="body" sz="half" idx="2"/>
-          </p:nvPr>
-        </p:nvSpPr>
-        <p:spPr>
-          <a:xfrm>
-            <a:off x="913795" y="5108728"/>
-            <a:ext cx="10353762" cy="682472"/>
-          </a:xfrm>
-        </p:spPr>
-        <p:txBody>
-          <a:bodyPr anchor="t"/>
-          <a:lstStyle>
-            <a:lvl1pPr marL="0" indent="0" algn="ctr">
-              <a:buNone/>
               <a:defRPr sz="1600"/>
             </a:lvl1pPr>
             <a:lvl2pPr marL="457200" indent="0">
               <a:buNone/>
-              <a:defRPr sz="1400"/>
+              <a:defRPr sz="1600"/>
             </a:lvl2pPr>
             <a:lvl3pPr marL="914400" indent="0">
               <a:buNone/>
-              <a:defRPr sz="1200"/>
+              <a:defRPr sz="1600"/>
             </a:lvl3pPr>
             <a:lvl4pPr marL="1371600" indent="0">
               <a:buNone/>
-              <a:defRPr sz="1000"/>
+              <a:defRPr sz="1600"/>
             </a:lvl4pPr>
             <a:lvl5pPr marL="1828800" indent="0">
               <a:buNone/>
-              <a:defRPr sz="1000"/>
+              <a:defRPr sz="1600"/>
             </a:lvl5pPr>
             <a:lvl6pPr marL="2286000" indent="0">
               <a:buNone/>
-              <a:defRPr sz="1000"/>
+              <a:defRPr sz="1600"/>
             </a:lvl6pPr>
             <a:lvl7pPr marL="2743200" indent="0">
               <a:buNone/>
-              <a:defRPr sz="1000"/>
+              <a:defRPr sz="1600"/>
             </a:lvl7pPr>
             <a:lvl8pPr marL="3200400" indent="0">
               <a:buNone/>
-              <a:defRPr sz="1000"/>
+              <a:defRPr sz="1600"/>
             </a:lvl8pPr>
             <a:lvl9pPr marL="3657600" indent="0">
               <a:buNone/>
-              <a:defRPr sz="1000"/>
+              <a:defRPr sz="1600"/>
             </a:lvl9pPr>
           </a:lstStyle>
           <a:p>
+            <a:r>
+              <a:rPr lang="en-US" smtClean="0"/>
+              <a:t>Drag picture to placeholder or click icon to add</a:t>
+            </a:r>
+            <a:endParaRPr lang="en-US" dirty="0"/>
+          </a:p>
+        </p:txBody>
+      </p:sp>
+      <p:sp>
+        <p:nvSpPr>
+          <p:cNvPr id="4" name="Text Placeholder 3"/>
+          <p:cNvSpPr>
+            <a:spLocks noGrp="1"/>
+          </p:cNvSpPr>
+          <p:nvPr>
+            <p:ph type="body" sz="half" idx="2"/>
+          </p:nvPr>
+        </p:nvSpPr>
+        <p:spPr>
+          <a:xfrm>
+            <a:off x="1141413" y="5299603"/>
+            <a:ext cx="9906000" cy="493712"/>
+          </a:xfrm>
+        </p:spPr>
+        <p:txBody>
+          <a:bodyPr>
+            <a:normAutofit/>
+          </a:bodyPr>
+          <a:lstStyle>
+            <a:lvl1pPr marL="0" indent="0">
+              <a:buNone/>
+              <a:defRPr sz="1400"/>
+            </a:lvl1pPr>
+            <a:lvl2pPr marL="457200" indent="0">
+              <a:buNone/>
+              <a:defRPr sz="1200"/>
+            </a:lvl2pPr>
+            <a:lvl3pPr marL="914400" indent="0">
+              <a:buNone/>
+              <a:defRPr sz="1000"/>
+            </a:lvl3pPr>
+            <a:lvl4pPr marL="1371600" indent="0">
+              <a:buNone/>
+              <a:defRPr sz="900"/>
+            </a:lvl4pPr>
+            <a:lvl5pPr marL="1828800" indent="0">
+              <a:buNone/>
+              <a:defRPr sz="900"/>
+            </a:lvl5pPr>
+            <a:lvl6pPr marL="2286000" indent="0">
+              <a:buNone/>
+              <a:defRPr sz="900"/>
+            </a:lvl6pPr>
+            <a:lvl7pPr marL="2743200" indent="0">
+              <a:buNone/>
+              <a:defRPr sz="900"/>
+            </a:lvl7pPr>
+            <a:lvl8pPr marL="3200400" indent="0">
+              <a:buNone/>
+              <a:defRPr sz="900"/>
+            </a:lvl8pPr>
+            <a:lvl9pPr marL="3657600" indent="0">
+              <a:buNone/>
+              <a:defRPr sz="900"/>
+            </a:lvl9pPr>
+          </a:lstStyle>
+          <a:p>
             <a:pPr lvl="0"/>
             <a:r>
-              <a:rPr lang="es-ES"/>
-              <a:t>Editar los estilos de texto del patrón</a:t>
+              <a:rPr lang="en-US" smtClean="0"/>
+              <a:t>Click to edit Master text styles</a:t>
             </a:r>
           </a:p>
         </p:txBody>
@@ -602,7 +628,7 @@
           <a:p>
             <a:fld id="{E498B8CB-B27C-42AF-AE8C-17152853A980}" type="datetimeFigureOut">
               <a:rPr lang="es-ES" smtClean="0"/>
-              <a:t>14/12/2017</a:t>
+              <a:t>19/12/17</a:t>
             </a:fld>
             <a:endParaRPr lang="es-ES"/>
           </a:p>
@@ -644,18 +670,13 @@
           <a:p>
             <a:fld id="{1BE3AEAD-4961-45A3-8210-BDC7770D3F15}" type="slidenum">
               <a:rPr lang="es-ES" smtClean="0"/>
-              <a:t>‹Nº›</a:t>
+              <a:t>‹#›</a:t>
             </a:fld>
             <a:endParaRPr lang="es-ES"/>
           </a:p>
         </p:txBody>
       </p:sp>
     </p:spTree>
-    <p:extLst>
-      <p:ext uri="{BB962C8B-B14F-4D97-AF65-F5344CB8AC3E}">
-        <p14:creationId xmlns:p14="http://schemas.microsoft.com/office/powerpoint/2010/main" val="2243374841"/>
-      </p:ext>
-    </p:extLst>
   </p:cSld>
   <p:clrMapOvr>
     <a:masterClrMapping/>
@@ -665,7 +686,7 @@
 
 <file path=ppt/slideLayouts/slideLayout11.xml><?xml version="1.0" encoding="utf-8"?>
 <p:sldLayout xmlns:a="http://schemas.openxmlformats.org/drawingml/2006/main" xmlns:r="http://schemas.openxmlformats.org/officeDocument/2006/relationships" xmlns:p="http://schemas.openxmlformats.org/presentationml/2006/main" preserve="1">
-  <p:cSld name="Título y descripción">
+  <p:cSld name="Title and Caption">
     <p:spTree>
       <p:nvGrpSpPr>
         <p:cNvPr id="1" name=""/>
@@ -692,21 +713,23 @@
         </p:nvSpPr>
         <p:spPr>
           <a:xfrm>
-            <a:off x="913795" y="608437"/>
-            <a:ext cx="10353762" cy="3534344"/>
+            <a:off x="1141412" y="609601"/>
+            <a:ext cx="9905999" cy="3124199"/>
           </a:xfrm>
         </p:spPr>
         <p:txBody>
-          <a:bodyPr anchor="ctr"/>
+          <a:bodyPr anchor="ctr">
+            <a:normAutofit/>
+          </a:bodyPr>
           <a:lstStyle>
-            <a:lvl1pPr>
-              <a:defRPr sz="3200"/>
+            <a:lvl1pPr algn="l">
+              <a:defRPr sz="3200" b="0" cap="all"/>
             </a:lvl1pPr>
           </a:lstStyle>
           <a:p>
             <a:r>
-              <a:rPr lang="es-ES"/>
-              <a:t>Haga clic para modificar el estilo de título del patrón</a:t>
+              <a:rPr lang="en-US" smtClean="0"/>
+              <a:t>Click to edit Master title style</a:t>
             </a:r>
             <a:endParaRPr lang="en-US" dirty="0"/>
           </a:p>
@@ -714,72 +737,137 @@
       </p:sp>
       <p:sp>
         <p:nvSpPr>
-          <p:cNvPr id="4" name="Text Placeholder 3"/>
-          <p:cNvSpPr>
-            <a:spLocks noGrp="1"/>
-          </p:cNvSpPr>
-          <p:nvPr>
-            <p:ph type="body" sz="half" idx="2"/>
+          <p:cNvPr id="3" name="Text Placeholder 2"/>
+          <p:cNvSpPr>
+            <a:spLocks noGrp="1"/>
+          </p:cNvSpPr>
+          <p:nvPr>
+            <p:ph type="body" idx="1"/>
           </p:nvPr>
         </p:nvSpPr>
         <p:spPr>
           <a:xfrm>
-            <a:off x="913794" y="4295180"/>
-            <a:ext cx="10353763" cy="1501826"/>
+            <a:off x="1141411" y="4343400"/>
+            <a:ext cx="9906000" cy="1447800"/>
           </a:xfrm>
         </p:spPr>
         <p:txBody>
-          <a:bodyPr anchor="ctr"/>
+          <a:bodyPr anchor="ctr">
+            <a:normAutofit/>
+          </a:bodyPr>
           <a:lstStyle>
-            <a:lvl1pPr marL="0" indent="0" algn="ctr">
-              <a:buNone/>
-              <a:defRPr sz="1600"/>
+            <a:lvl1pPr marL="0" indent="0" algn="l">
+              <a:buNone/>
+              <a:defRPr sz="2000">
+                <a:gradFill flip="none" rotWithShape="1">
+                  <a:gsLst>
+                    <a:gs pos="0">
+                      <a:schemeClr val="tx1"/>
+                    </a:gs>
+                    <a:gs pos="100000">
+                      <a:schemeClr val="tx1">
+                        <a:lumMod val="75000"/>
+                      </a:schemeClr>
+                    </a:gs>
+                  </a:gsLst>
+                  <a:lin ang="5400000" scaled="0"/>
+                  <a:tileRect/>
+                </a:gradFill>
+              </a:defRPr>
             </a:lvl1pPr>
             <a:lvl2pPr marL="457200" indent="0">
               <a:buNone/>
-              <a:defRPr sz="1400"/>
+              <a:defRPr sz="1800">
+                <a:solidFill>
+                  <a:schemeClr val="tx1">
+                    <a:tint val="75000"/>
+                  </a:schemeClr>
+                </a:solidFill>
+              </a:defRPr>
             </a:lvl2pPr>
             <a:lvl3pPr marL="914400" indent="0">
               <a:buNone/>
-              <a:defRPr sz="1200"/>
+              <a:defRPr sz="1600">
+                <a:solidFill>
+                  <a:schemeClr val="tx1">
+                    <a:tint val="75000"/>
+                  </a:schemeClr>
+                </a:solidFill>
+              </a:defRPr>
             </a:lvl3pPr>
             <a:lvl4pPr marL="1371600" indent="0">
               <a:buNone/>
-              <a:defRPr sz="1000"/>
+              <a:defRPr sz="1400">
+                <a:solidFill>
+                  <a:schemeClr val="tx1">
+                    <a:tint val="75000"/>
+                  </a:schemeClr>
+                </a:solidFill>
+              </a:defRPr>
             </a:lvl4pPr>
             <a:lvl5pPr marL="1828800" indent="0">
               <a:buNone/>
-              <a:defRPr sz="1000"/>
+              <a:defRPr sz="1400">
+                <a:solidFill>
+                  <a:schemeClr val="tx1">
+                    <a:tint val="75000"/>
+                  </a:schemeClr>
+                </a:solidFill>
+              </a:defRPr>
             </a:lvl5pPr>
             <a:lvl6pPr marL="2286000" indent="0">
               <a:buNone/>
-              <a:defRPr sz="1000"/>
+              <a:defRPr sz="1400">
+                <a:solidFill>
+                  <a:schemeClr val="tx1">
+                    <a:tint val="75000"/>
+                  </a:schemeClr>
+                </a:solidFill>
+              </a:defRPr>
             </a:lvl6pPr>
             <a:lvl7pPr marL="2743200" indent="0">
               <a:buNone/>
-              <a:defRPr sz="1000"/>
+              <a:defRPr sz="1400">
+                <a:solidFill>
+                  <a:schemeClr val="tx1">
+                    <a:tint val="75000"/>
+                  </a:schemeClr>
+                </a:solidFill>
+              </a:defRPr>
             </a:lvl7pPr>
             <a:lvl8pPr marL="3200400" indent="0">
               <a:buNone/>
-              <a:defRPr sz="1000"/>
+              <a:defRPr sz="1400">
+                <a:solidFill>
+                  <a:schemeClr val="tx1">
+                    <a:tint val="75000"/>
+                  </a:schemeClr>
+                </a:solidFill>
+              </a:defRPr>
             </a:lvl8pPr>
             <a:lvl9pPr marL="3657600" indent="0">
               <a:buNone/>
-              <a:defRPr sz="1000"/>
+              <a:defRPr sz="1400">
+                <a:solidFill>
+                  <a:schemeClr val="tx1">
+                    <a:tint val="75000"/>
+                  </a:schemeClr>
+                </a:solidFill>
+              </a:defRPr>
             </a:lvl9pPr>
           </a:lstStyle>
           <a:p>
             <a:pPr lvl="0"/>
             <a:r>
-              <a:rPr lang="es-ES"/>
-              <a:t>Editar los estilos de texto del patrón</a:t>
-            </a:r>
-          </a:p>
-        </p:txBody>
-      </p:sp>
-      <p:sp>
-        <p:nvSpPr>
-          <p:cNvPr id="5" name="Date Placeholder 4"/>
+              <a:rPr lang="en-US" smtClean="0"/>
+              <a:t>Click to edit Master text styles</a:t>
+            </a:r>
+          </a:p>
+        </p:txBody>
+      </p:sp>
+      <p:sp>
+        <p:nvSpPr>
+          <p:cNvPr id="4" name="Date Placeholder 3"/>
           <p:cNvSpPr>
             <a:spLocks noGrp="1"/>
           </p:cNvSpPr>
@@ -794,7 +882,7 @@
           <a:p>
             <a:fld id="{E498B8CB-B27C-42AF-AE8C-17152853A980}" type="datetimeFigureOut">
               <a:rPr lang="es-ES" smtClean="0"/>
-              <a:t>14/12/2017</a:t>
+              <a:t>19/12/17</a:t>
             </a:fld>
             <a:endParaRPr lang="es-ES"/>
           </a:p>
@@ -802,7 +890,7 @@
       </p:sp>
       <p:sp>
         <p:nvSpPr>
-          <p:cNvPr id="6" name="Footer Placeholder 5"/>
+          <p:cNvPr id="5" name="Footer Placeholder 4"/>
           <p:cNvSpPr>
             <a:spLocks noGrp="1"/>
           </p:cNvSpPr>
@@ -821,7 +909,7 @@
       </p:sp>
       <p:sp>
         <p:nvSpPr>
-          <p:cNvPr id="7" name="Slide Number Placeholder 6"/>
+          <p:cNvPr id="6" name="Slide Number Placeholder 5"/>
           <p:cNvSpPr>
             <a:spLocks noGrp="1"/>
           </p:cNvSpPr>
@@ -836,18 +924,13 @@
           <a:p>
             <a:fld id="{1BE3AEAD-4961-45A3-8210-BDC7770D3F15}" type="slidenum">
               <a:rPr lang="es-ES" smtClean="0"/>
-              <a:t>‹Nº›</a:t>
+              <a:t>‹#›</a:t>
             </a:fld>
             <a:endParaRPr lang="es-ES"/>
           </a:p>
         </p:txBody>
       </p:sp>
     </p:spTree>
-    <p:extLst>
-      <p:ext uri="{BB962C8B-B14F-4D97-AF65-F5344CB8AC3E}">
-        <p14:creationId xmlns:p14="http://schemas.microsoft.com/office/powerpoint/2010/main" val="3096336053"/>
-      </p:ext>
-    </p:extLst>
   </p:cSld>
   <p:clrMapOvr>
     <a:masterClrMapping/>
@@ -857,7 +940,7 @@
 
 <file path=ppt/slideLayouts/slideLayout12.xml><?xml version="1.0" encoding="utf-8"?>
 <p:sldLayout xmlns:a="http://schemas.openxmlformats.org/drawingml/2006/main" xmlns:r="http://schemas.openxmlformats.org/officeDocument/2006/relationships" xmlns:p="http://schemas.openxmlformats.org/presentationml/2006/main" preserve="1">
-  <p:cSld name="Cita con descripción">
+  <p:cSld name="Quote with Caption">
     <p:spTree>
       <p:nvGrpSpPr>
         <p:cNvPr id="1" name=""/>
@@ -874,244 +957,13 @@
       </p:grpSpPr>
       <p:sp>
         <p:nvSpPr>
-          <p:cNvPr id="2" name="Title 1"/>
-          <p:cNvSpPr>
-            <a:spLocks noGrp="1"/>
-          </p:cNvSpPr>
-          <p:nvPr>
-            <p:ph type="title"/>
-          </p:nvPr>
+          <p:cNvPr id="14" name="TextBox 13"/>
+          <p:cNvSpPr txBox="1"/>
+          <p:nvPr/>
         </p:nvSpPr>
         <p:spPr>
           <a:xfrm>
-            <a:off x="1446212" y="609600"/>
-            <a:ext cx="9302752" cy="2992904"/>
-          </a:xfrm>
-        </p:spPr>
-        <p:txBody>
-          <a:bodyPr anchor="ctr"/>
-          <a:lstStyle>
-            <a:lvl1pPr>
-              <a:defRPr sz="3200"/>
-            </a:lvl1pPr>
-          </a:lstStyle>
-          <a:p>
-            <a:r>
-              <a:rPr lang="es-ES"/>
-              <a:t>Haga clic para modificar el estilo de título del patrón</a:t>
-            </a:r>
-            <a:endParaRPr lang="en-US" dirty="0"/>
-          </a:p>
-        </p:txBody>
-      </p:sp>
-      <p:sp>
-        <p:nvSpPr>
-          <p:cNvPr id="12" name="Text Placeholder 3"/>
-          <p:cNvSpPr>
-            <a:spLocks noGrp="1"/>
-          </p:cNvSpPr>
-          <p:nvPr>
-            <p:ph type="body" sz="half" idx="13"/>
-          </p:nvPr>
-        </p:nvSpPr>
-        <p:spPr>
-          <a:xfrm>
-            <a:off x="1720644" y="3610032"/>
-            <a:ext cx="8752299" cy="532749"/>
-          </a:xfrm>
-        </p:spPr>
-        <p:txBody>
-          <a:bodyPr anchor="t">
-            <a:normAutofit/>
-          </a:bodyPr>
-          <a:lstStyle>
-            <a:lvl1pPr marL="0" indent="0" algn="r">
-              <a:buNone/>
-              <a:defRPr sz="1400"/>
-            </a:lvl1pPr>
-            <a:lvl2pPr marL="457200" indent="0">
-              <a:buNone/>
-              <a:defRPr sz="1400"/>
-            </a:lvl2pPr>
-            <a:lvl3pPr marL="914400" indent="0">
-              <a:buNone/>
-              <a:defRPr sz="1200"/>
-            </a:lvl3pPr>
-            <a:lvl4pPr marL="1371600" indent="0">
-              <a:buNone/>
-              <a:defRPr sz="1000"/>
-            </a:lvl4pPr>
-            <a:lvl5pPr marL="1828800" indent="0">
-              <a:buNone/>
-              <a:defRPr sz="1000"/>
-            </a:lvl5pPr>
-            <a:lvl6pPr marL="2286000" indent="0">
-              <a:buNone/>
-              <a:defRPr sz="1000"/>
-            </a:lvl6pPr>
-            <a:lvl7pPr marL="2743200" indent="0">
-              <a:buNone/>
-              <a:defRPr sz="1000"/>
-            </a:lvl7pPr>
-            <a:lvl8pPr marL="3200400" indent="0">
-              <a:buNone/>
-              <a:defRPr sz="1000"/>
-            </a:lvl8pPr>
-            <a:lvl9pPr marL="3657600" indent="0">
-              <a:buNone/>
-              <a:defRPr sz="1000"/>
-            </a:lvl9pPr>
-          </a:lstStyle>
-          <a:p>
-            <a:pPr lvl="0"/>
-            <a:r>
-              <a:rPr lang="es-ES"/>
-              <a:t>Editar los estilos de texto del patrón</a:t>
-            </a:r>
-          </a:p>
-        </p:txBody>
-      </p:sp>
-      <p:sp>
-        <p:nvSpPr>
-          <p:cNvPr id="4" name="Text Placeholder 3"/>
-          <p:cNvSpPr>
-            <a:spLocks noGrp="1"/>
-          </p:cNvSpPr>
-          <p:nvPr>
-            <p:ph type="body" sz="half" idx="2"/>
-          </p:nvPr>
-        </p:nvSpPr>
-        <p:spPr>
-          <a:xfrm>
-            <a:off x="913794" y="4304353"/>
-            <a:ext cx="10353763" cy="1489496"/>
-          </a:xfrm>
-        </p:spPr>
-        <p:txBody>
-          <a:bodyPr anchor="ctr">
-            <a:normAutofit/>
-          </a:bodyPr>
-          <a:lstStyle>
-            <a:lvl1pPr marL="0" indent="0" algn="ctr">
-              <a:buNone/>
-              <a:defRPr sz="1600"/>
-            </a:lvl1pPr>
-            <a:lvl2pPr marL="457200" indent="0">
-              <a:buNone/>
-              <a:defRPr sz="1400"/>
-            </a:lvl2pPr>
-            <a:lvl3pPr marL="914400" indent="0">
-              <a:buNone/>
-              <a:defRPr sz="1200"/>
-            </a:lvl3pPr>
-            <a:lvl4pPr marL="1371600" indent="0">
-              <a:buNone/>
-              <a:defRPr sz="1000"/>
-            </a:lvl4pPr>
-            <a:lvl5pPr marL="1828800" indent="0">
-              <a:buNone/>
-              <a:defRPr sz="1000"/>
-            </a:lvl5pPr>
-            <a:lvl6pPr marL="2286000" indent="0">
-              <a:buNone/>
-              <a:defRPr sz="1000"/>
-            </a:lvl6pPr>
-            <a:lvl7pPr marL="2743200" indent="0">
-              <a:buNone/>
-              <a:defRPr sz="1000"/>
-            </a:lvl7pPr>
-            <a:lvl8pPr marL="3200400" indent="0">
-              <a:buNone/>
-              <a:defRPr sz="1000"/>
-            </a:lvl8pPr>
-            <a:lvl9pPr marL="3657600" indent="0">
-              <a:buNone/>
-              <a:defRPr sz="1000"/>
-            </a:lvl9pPr>
-          </a:lstStyle>
-          <a:p>
-            <a:pPr lvl="0"/>
-            <a:r>
-              <a:rPr lang="es-ES"/>
-              <a:t>Editar los estilos de texto del patrón</a:t>
-            </a:r>
-          </a:p>
-        </p:txBody>
-      </p:sp>
-      <p:sp>
-        <p:nvSpPr>
-          <p:cNvPr id="5" name="Date Placeholder 4"/>
-          <p:cNvSpPr>
-            <a:spLocks noGrp="1"/>
-          </p:cNvSpPr>
-          <p:nvPr>
-            <p:ph type="dt" sz="half" idx="10"/>
-          </p:nvPr>
-        </p:nvSpPr>
-        <p:spPr/>
-        <p:txBody>
-          <a:bodyPr/>
-          <a:lstStyle/>
-          <a:p>
-            <a:fld id="{E498B8CB-B27C-42AF-AE8C-17152853A980}" type="datetimeFigureOut">
-              <a:rPr lang="es-ES" smtClean="0"/>
-              <a:t>14/12/2017</a:t>
-            </a:fld>
-            <a:endParaRPr lang="es-ES"/>
-          </a:p>
-        </p:txBody>
-      </p:sp>
-      <p:sp>
-        <p:nvSpPr>
-          <p:cNvPr id="6" name="Footer Placeholder 5"/>
-          <p:cNvSpPr>
-            <a:spLocks noGrp="1"/>
-          </p:cNvSpPr>
-          <p:nvPr>
-            <p:ph type="ftr" sz="quarter" idx="11"/>
-          </p:nvPr>
-        </p:nvSpPr>
-        <p:spPr/>
-        <p:txBody>
-          <a:bodyPr/>
-          <a:lstStyle/>
-          <a:p>
-            <a:endParaRPr lang="es-ES"/>
-          </a:p>
-        </p:txBody>
-      </p:sp>
-      <p:sp>
-        <p:nvSpPr>
-          <p:cNvPr id="7" name="Slide Number Placeholder 6"/>
-          <p:cNvSpPr>
-            <a:spLocks noGrp="1"/>
-          </p:cNvSpPr>
-          <p:nvPr>
-            <p:ph type="sldNum" sz="quarter" idx="12"/>
-          </p:nvPr>
-        </p:nvSpPr>
-        <p:spPr/>
-        <p:txBody>
-          <a:bodyPr/>
-          <a:lstStyle/>
-          <a:p>
-            <a:fld id="{1BE3AEAD-4961-45A3-8210-BDC7770D3F15}" type="slidenum">
-              <a:rPr lang="es-ES" smtClean="0"/>
-              <a:t>‹Nº›</a:t>
-            </a:fld>
-            <a:endParaRPr lang="es-ES"/>
-          </a:p>
-        </p:txBody>
-      </p:sp>
-      <p:sp>
-        <p:nvSpPr>
-          <p:cNvPr id="11" name="TextBox 10"/>
-          <p:cNvSpPr txBox="1"/>
-          <p:nvPr/>
-        </p:nvSpPr>
-        <p:spPr>
-          <a:xfrm>
-            <a:off x="990600" y="884796"/>
+            <a:off x="836612" y="786824"/>
             <a:ext cx="609600" cy="584776"/>
           </a:xfrm>
           <a:prstGeom prst="rect">
@@ -1210,9 +1062,8 @@
             <a:r>
               <a:rPr lang="en-US" sz="8000" dirty="0">
                 <a:solidFill>
-                  <a:schemeClr val="tx1"/>
-                </a:solidFill>
-                <a:effectLst/>
+                  <a:schemeClr val="accent1"/>
+                </a:solidFill>
               </a:rPr>
               <a:t>“</a:t>
             </a:r>
@@ -1221,13 +1072,13 @@
       </p:sp>
       <p:sp>
         <p:nvSpPr>
-          <p:cNvPr id="13" name="TextBox 12"/>
+          <p:cNvPr id="15" name="TextBox 14"/>
           <p:cNvSpPr txBox="1"/>
           <p:nvPr/>
         </p:nvSpPr>
         <p:spPr>
           <a:xfrm>
-            <a:off x="10504716" y="2928258"/>
+            <a:off x="10437812" y="2743200"/>
             <a:ext cx="609600" cy="584776"/>
           </a:xfrm>
           <a:prstGeom prst="rect">
@@ -1326,21 +1177,224 @@
             <a:r>
               <a:rPr lang="en-US" sz="8000" dirty="0">
                 <a:solidFill>
-                  <a:schemeClr val="tx1"/>
-                </a:solidFill>
-                <a:effectLst/>
+                  <a:schemeClr val="accent1"/>
+                </a:solidFill>
               </a:rPr>
               <a:t>”</a:t>
             </a:r>
           </a:p>
         </p:txBody>
       </p:sp>
+      <p:sp>
+        <p:nvSpPr>
+          <p:cNvPr id="2" name="Title 1"/>
+          <p:cNvSpPr>
+            <a:spLocks noGrp="1"/>
+          </p:cNvSpPr>
+          <p:nvPr>
+            <p:ph type="title"/>
+          </p:nvPr>
+        </p:nvSpPr>
+        <p:spPr>
+          <a:xfrm>
+            <a:off x="1446213" y="609601"/>
+            <a:ext cx="9296398" cy="2743199"/>
+          </a:xfrm>
+        </p:spPr>
+        <p:txBody>
+          <a:bodyPr anchor="ctr">
+            <a:normAutofit/>
+          </a:bodyPr>
+          <a:lstStyle>
+            <a:lvl1pPr algn="l">
+              <a:defRPr sz="3200" b="0" cap="all">
+                <a:solidFill>
+                  <a:schemeClr val="tx1"/>
+                </a:solidFill>
+              </a:defRPr>
+            </a:lvl1pPr>
+          </a:lstStyle>
+          <a:p>
+            <a:r>
+              <a:rPr lang="en-US" smtClean="0"/>
+              <a:t>Click to edit Master title style</a:t>
+            </a:r>
+            <a:endParaRPr lang="en-US" dirty="0"/>
+          </a:p>
+        </p:txBody>
+      </p:sp>
+      <p:sp>
+        <p:nvSpPr>
+          <p:cNvPr id="10" name="Text Placeholder 9"/>
+          <p:cNvSpPr>
+            <a:spLocks noGrp="1"/>
+          </p:cNvSpPr>
+          <p:nvPr>
+            <p:ph type="body" sz="quarter" idx="13"/>
+          </p:nvPr>
+        </p:nvSpPr>
+        <p:spPr>
+          <a:xfrm>
+            <a:off x="1674812" y="3352800"/>
+            <a:ext cx="8839202" cy="381000"/>
+          </a:xfrm>
+        </p:spPr>
+        <p:txBody>
+          <a:bodyPr anchor="ctr"/>
+          <a:lstStyle>
+            <a:lvl1pPr marL="0" indent="0">
+              <a:buFontTx/>
+              <a:buNone/>
+              <a:defRPr/>
+            </a:lvl1pPr>
+            <a:lvl2pPr marL="457200" indent="0">
+              <a:buFontTx/>
+              <a:buNone/>
+              <a:defRPr/>
+            </a:lvl2pPr>
+            <a:lvl3pPr marL="914400" indent="0">
+              <a:buFontTx/>
+              <a:buNone/>
+              <a:defRPr/>
+            </a:lvl3pPr>
+            <a:lvl4pPr marL="1371600" indent="0">
+              <a:buFontTx/>
+              <a:buNone/>
+              <a:defRPr/>
+            </a:lvl4pPr>
+            <a:lvl5pPr marL="1828800" indent="0">
+              <a:buFontTx/>
+              <a:buNone/>
+              <a:defRPr/>
+            </a:lvl5pPr>
+          </a:lstStyle>
+          <a:p>
+            <a:pPr lvl="0"/>
+            <a:r>
+              <a:rPr lang="en-US" smtClean="0"/>
+              <a:t>Click to edit Master text styles</a:t>
+            </a:r>
+          </a:p>
+        </p:txBody>
+      </p:sp>
+      <p:sp>
+        <p:nvSpPr>
+          <p:cNvPr id="3" name="Text Placeholder 2"/>
+          <p:cNvSpPr>
+            <a:spLocks noGrp="1"/>
+          </p:cNvSpPr>
+          <p:nvPr>
+            <p:ph type="body" idx="1"/>
+          </p:nvPr>
+        </p:nvSpPr>
+        <p:spPr>
+          <a:xfrm>
+            <a:off x="1141411" y="4343400"/>
+            <a:ext cx="9906000" cy="1447800"/>
+          </a:xfrm>
+        </p:spPr>
+        <p:txBody>
+          <a:bodyPr vert="horz" lIns="91440" tIns="45720" rIns="91440" bIns="45720" rtlCol="0" anchor="ctr">
+            <a:normAutofit/>
+          </a:bodyPr>
+          <a:lstStyle>
+            <a:lvl1pPr>
+              <a:buNone/>
+              <a:defRPr lang="en-US" sz="2000">
+                <a:gradFill flip="none" rotWithShape="1">
+                  <a:gsLst>
+                    <a:gs pos="0">
+                      <a:schemeClr val="tx1"/>
+                    </a:gs>
+                    <a:gs pos="100000">
+                      <a:schemeClr val="tx1">
+                        <a:lumMod val="75000"/>
+                      </a:schemeClr>
+                    </a:gs>
+                  </a:gsLst>
+                  <a:lin ang="5400000" scaled="0"/>
+                  <a:tileRect/>
+                </a:gradFill>
+              </a:defRPr>
+            </a:lvl1pPr>
+          </a:lstStyle>
+          <a:p>
+            <a:pPr marL="0" lvl="0" indent="0">
+              <a:buNone/>
+            </a:pPr>
+            <a:r>
+              <a:rPr lang="en-US" smtClean="0"/>
+              <a:t>Click to edit Master text styles</a:t>
+            </a:r>
+          </a:p>
+        </p:txBody>
+      </p:sp>
+      <p:sp>
+        <p:nvSpPr>
+          <p:cNvPr id="4" name="Date Placeholder 3"/>
+          <p:cNvSpPr>
+            <a:spLocks noGrp="1"/>
+          </p:cNvSpPr>
+          <p:nvPr>
+            <p:ph type="dt" sz="half" idx="10"/>
+          </p:nvPr>
+        </p:nvSpPr>
+        <p:spPr/>
+        <p:txBody>
+          <a:bodyPr/>
+          <a:lstStyle/>
+          <a:p>
+            <a:fld id="{E498B8CB-B27C-42AF-AE8C-17152853A980}" type="datetimeFigureOut">
+              <a:rPr lang="es-ES" smtClean="0"/>
+              <a:t>19/12/17</a:t>
+            </a:fld>
+            <a:endParaRPr lang="es-ES"/>
+          </a:p>
+        </p:txBody>
+      </p:sp>
+      <p:sp>
+        <p:nvSpPr>
+          <p:cNvPr id="5" name="Footer Placeholder 4"/>
+          <p:cNvSpPr>
+            <a:spLocks noGrp="1"/>
+          </p:cNvSpPr>
+          <p:nvPr>
+            <p:ph type="ftr" sz="quarter" idx="11"/>
+          </p:nvPr>
+        </p:nvSpPr>
+        <p:spPr/>
+        <p:txBody>
+          <a:bodyPr/>
+          <a:lstStyle/>
+          <a:p>
+            <a:endParaRPr lang="es-ES"/>
+          </a:p>
+        </p:txBody>
+      </p:sp>
+      <p:sp>
+        <p:nvSpPr>
+          <p:cNvPr id="6" name="Slide Number Placeholder 5"/>
+          <p:cNvSpPr>
+            <a:spLocks noGrp="1"/>
+          </p:cNvSpPr>
+          <p:nvPr>
+            <p:ph type="sldNum" sz="quarter" idx="12"/>
+          </p:nvPr>
+        </p:nvSpPr>
+        <p:spPr/>
+        <p:txBody>
+          <a:bodyPr/>
+          <a:lstStyle/>
+          <a:p>
+            <a:fld id="{1BE3AEAD-4961-45A3-8210-BDC7770D3F15}" type="slidenum">
+              <a:rPr lang="es-ES" smtClean="0"/>
+              <a:t>‹#›</a:t>
+            </a:fld>
+            <a:endParaRPr lang="es-ES"/>
+          </a:p>
+        </p:txBody>
+      </p:sp>
     </p:spTree>
-    <p:extLst>
-      <p:ext uri="{BB962C8B-B14F-4D97-AF65-F5344CB8AC3E}">
-        <p14:creationId xmlns:p14="http://schemas.microsoft.com/office/powerpoint/2010/main" val="170571485"/>
-      </p:ext>
-    </p:extLst>
   </p:cSld>
   <p:clrMapOvr>
     <a:masterClrMapping/>
@@ -1350,7 +1404,7 @@
 
 <file path=ppt/slideLayouts/slideLayout13.xml><?xml version="1.0" encoding="utf-8"?>
 <p:sldLayout xmlns:a="http://schemas.openxmlformats.org/drawingml/2006/main" xmlns:r="http://schemas.openxmlformats.org/officeDocument/2006/relationships" xmlns:p="http://schemas.openxmlformats.org/presentationml/2006/main" preserve="1">
-  <p:cSld name="Tarjeta de nombre">
+  <p:cSld name="Name Card">
     <p:spTree>
       <p:nvGrpSpPr>
         <p:cNvPr id="1" name=""/>
@@ -1377,94 +1431,82 @@
         </p:nvSpPr>
         <p:spPr>
           <a:xfrm>
-            <a:off x="913794" y="2126942"/>
-            <a:ext cx="10353763" cy="2511835"/>
+            <a:off x="1141412" y="3308581"/>
+            <a:ext cx="9906000" cy="1468800"/>
           </a:xfrm>
         </p:spPr>
         <p:txBody>
-          <a:bodyPr anchor="b"/>
+          <a:bodyPr anchor="b">
+            <a:normAutofit/>
+          </a:bodyPr>
+          <a:lstStyle>
+            <a:lvl1pPr algn="l">
+              <a:defRPr sz="3200" b="0" cap="all"/>
+            </a:lvl1pPr>
+          </a:lstStyle>
+          <a:p>
+            <a:r>
+              <a:rPr lang="en-US" smtClean="0"/>
+              <a:t>Click to edit Master title style</a:t>
+            </a:r>
+            <a:endParaRPr lang="en-US" dirty="0"/>
+          </a:p>
+        </p:txBody>
+      </p:sp>
+      <p:sp>
+        <p:nvSpPr>
+          <p:cNvPr id="3" name="Text Placeholder 2"/>
+          <p:cNvSpPr>
+            <a:spLocks noGrp="1"/>
+          </p:cNvSpPr>
+          <p:nvPr>
+            <p:ph type="body" idx="1"/>
+          </p:nvPr>
+        </p:nvSpPr>
+        <p:spPr>
+          <a:xfrm>
+            <a:off x="1141410" y="4777381"/>
+            <a:ext cx="9906001" cy="860400"/>
+          </a:xfrm>
+        </p:spPr>
+        <p:txBody>
+          <a:bodyPr vert="horz" lIns="91440" tIns="45720" rIns="91440" bIns="45720" rtlCol="0" anchor="t">
+            <a:normAutofit/>
+          </a:bodyPr>
           <a:lstStyle>
             <a:lvl1pPr>
-              <a:defRPr sz="3200"/>
+              <a:defRPr lang="en-US" sz="2000">
+                <a:gradFill flip="none" rotWithShape="1">
+                  <a:gsLst>
+                    <a:gs pos="0">
+                      <a:schemeClr val="tx1"/>
+                    </a:gs>
+                    <a:gs pos="100000">
+                      <a:schemeClr val="tx1">
+                        <a:lumMod val="75000"/>
+                      </a:schemeClr>
+                    </a:gs>
+                  </a:gsLst>
+                  <a:lin ang="5400000" scaled="0"/>
+                  <a:tileRect/>
+                </a:gradFill>
+              </a:defRPr>
             </a:lvl1pPr>
           </a:lstStyle>
           <a:p>
-            <a:r>
-              <a:rPr lang="es-ES"/>
-              <a:t>Haga clic para modificar el estilo de título del patrón</a:t>
-            </a:r>
-            <a:endParaRPr lang="en-US" dirty="0"/>
-          </a:p>
-        </p:txBody>
-      </p:sp>
-      <p:sp>
-        <p:nvSpPr>
-          <p:cNvPr id="4" name="Text Placeholder 3"/>
-          <p:cNvSpPr>
-            <a:spLocks noGrp="1"/>
-          </p:cNvSpPr>
-          <p:nvPr>
-            <p:ph type="body" sz="half" idx="2"/>
-          </p:nvPr>
-        </p:nvSpPr>
-        <p:spPr>
-          <a:xfrm>
-            <a:off x="913784" y="4650556"/>
-            <a:ext cx="10352199" cy="1140644"/>
-          </a:xfrm>
-        </p:spPr>
-        <p:txBody>
-          <a:bodyPr anchor="t"/>
-          <a:lstStyle>
-            <a:lvl1pPr marL="0" indent="0" algn="ctr">
-              <a:buNone/>
-              <a:defRPr sz="1600"/>
-            </a:lvl1pPr>
-            <a:lvl2pPr marL="457200" indent="0">
-              <a:buNone/>
-              <a:defRPr sz="1400"/>
-            </a:lvl2pPr>
-            <a:lvl3pPr marL="914400" indent="0">
-              <a:buNone/>
-              <a:defRPr sz="1200"/>
-            </a:lvl3pPr>
-            <a:lvl4pPr marL="1371600" indent="0">
-              <a:buNone/>
-              <a:defRPr sz="1000"/>
-            </a:lvl4pPr>
-            <a:lvl5pPr marL="1828800" indent="0">
-              <a:buNone/>
-              <a:defRPr sz="1000"/>
-            </a:lvl5pPr>
-            <a:lvl6pPr marL="2286000" indent="0">
-              <a:buNone/>
-              <a:defRPr sz="1000"/>
-            </a:lvl6pPr>
-            <a:lvl7pPr marL="2743200" indent="0">
-              <a:buNone/>
-              <a:defRPr sz="1000"/>
-            </a:lvl7pPr>
-            <a:lvl8pPr marL="3200400" indent="0">
-              <a:buNone/>
-              <a:defRPr sz="1000"/>
-            </a:lvl8pPr>
-            <a:lvl9pPr marL="3657600" indent="0">
-              <a:buNone/>
-              <a:defRPr sz="1000"/>
-            </a:lvl9pPr>
-          </a:lstStyle>
-          <a:p>
-            <a:pPr lvl="0"/>
-            <a:r>
-              <a:rPr lang="es-ES"/>
-              <a:t>Editar los estilos de texto del patrón</a:t>
-            </a:r>
-          </a:p>
-        </p:txBody>
-      </p:sp>
-      <p:sp>
-        <p:nvSpPr>
-          <p:cNvPr id="5" name="Date Placeholder 4"/>
+            <a:pPr marL="0" lvl="0" indent="0">
+              <a:buNone/>
+            </a:pPr>
+            <a:r>
+              <a:rPr lang="en-US" smtClean="0"/>
+              <a:t>Click to edit Master text styles</a:t>
+            </a:r>
+          </a:p>
+        </p:txBody>
+      </p:sp>
+      <p:sp>
+        <p:nvSpPr>
+          <p:cNvPr id="4" name="Date Placeholder 3"/>
           <p:cNvSpPr>
             <a:spLocks noGrp="1"/>
           </p:cNvSpPr>
@@ -1479,7 +1521,7 @@
           <a:p>
             <a:fld id="{E498B8CB-B27C-42AF-AE8C-17152853A980}" type="datetimeFigureOut">
               <a:rPr lang="es-ES" smtClean="0"/>
-              <a:t>14/12/2017</a:t>
+              <a:t>19/12/17</a:t>
             </a:fld>
             <a:endParaRPr lang="es-ES"/>
           </a:p>
@@ -1487,7 +1529,7 @@
       </p:sp>
       <p:sp>
         <p:nvSpPr>
-          <p:cNvPr id="6" name="Footer Placeholder 5"/>
+          <p:cNvPr id="5" name="Footer Placeholder 4"/>
           <p:cNvSpPr>
             <a:spLocks noGrp="1"/>
           </p:cNvSpPr>
@@ -1506,7 +1548,7 @@
       </p:sp>
       <p:sp>
         <p:nvSpPr>
-          <p:cNvPr id="7" name="Slide Number Placeholder 6"/>
+          <p:cNvPr id="6" name="Slide Number Placeholder 5"/>
           <p:cNvSpPr>
             <a:spLocks noGrp="1"/>
           </p:cNvSpPr>
@@ -1521,18 +1563,13 @@
           <a:p>
             <a:fld id="{1BE3AEAD-4961-45A3-8210-BDC7770D3F15}" type="slidenum">
               <a:rPr lang="es-ES" smtClean="0"/>
-              <a:t>‹Nº›</a:t>
+              <a:t>‹#›</a:t>
             </a:fld>
             <a:endParaRPr lang="es-ES"/>
           </a:p>
         </p:txBody>
       </p:sp>
     </p:spTree>
-    <p:extLst>
-      <p:ext uri="{BB962C8B-B14F-4D97-AF65-F5344CB8AC3E}">
-        <p14:creationId xmlns:p14="http://schemas.microsoft.com/office/powerpoint/2010/main" val="1888153672"/>
-      </p:ext>
-    </p:extLst>
   </p:cSld>
   <p:clrMapOvr>
     <a:masterClrMapping/>
@@ -1542,7 +1579,7 @@
 
 <file path=ppt/slideLayouts/slideLayout14.xml><?xml version="1.0" encoding="utf-8"?>
 <p:sldLayout xmlns:a="http://schemas.openxmlformats.org/drawingml/2006/main" xmlns:r="http://schemas.openxmlformats.org/officeDocument/2006/relationships" xmlns:p="http://schemas.openxmlformats.org/presentationml/2006/main" preserve="1">
-  <p:cSld name="Columna 3">
+  <p:cSld name="Quote Name Card">
     <p:spTree>
       <p:nvGrpSpPr>
         <p:cNvPr id="1" name=""/>
@@ -1559,117 +1596,369 @@
       </p:grpSpPr>
       <p:sp>
         <p:nvSpPr>
-          <p:cNvPr id="15" name="Title 1"/>
-          <p:cNvSpPr>
-            <a:spLocks noGrp="1"/>
-          </p:cNvSpPr>
-          <p:nvPr>
-            <p:ph type="title"/>
-          </p:nvPr>
+          <p:cNvPr id="14" name="TextBox 13"/>
+          <p:cNvSpPr txBox="1"/>
+          <p:nvPr/>
         </p:nvSpPr>
         <p:spPr>
           <a:xfrm>
-            <a:off x="913795" y="609600"/>
-            <a:ext cx="10353762" cy="970450"/>
+            <a:off x="836612" y="786824"/>
+            <a:ext cx="609600" cy="584776"/>
           </a:xfrm>
+          <a:prstGeom prst="rect">
+            <a:avLst/>
+          </a:prstGeom>
         </p:spPr>
         <p:txBody>
-          <a:bodyPr/>
-          <a:lstStyle/>
-          <a:p>
-            <a:r>
-              <a:rPr lang="es-ES"/>
-              <a:t>Haga clic para modificar el estilo de título del patrón</a:t>
-            </a:r>
-            <a:endParaRPr lang="en-US" dirty="0"/>
-          </a:p>
-        </p:txBody>
-      </p:sp>
-      <p:sp>
-        <p:nvSpPr>
-          <p:cNvPr id="7" name="Text Placeholder 2"/>
-          <p:cNvSpPr>
-            <a:spLocks noGrp="1"/>
-          </p:cNvSpPr>
-          <p:nvPr>
-            <p:ph type="body" idx="1"/>
-          </p:nvPr>
-        </p:nvSpPr>
-        <p:spPr>
-          <a:xfrm>
-            <a:off x="913795" y="1885950"/>
-            <a:ext cx="3300984" cy="576262"/>
-          </a:xfrm>
-        </p:spPr>
-        <p:txBody>
-          <a:bodyPr anchor="b">
+          <a:bodyPr vert="horz" lIns="91440" tIns="45720" rIns="91440" bIns="45720" rtlCol="0" anchor="ctr">
             <a:noAutofit/>
           </a:bodyPr>
           <a:lstStyle>
-            <a:lvl1pPr marL="0" indent="0" algn="ctr">
-              <a:buNone/>
-              <a:defRPr sz="2400" b="0">
-                <a:solidFill>
-                  <a:schemeClr val="tx1"/>
-                </a:solidFill>
+            <a:lvl1pPr>
+              <a:spcBef>
+                <a:spcPct val="0"/>
+              </a:spcBef>
+              <a:buNone/>
+              <a:defRPr sz="3200" b="0" cap="all">
+                <a:ln w="3175" cmpd="sng">
+                  <a:noFill/>
+                </a:ln>
+                <a:effectLst>
+                  <a:glow rad="38100">
+                    <a:schemeClr val="bg1">
+                      <a:lumMod val="65000"/>
+                      <a:lumOff val="35000"/>
+                      <a:alpha val="40000"/>
+                    </a:schemeClr>
+                  </a:glow>
+                  <a:outerShdw blurRad="28575" dist="38100" dir="14040000" algn="tl" rotWithShape="0">
+                    <a:srgbClr val="000000">
+                      <a:alpha val="25000"/>
+                    </a:srgbClr>
+                  </a:outerShdw>
+                </a:effectLst>
               </a:defRPr>
             </a:lvl1pPr>
-            <a:lvl2pPr marL="457200" indent="0">
-              <a:buNone/>
-              <a:defRPr sz="2000" b="1"/>
+            <a:lvl2pPr>
+              <a:defRPr>
+                <a:solidFill>
+                  <a:schemeClr val="tx2"/>
+                </a:solidFill>
+              </a:defRPr>
             </a:lvl2pPr>
-            <a:lvl3pPr marL="914400" indent="0">
-              <a:buNone/>
-              <a:defRPr sz="1800" b="1"/>
+            <a:lvl3pPr>
+              <a:defRPr>
+                <a:solidFill>
+                  <a:schemeClr val="tx2"/>
+                </a:solidFill>
+              </a:defRPr>
             </a:lvl3pPr>
-            <a:lvl4pPr marL="1371600" indent="0">
-              <a:buNone/>
-              <a:defRPr sz="1600" b="1"/>
+            <a:lvl4pPr>
+              <a:defRPr>
+                <a:solidFill>
+                  <a:schemeClr val="tx2"/>
+                </a:solidFill>
+              </a:defRPr>
             </a:lvl4pPr>
-            <a:lvl5pPr marL="1828800" indent="0">
-              <a:buNone/>
-              <a:defRPr sz="1600" b="1"/>
+            <a:lvl5pPr>
+              <a:defRPr>
+                <a:solidFill>
+                  <a:schemeClr val="tx2"/>
+                </a:solidFill>
+              </a:defRPr>
             </a:lvl5pPr>
-            <a:lvl6pPr marL="2286000" indent="0">
-              <a:buNone/>
-              <a:defRPr sz="1600" b="1"/>
+            <a:lvl6pPr>
+              <a:defRPr>
+                <a:solidFill>
+                  <a:schemeClr val="tx2"/>
+                </a:solidFill>
+              </a:defRPr>
             </a:lvl6pPr>
-            <a:lvl7pPr marL="2743200" indent="0">
-              <a:buNone/>
-              <a:defRPr sz="1600" b="1"/>
+            <a:lvl7pPr>
+              <a:defRPr>
+                <a:solidFill>
+                  <a:schemeClr val="tx2"/>
+                </a:solidFill>
+              </a:defRPr>
             </a:lvl7pPr>
-            <a:lvl8pPr marL="3200400" indent="0">
-              <a:buNone/>
-              <a:defRPr sz="1600" b="1"/>
+            <a:lvl8pPr>
+              <a:defRPr>
+                <a:solidFill>
+                  <a:schemeClr val="tx2"/>
+                </a:solidFill>
+              </a:defRPr>
             </a:lvl8pPr>
-            <a:lvl9pPr marL="3657600" indent="0">
-              <a:buNone/>
-              <a:defRPr sz="1600" b="1"/>
+            <a:lvl9pPr>
+              <a:defRPr>
+                <a:solidFill>
+                  <a:schemeClr val="tx2"/>
+                </a:solidFill>
+              </a:defRPr>
             </a:lvl9pPr>
           </a:lstStyle>
           <a:p>
             <a:pPr lvl="0"/>
             <a:r>
-              <a:rPr lang="es-ES"/>
-              <a:t>Editar los estilos de texto del patrón</a:t>
-            </a:r>
-          </a:p>
-        </p:txBody>
-      </p:sp>
-      <p:sp>
-        <p:nvSpPr>
-          <p:cNvPr id="8" name="Text Placeholder 3"/>
-          <p:cNvSpPr>
-            <a:spLocks noGrp="1"/>
-          </p:cNvSpPr>
-          <p:nvPr>
-            <p:ph type="body" sz="half" idx="15"/>
-          </p:nvPr>
+              <a:rPr lang="en-US" sz="8000" dirty="0">
+                <a:solidFill>
+                  <a:schemeClr val="accent1"/>
+                </a:solidFill>
+              </a:rPr>
+              <a:t>“</a:t>
+            </a:r>
+          </a:p>
+        </p:txBody>
+      </p:sp>
+      <p:sp>
+        <p:nvSpPr>
+          <p:cNvPr id="15" name="TextBox 14"/>
+          <p:cNvSpPr txBox="1"/>
+          <p:nvPr/>
         </p:nvSpPr>
         <p:spPr>
           <a:xfrm>
-            <a:off x="913795" y="2571750"/>
-            <a:ext cx="3300984" cy="3219450"/>
+            <a:off x="10437812" y="2743200"/>
+            <a:ext cx="609600" cy="584776"/>
+          </a:xfrm>
+          <a:prstGeom prst="rect">
+            <a:avLst/>
+          </a:prstGeom>
+        </p:spPr>
+        <p:txBody>
+          <a:bodyPr vert="horz" lIns="91440" tIns="45720" rIns="91440" bIns="45720" rtlCol="0" anchor="ctr">
+            <a:noAutofit/>
+          </a:bodyPr>
+          <a:lstStyle>
+            <a:lvl1pPr>
+              <a:spcBef>
+                <a:spcPct val="0"/>
+              </a:spcBef>
+              <a:buNone/>
+              <a:defRPr sz="3200" b="0" cap="all">
+                <a:ln w="3175" cmpd="sng">
+                  <a:noFill/>
+                </a:ln>
+                <a:effectLst>
+                  <a:glow rad="38100">
+                    <a:schemeClr val="bg1">
+                      <a:lumMod val="65000"/>
+                      <a:lumOff val="35000"/>
+                      <a:alpha val="40000"/>
+                    </a:schemeClr>
+                  </a:glow>
+                  <a:outerShdw blurRad="28575" dist="38100" dir="14040000" algn="tl" rotWithShape="0">
+                    <a:srgbClr val="000000">
+                      <a:alpha val="25000"/>
+                    </a:srgbClr>
+                  </a:outerShdw>
+                </a:effectLst>
+              </a:defRPr>
+            </a:lvl1pPr>
+            <a:lvl2pPr>
+              <a:defRPr>
+                <a:solidFill>
+                  <a:schemeClr val="tx2"/>
+                </a:solidFill>
+              </a:defRPr>
+            </a:lvl2pPr>
+            <a:lvl3pPr>
+              <a:defRPr>
+                <a:solidFill>
+                  <a:schemeClr val="tx2"/>
+                </a:solidFill>
+              </a:defRPr>
+            </a:lvl3pPr>
+            <a:lvl4pPr>
+              <a:defRPr>
+                <a:solidFill>
+                  <a:schemeClr val="tx2"/>
+                </a:solidFill>
+              </a:defRPr>
+            </a:lvl4pPr>
+            <a:lvl5pPr>
+              <a:defRPr>
+                <a:solidFill>
+                  <a:schemeClr val="tx2"/>
+                </a:solidFill>
+              </a:defRPr>
+            </a:lvl5pPr>
+            <a:lvl6pPr>
+              <a:defRPr>
+                <a:solidFill>
+                  <a:schemeClr val="tx2"/>
+                </a:solidFill>
+              </a:defRPr>
+            </a:lvl6pPr>
+            <a:lvl7pPr>
+              <a:defRPr>
+                <a:solidFill>
+                  <a:schemeClr val="tx2"/>
+                </a:solidFill>
+              </a:defRPr>
+            </a:lvl7pPr>
+            <a:lvl8pPr>
+              <a:defRPr>
+                <a:solidFill>
+                  <a:schemeClr val="tx2"/>
+                </a:solidFill>
+              </a:defRPr>
+            </a:lvl8pPr>
+            <a:lvl9pPr>
+              <a:defRPr>
+                <a:solidFill>
+                  <a:schemeClr val="tx2"/>
+                </a:solidFill>
+              </a:defRPr>
+            </a:lvl9pPr>
+          </a:lstStyle>
+          <a:p>
+            <a:pPr lvl="0" algn="r"/>
+            <a:r>
+              <a:rPr lang="en-US" sz="8000" dirty="0">
+                <a:solidFill>
+                  <a:schemeClr val="accent1"/>
+                </a:solidFill>
+              </a:rPr>
+              <a:t>”</a:t>
+            </a:r>
+          </a:p>
+        </p:txBody>
+      </p:sp>
+      <p:sp>
+        <p:nvSpPr>
+          <p:cNvPr id="2" name="Title 1"/>
+          <p:cNvSpPr>
+            <a:spLocks noGrp="1"/>
+          </p:cNvSpPr>
+          <p:nvPr>
+            <p:ph type="title"/>
+          </p:nvPr>
+        </p:nvSpPr>
+        <p:spPr>
+          <a:xfrm>
+            <a:off x="1446213" y="609601"/>
+            <a:ext cx="9296398" cy="2743199"/>
+          </a:xfrm>
+        </p:spPr>
+        <p:txBody>
+          <a:bodyPr anchor="ctr">
+            <a:normAutofit/>
+          </a:bodyPr>
+          <a:lstStyle>
+            <a:lvl1pPr algn="l">
+              <a:defRPr sz="3200" b="0" cap="all">
+                <a:gradFill flip="none" rotWithShape="1">
+                  <a:gsLst>
+                    <a:gs pos="0">
+                      <a:schemeClr val="tx1"/>
+                    </a:gs>
+                    <a:gs pos="100000">
+                      <a:schemeClr val="tx1">
+                        <a:lumMod val="75000"/>
+                      </a:schemeClr>
+                    </a:gs>
+                  </a:gsLst>
+                  <a:lin ang="5400000" scaled="0"/>
+                  <a:tileRect/>
+                </a:gradFill>
+              </a:defRPr>
+            </a:lvl1pPr>
+          </a:lstStyle>
+          <a:p>
+            <a:r>
+              <a:rPr lang="en-US" smtClean="0"/>
+              <a:t>Click to edit Master title style</a:t>
+            </a:r>
+            <a:endParaRPr lang="en-US" dirty="0"/>
+          </a:p>
+        </p:txBody>
+      </p:sp>
+      <p:sp>
+        <p:nvSpPr>
+          <p:cNvPr id="10" name="Text Placeholder 9"/>
+          <p:cNvSpPr>
+            <a:spLocks noGrp="1"/>
+          </p:cNvSpPr>
+          <p:nvPr>
+            <p:ph type="body" sz="quarter" idx="13"/>
+          </p:nvPr>
+        </p:nvSpPr>
+        <p:spPr>
+          <a:xfrm>
+            <a:off x="1141412" y="3886200"/>
+            <a:ext cx="9906000" cy="889000"/>
+          </a:xfrm>
+        </p:spPr>
+        <p:txBody>
+          <a:bodyPr vert="horz" lIns="91440" tIns="45720" rIns="91440" bIns="45720" rtlCol="0" anchor="b">
+            <a:normAutofit/>
+          </a:bodyPr>
+          <a:lstStyle>
+            <a:lvl1pPr>
+              <a:buNone/>
+              <a:defRPr lang="en-US" sz="2400" b="0" cap="all" dirty="0">
+                <a:ln w="3175" cmpd="sng">
+                  <a:noFill/>
+                </a:ln>
+                <a:gradFill flip="none" rotWithShape="1">
+                  <a:gsLst>
+                    <a:gs pos="0">
+                      <a:schemeClr val="tx1"/>
+                    </a:gs>
+                    <a:gs pos="100000">
+                      <a:schemeClr val="tx1">
+                        <a:lumMod val="75000"/>
+                      </a:schemeClr>
+                    </a:gs>
+                  </a:gsLst>
+                  <a:lin ang="5400000" scaled="0"/>
+                  <a:tileRect/>
+                </a:gradFill>
+                <a:effectLst>
+                  <a:glow rad="38100">
+                    <a:schemeClr val="bg1">
+                      <a:lumMod val="65000"/>
+                      <a:lumOff val="35000"/>
+                      <a:alpha val="40000"/>
+                    </a:schemeClr>
+                  </a:glow>
+                  <a:outerShdw blurRad="28575" dist="38100" dir="14040000" algn="tl" rotWithShape="0">
+                    <a:srgbClr val="000000">
+                      <a:alpha val="25000"/>
+                    </a:srgbClr>
+                  </a:outerShdw>
+                </a:effectLst>
+              </a:defRPr>
+            </a:lvl1pPr>
+          </a:lstStyle>
+          <a:p>
+            <a:pPr marL="0" lvl="0">
+              <a:spcBef>
+                <a:spcPct val="0"/>
+              </a:spcBef>
+              <a:buNone/>
+            </a:pPr>
+            <a:r>
+              <a:rPr lang="en-US" smtClean="0"/>
+              <a:t>Click to edit Master text styles</a:t>
+            </a:r>
+          </a:p>
+        </p:txBody>
+      </p:sp>
+      <p:sp>
+        <p:nvSpPr>
+          <p:cNvPr id="3" name="Text Placeholder 2"/>
+          <p:cNvSpPr>
+            <a:spLocks noGrp="1"/>
+          </p:cNvSpPr>
+          <p:nvPr>
+            <p:ph type="body" idx="1"/>
+          </p:nvPr>
+        </p:nvSpPr>
+        <p:spPr>
+          <a:xfrm>
+            <a:off x="1141411" y="4775200"/>
+            <a:ext cx="9906000" cy="1016000"/>
           </a:xfrm>
         </p:spPr>
         <p:txBody>
@@ -1677,331 +1966,118 @@
             <a:normAutofit/>
           </a:bodyPr>
           <a:lstStyle>
-            <a:lvl1pPr marL="0" indent="0" algn="ctr">
-              <a:buNone/>
-              <a:defRPr sz="1400"/>
+            <a:lvl1pPr marL="0" indent="0" algn="l">
+              <a:buNone/>
+              <a:defRPr sz="1800">
+                <a:gradFill flip="none" rotWithShape="1">
+                  <a:gsLst>
+                    <a:gs pos="0">
+                      <a:schemeClr val="tx1"/>
+                    </a:gs>
+                    <a:gs pos="100000">
+                      <a:schemeClr val="tx1">
+                        <a:lumMod val="75000"/>
+                      </a:schemeClr>
+                    </a:gs>
+                  </a:gsLst>
+                  <a:lin ang="5400000" scaled="0"/>
+                  <a:tileRect/>
+                </a:gradFill>
+              </a:defRPr>
             </a:lvl1pPr>
             <a:lvl2pPr marL="457200" indent="0">
               <a:buNone/>
-              <a:defRPr sz="1200"/>
+              <a:defRPr sz="1800">
+                <a:solidFill>
+                  <a:schemeClr val="tx1">
+                    <a:tint val="75000"/>
+                  </a:schemeClr>
+                </a:solidFill>
+              </a:defRPr>
             </a:lvl2pPr>
             <a:lvl3pPr marL="914400" indent="0">
               <a:buNone/>
-              <a:defRPr sz="1000"/>
+              <a:defRPr sz="1600">
+                <a:solidFill>
+                  <a:schemeClr val="tx1">
+                    <a:tint val="75000"/>
+                  </a:schemeClr>
+                </a:solidFill>
+              </a:defRPr>
             </a:lvl3pPr>
             <a:lvl4pPr marL="1371600" indent="0">
               <a:buNone/>
-              <a:defRPr sz="900"/>
+              <a:defRPr sz="1400">
+                <a:solidFill>
+                  <a:schemeClr val="tx1">
+                    <a:tint val="75000"/>
+                  </a:schemeClr>
+                </a:solidFill>
+              </a:defRPr>
             </a:lvl4pPr>
             <a:lvl5pPr marL="1828800" indent="0">
               <a:buNone/>
-              <a:defRPr sz="900"/>
+              <a:defRPr sz="1400">
+                <a:solidFill>
+                  <a:schemeClr val="tx1">
+                    <a:tint val="75000"/>
+                  </a:schemeClr>
+                </a:solidFill>
+              </a:defRPr>
             </a:lvl5pPr>
             <a:lvl6pPr marL="2286000" indent="0">
               <a:buNone/>
-              <a:defRPr sz="900"/>
+              <a:defRPr sz="1400">
+                <a:solidFill>
+                  <a:schemeClr val="tx1">
+                    <a:tint val="75000"/>
+                  </a:schemeClr>
+                </a:solidFill>
+              </a:defRPr>
             </a:lvl6pPr>
             <a:lvl7pPr marL="2743200" indent="0">
               <a:buNone/>
-              <a:defRPr sz="900"/>
+              <a:defRPr sz="1400">
+                <a:solidFill>
+                  <a:schemeClr val="tx1">
+                    <a:tint val="75000"/>
+                  </a:schemeClr>
+                </a:solidFill>
+              </a:defRPr>
             </a:lvl7pPr>
             <a:lvl8pPr marL="3200400" indent="0">
               <a:buNone/>
-              <a:defRPr sz="900"/>
+              <a:defRPr sz="1400">
+                <a:solidFill>
+                  <a:schemeClr val="tx1">
+                    <a:tint val="75000"/>
+                  </a:schemeClr>
+                </a:solidFill>
+              </a:defRPr>
             </a:lvl8pPr>
             <a:lvl9pPr marL="3657600" indent="0">
               <a:buNone/>
-              <a:defRPr sz="900"/>
+              <a:defRPr sz="1400">
+                <a:solidFill>
+                  <a:schemeClr val="tx1">
+                    <a:tint val="75000"/>
+                  </a:schemeClr>
+                </a:solidFill>
+              </a:defRPr>
             </a:lvl9pPr>
           </a:lstStyle>
           <a:p>
             <a:pPr lvl="0"/>
             <a:r>
-              <a:rPr lang="es-ES"/>
-              <a:t>Editar los estilos de texto del patrón</a:t>
-            </a:r>
-          </a:p>
-        </p:txBody>
-      </p:sp>
-      <p:sp>
-        <p:nvSpPr>
-          <p:cNvPr id="9" name="Text Placeholder 4"/>
-          <p:cNvSpPr>
-            <a:spLocks noGrp="1"/>
-          </p:cNvSpPr>
-          <p:nvPr>
-            <p:ph type="body" sz="quarter" idx="3"/>
-          </p:nvPr>
-        </p:nvSpPr>
-        <p:spPr>
-          <a:xfrm>
-            <a:off x="4446711" y="1885950"/>
-            <a:ext cx="3300984" cy="576262"/>
-          </a:xfrm>
-        </p:spPr>
-        <p:txBody>
-          <a:bodyPr anchor="b">
-            <a:noAutofit/>
-          </a:bodyPr>
-          <a:lstStyle>
-            <a:lvl1pPr marL="0" indent="0" algn="ctr">
-              <a:buNone/>
-              <a:defRPr sz="2400" b="0">
-                <a:solidFill>
-                  <a:schemeClr val="tx1"/>
-                </a:solidFill>
-              </a:defRPr>
-            </a:lvl1pPr>
-            <a:lvl2pPr marL="457200" indent="0">
-              <a:buNone/>
-              <a:defRPr sz="2000" b="1"/>
-            </a:lvl2pPr>
-            <a:lvl3pPr marL="914400" indent="0">
-              <a:buNone/>
-              <a:defRPr sz="1800" b="1"/>
-            </a:lvl3pPr>
-            <a:lvl4pPr marL="1371600" indent="0">
-              <a:buNone/>
-              <a:defRPr sz="1600" b="1"/>
-            </a:lvl4pPr>
-            <a:lvl5pPr marL="1828800" indent="0">
-              <a:buNone/>
-              <a:defRPr sz="1600" b="1"/>
-            </a:lvl5pPr>
-            <a:lvl6pPr marL="2286000" indent="0">
-              <a:buNone/>
-              <a:defRPr sz="1600" b="1"/>
-            </a:lvl6pPr>
-            <a:lvl7pPr marL="2743200" indent="0">
-              <a:buNone/>
-              <a:defRPr sz="1600" b="1"/>
-            </a:lvl7pPr>
-            <a:lvl8pPr marL="3200400" indent="0">
-              <a:buNone/>
-              <a:defRPr sz="1600" b="1"/>
-            </a:lvl8pPr>
-            <a:lvl9pPr marL="3657600" indent="0">
-              <a:buNone/>
-              <a:defRPr sz="1600" b="1"/>
-            </a:lvl9pPr>
-          </a:lstStyle>
-          <a:p>
-            <a:pPr lvl="0"/>
-            <a:r>
-              <a:rPr lang="es-ES"/>
-              <a:t>Editar los estilos de texto del patrón</a:t>
-            </a:r>
-          </a:p>
-        </p:txBody>
-      </p:sp>
-      <p:sp>
-        <p:nvSpPr>
-          <p:cNvPr id="10" name="Text Placeholder 3"/>
-          <p:cNvSpPr>
-            <a:spLocks noGrp="1"/>
-          </p:cNvSpPr>
-          <p:nvPr>
-            <p:ph type="body" sz="half" idx="16"/>
-          </p:nvPr>
-        </p:nvSpPr>
-        <p:spPr>
-          <a:xfrm>
-            <a:off x="4441435" y="2571750"/>
-            <a:ext cx="3300984" cy="3219450"/>
-          </a:xfrm>
-        </p:spPr>
-        <p:txBody>
-          <a:bodyPr anchor="t">
-            <a:normAutofit/>
-          </a:bodyPr>
-          <a:lstStyle>
-            <a:lvl1pPr marL="0" indent="0" algn="ctr">
-              <a:buNone/>
-              <a:defRPr sz="1400"/>
-            </a:lvl1pPr>
-            <a:lvl2pPr marL="457200" indent="0">
-              <a:buNone/>
-              <a:defRPr sz="1200"/>
-            </a:lvl2pPr>
-            <a:lvl3pPr marL="914400" indent="0">
-              <a:buNone/>
-              <a:defRPr sz="1000"/>
-            </a:lvl3pPr>
-            <a:lvl4pPr marL="1371600" indent="0">
-              <a:buNone/>
-              <a:defRPr sz="900"/>
-            </a:lvl4pPr>
-            <a:lvl5pPr marL="1828800" indent="0">
-              <a:buNone/>
-              <a:defRPr sz="900"/>
-            </a:lvl5pPr>
-            <a:lvl6pPr marL="2286000" indent="0">
-              <a:buNone/>
-              <a:defRPr sz="900"/>
-            </a:lvl6pPr>
-            <a:lvl7pPr marL="2743200" indent="0">
-              <a:buNone/>
-              <a:defRPr sz="900"/>
-            </a:lvl7pPr>
-            <a:lvl8pPr marL="3200400" indent="0">
-              <a:buNone/>
-              <a:defRPr sz="900"/>
-            </a:lvl8pPr>
-            <a:lvl9pPr marL="3657600" indent="0">
-              <a:buNone/>
-              <a:defRPr sz="900"/>
-            </a:lvl9pPr>
-          </a:lstStyle>
-          <a:p>
-            <a:pPr lvl="0"/>
-            <a:r>
-              <a:rPr lang="es-ES"/>
-              <a:t>Editar los estilos de texto del patrón</a:t>
-            </a:r>
-          </a:p>
-        </p:txBody>
-      </p:sp>
-      <p:sp>
-        <p:nvSpPr>
-          <p:cNvPr id="11" name="Text Placeholder 4"/>
-          <p:cNvSpPr>
-            <a:spLocks noGrp="1"/>
-          </p:cNvSpPr>
-          <p:nvPr>
-            <p:ph type="body" sz="quarter" idx="13"/>
-          </p:nvPr>
-        </p:nvSpPr>
-        <p:spPr>
-          <a:xfrm>
-            <a:off x="7966572" y="1885950"/>
-            <a:ext cx="3300984" cy="576262"/>
-          </a:xfrm>
-        </p:spPr>
-        <p:txBody>
-          <a:bodyPr anchor="b">
-            <a:noAutofit/>
-          </a:bodyPr>
-          <a:lstStyle>
-            <a:lvl1pPr marL="0" indent="0" algn="ctr">
-              <a:buNone/>
-              <a:defRPr sz="2400" b="0">
-                <a:solidFill>
-                  <a:schemeClr val="tx1"/>
-                </a:solidFill>
-              </a:defRPr>
-            </a:lvl1pPr>
-            <a:lvl2pPr marL="457200" indent="0">
-              <a:buNone/>
-              <a:defRPr sz="2000" b="1"/>
-            </a:lvl2pPr>
-            <a:lvl3pPr marL="914400" indent="0">
-              <a:buNone/>
-              <a:defRPr sz="1800" b="1"/>
-            </a:lvl3pPr>
-            <a:lvl4pPr marL="1371600" indent="0">
-              <a:buNone/>
-              <a:defRPr sz="1600" b="1"/>
-            </a:lvl4pPr>
-            <a:lvl5pPr marL="1828800" indent="0">
-              <a:buNone/>
-              <a:defRPr sz="1600" b="1"/>
-            </a:lvl5pPr>
-            <a:lvl6pPr marL="2286000" indent="0">
-              <a:buNone/>
-              <a:defRPr sz="1600" b="1"/>
-            </a:lvl6pPr>
-            <a:lvl7pPr marL="2743200" indent="0">
-              <a:buNone/>
-              <a:defRPr sz="1600" b="1"/>
-            </a:lvl7pPr>
-            <a:lvl8pPr marL="3200400" indent="0">
-              <a:buNone/>
-              <a:defRPr sz="1600" b="1"/>
-            </a:lvl8pPr>
-            <a:lvl9pPr marL="3657600" indent="0">
-              <a:buNone/>
-              <a:defRPr sz="1600" b="1"/>
-            </a:lvl9pPr>
-          </a:lstStyle>
-          <a:p>
-            <a:pPr lvl="0"/>
-            <a:r>
-              <a:rPr lang="es-ES"/>
-              <a:t>Editar los estilos de texto del patrón</a:t>
-            </a:r>
-          </a:p>
-        </p:txBody>
-      </p:sp>
-      <p:sp>
-        <p:nvSpPr>
-          <p:cNvPr id="12" name="Text Placeholder 3"/>
-          <p:cNvSpPr>
-            <a:spLocks noGrp="1"/>
-          </p:cNvSpPr>
-          <p:nvPr>
-            <p:ph type="body" sz="half" idx="17"/>
-          </p:nvPr>
-        </p:nvSpPr>
-        <p:spPr>
-          <a:xfrm>
-            <a:off x="7966572" y="2571750"/>
-            <a:ext cx="3300984" cy="3219450"/>
-          </a:xfrm>
-        </p:spPr>
-        <p:txBody>
-          <a:bodyPr anchor="t">
-            <a:normAutofit/>
-          </a:bodyPr>
-          <a:lstStyle>
-            <a:lvl1pPr marL="0" indent="0" algn="ctr">
-              <a:buNone/>
-              <a:defRPr sz="1400"/>
-            </a:lvl1pPr>
-            <a:lvl2pPr marL="457200" indent="0">
-              <a:buNone/>
-              <a:defRPr sz="1200"/>
-            </a:lvl2pPr>
-            <a:lvl3pPr marL="914400" indent="0">
-              <a:buNone/>
-              <a:defRPr sz="1000"/>
-            </a:lvl3pPr>
-            <a:lvl4pPr marL="1371600" indent="0">
-              <a:buNone/>
-              <a:defRPr sz="900"/>
-            </a:lvl4pPr>
-            <a:lvl5pPr marL="1828800" indent="0">
-              <a:buNone/>
-              <a:defRPr sz="900"/>
-            </a:lvl5pPr>
-            <a:lvl6pPr marL="2286000" indent="0">
-              <a:buNone/>
-              <a:defRPr sz="900"/>
-            </a:lvl6pPr>
-            <a:lvl7pPr marL="2743200" indent="0">
-              <a:buNone/>
-              <a:defRPr sz="900"/>
-            </a:lvl7pPr>
-            <a:lvl8pPr marL="3200400" indent="0">
-              <a:buNone/>
-              <a:defRPr sz="900"/>
-            </a:lvl8pPr>
-            <a:lvl9pPr marL="3657600" indent="0">
-              <a:buNone/>
-              <a:defRPr sz="900"/>
-            </a:lvl9pPr>
-          </a:lstStyle>
-          <a:p>
-            <a:pPr lvl="0"/>
-            <a:r>
-              <a:rPr lang="es-ES"/>
-              <a:t>Editar los estilos de texto del patrón</a:t>
-            </a:r>
-          </a:p>
-        </p:txBody>
-      </p:sp>
-      <p:sp>
-        <p:nvSpPr>
-          <p:cNvPr id="3" name="Date Placeholder 2"/>
+              <a:rPr lang="en-US" smtClean="0"/>
+              <a:t>Click to edit Master text styles</a:t>
+            </a:r>
+          </a:p>
+        </p:txBody>
+      </p:sp>
+      <p:sp>
+        <p:nvSpPr>
+          <p:cNvPr id="4" name="Date Placeholder 3"/>
           <p:cNvSpPr>
             <a:spLocks noGrp="1"/>
           </p:cNvSpPr>
@@ -2016,7 +2092,7 @@
           <a:p>
             <a:fld id="{E498B8CB-B27C-42AF-AE8C-17152853A980}" type="datetimeFigureOut">
               <a:rPr lang="es-ES" smtClean="0"/>
-              <a:t>14/12/2017</a:t>
+              <a:t>19/12/17</a:t>
             </a:fld>
             <a:endParaRPr lang="es-ES"/>
           </a:p>
@@ -2024,7 +2100,7 @@
       </p:sp>
       <p:sp>
         <p:nvSpPr>
-          <p:cNvPr id="4" name="Footer Placeholder 3"/>
+          <p:cNvPr id="5" name="Footer Placeholder 4"/>
           <p:cNvSpPr>
             <a:spLocks noGrp="1"/>
           </p:cNvSpPr>
@@ -2043,7 +2119,7 @@
       </p:sp>
       <p:sp>
         <p:nvSpPr>
-          <p:cNvPr id="5" name="Slide Number Placeholder 4"/>
+          <p:cNvPr id="6" name="Slide Number Placeholder 5"/>
           <p:cNvSpPr>
             <a:spLocks noGrp="1"/>
           </p:cNvSpPr>
@@ -2058,18 +2134,13 @@
           <a:p>
             <a:fld id="{1BE3AEAD-4961-45A3-8210-BDC7770D3F15}" type="slidenum">
               <a:rPr lang="es-ES" smtClean="0"/>
-              <a:t>‹Nº›</a:t>
+              <a:t>‹#›</a:t>
             </a:fld>
             <a:endParaRPr lang="es-ES"/>
           </a:p>
         </p:txBody>
       </p:sp>
     </p:spTree>
-    <p:extLst>
-      <p:ext uri="{BB962C8B-B14F-4D97-AF65-F5344CB8AC3E}">
-        <p14:creationId xmlns:p14="http://schemas.microsoft.com/office/powerpoint/2010/main" val="1562575855"/>
-      </p:ext>
-    </p:extLst>
   </p:cSld>
   <p:clrMapOvr>
     <a:masterClrMapping/>
@@ -2079,7 +2150,7 @@
 
 <file path=ppt/slideLayouts/slideLayout15.xml><?xml version="1.0" encoding="utf-8"?>
 <p:sldLayout xmlns:a="http://schemas.openxmlformats.org/drawingml/2006/main" xmlns:r="http://schemas.openxmlformats.org/officeDocument/2006/relationships" xmlns:p="http://schemas.openxmlformats.org/presentationml/2006/main" preserve="1">
-  <p:cSld name="Columna de imagen 3">
+  <p:cSld name="True or False">
     <p:spTree>
       <p:nvGrpSpPr>
         <p:cNvPr id="1" name=""/>
@@ -2094,778 +2165,246 @@
           <a:chExt cx="0" cy="0"/>
         </a:xfrm>
       </p:grpSpPr>
-      <p:pic>
-        <p:nvPicPr>
-          <p:cNvPr id="2" name="Picture 1" descr="Slate-V2-HD-3colPhotoInset.png"/>
-          <p:cNvPicPr>
-            <a:picLocks noChangeAspect="1"/>
-          </p:cNvPicPr>
-          <p:nvPr/>
-        </p:nvPicPr>
-        <p:blipFill>
-          <a:blip r:embed="rId2">
-            <a:extLst>
-              <a:ext uri="{28A0092B-C50C-407E-A947-70E740481C1C}">
-                <a14:useLocalDpi xmlns:a14="http://schemas.microsoft.com/office/drawing/2010/main" val="0"/>
-              </a:ext>
-            </a:extLst>
-          </a:blip>
-          <a:stretch>
-            <a:fillRect/>
-          </a:stretch>
-        </p:blipFill>
+      <p:sp>
+        <p:nvSpPr>
+          <p:cNvPr id="2" name="Title 1"/>
+          <p:cNvSpPr>
+            <a:spLocks noGrp="1"/>
+          </p:cNvSpPr>
+          <p:nvPr>
+            <p:ph type="title"/>
+          </p:nvPr>
+        </p:nvSpPr>
         <p:spPr>
           <a:xfrm>
-            <a:off x="897962" y="1818214"/>
-            <a:ext cx="3339972" cy="1847851"/>
+            <a:off x="1141412" y="609601"/>
+            <a:ext cx="9905999" cy="2743199"/>
           </a:xfrm>
-          <a:prstGeom prst="rect">
-            <a:avLst/>
-          </a:prstGeom>
         </p:spPr>
-      </p:pic>
-      <p:pic>
-        <p:nvPicPr>
-          <p:cNvPr id="36" name="Picture 35" descr="Slate-V2-HD-3colPhotoInset.png"/>
-          <p:cNvPicPr>
-            <a:picLocks noChangeAspect="1"/>
-          </p:cNvPicPr>
-          <p:nvPr/>
-        </p:nvPicPr>
-        <p:blipFill>
-          <a:blip r:embed="rId2">
-            <a:extLst>
-              <a:ext uri="{28A0092B-C50C-407E-A947-70E740481C1C}">
-                <a14:useLocalDpi xmlns:a14="http://schemas.microsoft.com/office/drawing/2010/main" val="0"/>
-              </a:ext>
-            </a:extLst>
-          </a:blip>
-          <a:stretch>
-            <a:fillRect/>
-          </a:stretch>
-        </p:blipFill>
+        <p:txBody>
+          <a:bodyPr vert="horz" lIns="91440" tIns="45720" rIns="91440" bIns="45720" rtlCol="0" anchor="ctr">
+            <a:normAutofit/>
+          </a:bodyPr>
+          <a:lstStyle>
+            <a:lvl1pPr>
+              <a:defRPr lang="en-US" b="0" dirty="0"/>
+            </a:lvl1pPr>
+          </a:lstStyle>
+          <a:p>
+            <a:pPr marL="0" lvl="0"/>
+            <a:r>
+              <a:rPr lang="en-US" smtClean="0"/>
+              <a:t>Click to edit Master title style</a:t>
+            </a:r>
+            <a:endParaRPr lang="en-US" dirty="0"/>
+          </a:p>
+        </p:txBody>
+      </p:sp>
+      <p:sp>
+        <p:nvSpPr>
+          <p:cNvPr id="10" name="Text Placeholder 9"/>
+          <p:cNvSpPr>
+            <a:spLocks noGrp="1"/>
+          </p:cNvSpPr>
+          <p:nvPr>
+            <p:ph type="body" sz="quarter" idx="13"/>
+          </p:nvPr>
+        </p:nvSpPr>
         <p:spPr>
           <a:xfrm>
-            <a:off x="4403800" y="1818214"/>
-            <a:ext cx="3339972" cy="1847851"/>
+            <a:off x="1141412" y="3505200"/>
+            <a:ext cx="9906000" cy="838200"/>
           </a:xfrm>
-          <a:prstGeom prst="rect">
-            <a:avLst/>
-          </a:prstGeom>
         </p:spPr>
-      </p:pic>
-      <p:pic>
-        <p:nvPicPr>
-          <p:cNvPr id="37" name="Picture 36" descr="Slate-V2-HD-3colPhotoInset.png"/>
-          <p:cNvPicPr>
-            <a:picLocks noChangeAspect="1"/>
-          </p:cNvPicPr>
-          <p:nvPr/>
-        </p:nvPicPr>
-        <p:blipFill>
-          <a:blip r:embed="rId2">
-            <a:extLst>
-              <a:ext uri="{28A0092B-C50C-407E-A947-70E740481C1C}">
-                <a14:useLocalDpi xmlns:a14="http://schemas.microsoft.com/office/drawing/2010/main" val="0"/>
-              </a:ext>
-            </a:extLst>
-          </a:blip>
-          <a:stretch>
-            <a:fillRect/>
-          </a:stretch>
-        </p:blipFill>
+        <p:txBody>
+          <a:bodyPr vert="horz" lIns="91440" tIns="45720" rIns="91440" bIns="45720" rtlCol="0" anchor="b">
+            <a:normAutofit/>
+          </a:bodyPr>
+          <a:lstStyle>
+            <a:lvl1pPr>
+              <a:buNone/>
+              <a:defRPr lang="en-US" sz="2800" b="0" cap="all" dirty="0">
+                <a:ln w="3175" cmpd="sng">
+                  <a:noFill/>
+                </a:ln>
+                <a:gradFill flip="none" rotWithShape="1">
+                  <a:gsLst>
+                    <a:gs pos="0">
+                      <a:schemeClr val="tx1"/>
+                    </a:gs>
+                    <a:gs pos="100000">
+                      <a:schemeClr val="tx1">
+                        <a:lumMod val="75000"/>
+                      </a:schemeClr>
+                    </a:gs>
+                  </a:gsLst>
+                  <a:lin ang="5400000" scaled="0"/>
+                  <a:tileRect/>
+                </a:gradFill>
+                <a:effectLst>
+                  <a:glow rad="38100">
+                    <a:schemeClr val="bg1">
+                      <a:lumMod val="65000"/>
+                      <a:lumOff val="35000"/>
+                      <a:alpha val="40000"/>
+                    </a:schemeClr>
+                  </a:glow>
+                  <a:outerShdw blurRad="28575" dist="38100" dir="14040000" algn="tl" rotWithShape="0">
+                    <a:srgbClr val="000000">
+                      <a:alpha val="25000"/>
+                    </a:srgbClr>
+                  </a:outerShdw>
+                </a:effectLst>
+              </a:defRPr>
+            </a:lvl1pPr>
+          </a:lstStyle>
+          <a:p>
+            <a:pPr marL="0" lvl="0">
+              <a:spcBef>
+                <a:spcPct val="0"/>
+              </a:spcBef>
+              <a:buNone/>
+            </a:pPr>
+            <a:r>
+              <a:rPr lang="en-US" smtClean="0"/>
+              <a:t>Click to edit Master text styles</a:t>
+            </a:r>
+          </a:p>
+        </p:txBody>
+      </p:sp>
+      <p:sp>
+        <p:nvSpPr>
+          <p:cNvPr id="3" name="Text Placeholder 2"/>
+          <p:cNvSpPr>
+            <a:spLocks noGrp="1"/>
+          </p:cNvSpPr>
+          <p:nvPr>
+            <p:ph type="body" idx="1"/>
+          </p:nvPr>
+        </p:nvSpPr>
         <p:spPr>
           <a:xfrm>
-            <a:off x="7936051" y="1818214"/>
-            <a:ext cx="3339972" cy="1847851"/>
+            <a:off x="1141411" y="4343400"/>
+            <a:ext cx="9906000" cy="1447800"/>
           </a:xfrm>
-          <a:prstGeom prst="rect">
-            <a:avLst/>
-          </a:prstGeom>
-        </p:spPr>
-      </p:pic>
-      <p:sp>
-        <p:nvSpPr>
-          <p:cNvPr id="30" name="Title 1"/>
-          <p:cNvSpPr>
-            <a:spLocks noGrp="1"/>
-          </p:cNvSpPr>
-          <p:nvPr>
-            <p:ph type="title"/>
-          </p:nvPr>
-        </p:nvSpPr>
-        <p:spPr>
-          <a:xfrm>
-            <a:off x="913794" y="609600"/>
-            <a:ext cx="10353763" cy="970450"/>
-          </a:xfrm>
-        </p:spPr>
-        <p:txBody>
-          <a:bodyPr/>
-          <a:lstStyle/>
-          <a:p>
-            <a:r>
-              <a:rPr lang="es-ES"/>
-              <a:t>Haga clic para modificar el estilo de título del patrón</a:t>
-            </a:r>
-            <a:endParaRPr lang="en-US" dirty="0"/>
-          </a:p>
-        </p:txBody>
-      </p:sp>
-      <p:sp>
-        <p:nvSpPr>
-          <p:cNvPr id="19" name="Text Placeholder 2"/>
-          <p:cNvSpPr>
-            <a:spLocks noGrp="1"/>
-          </p:cNvSpPr>
-          <p:nvPr>
-            <p:ph type="body" idx="1"/>
-          </p:nvPr>
-        </p:nvSpPr>
-        <p:spPr>
-          <a:xfrm>
-            <a:off x="913795" y="3904106"/>
-            <a:ext cx="3300984" cy="576262"/>
-          </a:xfrm>
-        </p:spPr>
-        <p:txBody>
-          <a:bodyPr anchor="b">
-            <a:noAutofit/>
-          </a:bodyPr>
-          <a:lstStyle>
-            <a:lvl1pPr marL="0" indent="0" algn="ctr">
-              <a:buNone/>
-              <a:defRPr sz="2000" b="0">
-                <a:solidFill>
-                  <a:schemeClr val="tx1"/>
-                </a:solidFill>
-              </a:defRPr>
-            </a:lvl1pPr>
-            <a:lvl2pPr marL="457200" indent="0">
-              <a:buNone/>
-              <a:defRPr sz="2000" b="1"/>
-            </a:lvl2pPr>
-            <a:lvl3pPr marL="914400" indent="0">
-              <a:buNone/>
-              <a:defRPr sz="1800" b="1"/>
-            </a:lvl3pPr>
-            <a:lvl4pPr marL="1371600" indent="0">
-              <a:buNone/>
-              <a:defRPr sz="1600" b="1"/>
-            </a:lvl4pPr>
-            <a:lvl5pPr marL="1828800" indent="0">
-              <a:buNone/>
-              <a:defRPr sz="1600" b="1"/>
-            </a:lvl5pPr>
-            <a:lvl6pPr marL="2286000" indent="0">
-              <a:buNone/>
-              <a:defRPr sz="1600" b="1"/>
-            </a:lvl6pPr>
-            <a:lvl7pPr marL="2743200" indent="0">
-              <a:buNone/>
-              <a:defRPr sz="1600" b="1"/>
-            </a:lvl7pPr>
-            <a:lvl8pPr marL="3200400" indent="0">
-              <a:buNone/>
-              <a:defRPr sz="1600" b="1"/>
-            </a:lvl8pPr>
-            <a:lvl9pPr marL="3657600" indent="0">
-              <a:buNone/>
-              <a:defRPr sz="1600" b="1"/>
-            </a:lvl9pPr>
-          </a:lstStyle>
-          <a:p>
-            <a:pPr lvl="0"/>
-            <a:r>
-              <a:rPr lang="es-ES"/>
-              <a:t>Editar los estilos de texto del patrón</a:t>
-            </a:r>
-          </a:p>
-        </p:txBody>
-      </p:sp>
-      <p:sp>
-        <p:nvSpPr>
-          <p:cNvPr id="20" name="Picture Placeholder 2"/>
-          <p:cNvSpPr>
-            <a:spLocks noGrp="1" noChangeAspect="1"/>
-          </p:cNvSpPr>
-          <p:nvPr>
-            <p:ph type="pic" idx="15"/>
-          </p:nvPr>
-        </p:nvSpPr>
-        <p:spPr>
-          <a:xfrm>
-            <a:off x="1018102" y="1938918"/>
-            <a:ext cx="3092368" cy="1602954"/>
-          </a:xfrm>
-          <a:prstGeom prst="roundRect">
-            <a:avLst>
-              <a:gd name="adj" fmla="val 1858"/>
-            </a:avLst>
-          </a:prstGeom>
-          <a:effectLst>
-            <a:outerShdw blurRad="38100" dist="25400" dir="4440000">
-              <a:srgbClr val="000000">
-                <a:alpha val="36000"/>
-              </a:srgbClr>
-            </a:outerShdw>
-          </a:effectLst>
         </p:spPr>
         <p:txBody>
           <a:bodyPr anchor="t">
             <a:normAutofit/>
           </a:bodyPr>
           <a:lstStyle>
-            <a:lvl1pPr marL="0" indent="0" algn="ctr">
-              <a:buNone/>
-              <a:defRPr sz="1600"/>
+            <a:lvl1pPr marL="0" indent="0" algn="l">
+              <a:buNone/>
+              <a:defRPr sz="1800">
+                <a:gradFill flip="none" rotWithShape="1">
+                  <a:gsLst>
+                    <a:gs pos="0">
+                      <a:schemeClr val="tx1"/>
+                    </a:gs>
+                    <a:gs pos="100000">
+                      <a:schemeClr val="tx1">
+                        <a:lumMod val="75000"/>
+                      </a:schemeClr>
+                    </a:gs>
+                  </a:gsLst>
+                  <a:lin ang="5400000" scaled="0"/>
+                  <a:tileRect/>
+                </a:gradFill>
+              </a:defRPr>
             </a:lvl1pPr>
             <a:lvl2pPr marL="457200" indent="0">
               <a:buNone/>
-              <a:defRPr sz="1600"/>
+              <a:defRPr sz="1800">
+                <a:solidFill>
+                  <a:schemeClr val="tx1">
+                    <a:tint val="75000"/>
+                  </a:schemeClr>
+                </a:solidFill>
+              </a:defRPr>
             </a:lvl2pPr>
             <a:lvl3pPr marL="914400" indent="0">
               <a:buNone/>
-              <a:defRPr sz="1600"/>
+              <a:defRPr sz="1600">
+                <a:solidFill>
+                  <a:schemeClr val="tx1">
+                    <a:tint val="75000"/>
+                  </a:schemeClr>
+                </a:solidFill>
+              </a:defRPr>
             </a:lvl3pPr>
             <a:lvl4pPr marL="1371600" indent="0">
               <a:buNone/>
-              <a:defRPr sz="1600"/>
+              <a:defRPr sz="1400">
+                <a:solidFill>
+                  <a:schemeClr val="tx1">
+                    <a:tint val="75000"/>
+                  </a:schemeClr>
+                </a:solidFill>
+              </a:defRPr>
             </a:lvl4pPr>
             <a:lvl5pPr marL="1828800" indent="0">
               <a:buNone/>
-              <a:defRPr sz="1600"/>
+              <a:defRPr sz="1400">
+                <a:solidFill>
+                  <a:schemeClr val="tx1">
+                    <a:tint val="75000"/>
+                  </a:schemeClr>
+                </a:solidFill>
+              </a:defRPr>
             </a:lvl5pPr>
             <a:lvl6pPr marL="2286000" indent="0">
               <a:buNone/>
-              <a:defRPr sz="1600"/>
+              <a:defRPr sz="1400">
+                <a:solidFill>
+                  <a:schemeClr val="tx1">
+                    <a:tint val="75000"/>
+                  </a:schemeClr>
+                </a:solidFill>
+              </a:defRPr>
             </a:lvl6pPr>
             <a:lvl7pPr marL="2743200" indent="0">
               <a:buNone/>
-              <a:defRPr sz="1600"/>
+              <a:defRPr sz="1400">
+                <a:solidFill>
+                  <a:schemeClr val="tx1">
+                    <a:tint val="75000"/>
+                  </a:schemeClr>
+                </a:solidFill>
+              </a:defRPr>
             </a:lvl7pPr>
             <a:lvl8pPr marL="3200400" indent="0">
               <a:buNone/>
-              <a:defRPr sz="1600"/>
+              <a:defRPr sz="1400">
+                <a:solidFill>
+                  <a:schemeClr val="tx1">
+                    <a:tint val="75000"/>
+                  </a:schemeClr>
+                </a:solidFill>
+              </a:defRPr>
             </a:lvl8pPr>
             <a:lvl9pPr marL="3657600" indent="0">
               <a:buNone/>
-              <a:defRPr sz="1600"/>
+              <a:defRPr sz="1400">
+                <a:solidFill>
+                  <a:schemeClr val="tx1">
+                    <a:tint val="75000"/>
+                  </a:schemeClr>
+                </a:solidFill>
+              </a:defRPr>
             </a:lvl9pPr>
           </a:lstStyle>
           <a:p>
-            <a:r>
-              <a:rPr lang="es-ES"/>
-              <a:t>Haga clic en el icono para agregar una imagen</a:t>
-            </a:r>
-            <a:endParaRPr lang="en-US" dirty="0"/>
-          </a:p>
-        </p:txBody>
-      </p:sp>
-      <p:sp>
-        <p:nvSpPr>
-          <p:cNvPr id="21" name="Text Placeholder 3"/>
-          <p:cNvSpPr>
-            <a:spLocks noGrp="1"/>
-          </p:cNvSpPr>
-          <p:nvPr>
-            <p:ph type="body" sz="half" idx="18"/>
-          </p:nvPr>
-        </p:nvSpPr>
-        <p:spPr>
-          <a:xfrm>
-            <a:off x="913795" y="4480368"/>
-            <a:ext cx="3300984" cy="1310833"/>
-          </a:xfrm>
-        </p:spPr>
-        <p:txBody>
-          <a:bodyPr anchor="t">
-            <a:normAutofit/>
-          </a:bodyPr>
-          <a:lstStyle>
-            <a:lvl1pPr marL="0" indent="0" algn="ctr">
-              <a:buNone/>
-              <a:defRPr sz="1400"/>
-            </a:lvl1pPr>
-            <a:lvl2pPr marL="457200" indent="0">
-              <a:buNone/>
-              <a:defRPr sz="1200"/>
-            </a:lvl2pPr>
-            <a:lvl3pPr marL="914400" indent="0">
-              <a:buNone/>
-              <a:defRPr sz="1000"/>
-            </a:lvl3pPr>
-            <a:lvl4pPr marL="1371600" indent="0">
-              <a:buNone/>
-              <a:defRPr sz="900"/>
-            </a:lvl4pPr>
-            <a:lvl5pPr marL="1828800" indent="0">
-              <a:buNone/>
-              <a:defRPr sz="900"/>
-            </a:lvl5pPr>
-            <a:lvl6pPr marL="2286000" indent="0">
-              <a:buNone/>
-              <a:defRPr sz="900"/>
-            </a:lvl6pPr>
-            <a:lvl7pPr marL="2743200" indent="0">
-              <a:buNone/>
-              <a:defRPr sz="900"/>
-            </a:lvl7pPr>
-            <a:lvl8pPr marL="3200400" indent="0">
-              <a:buNone/>
-              <a:defRPr sz="900"/>
-            </a:lvl8pPr>
-            <a:lvl9pPr marL="3657600" indent="0">
-              <a:buNone/>
-              <a:defRPr sz="900"/>
-            </a:lvl9pPr>
-          </a:lstStyle>
-          <a:p>
             <a:pPr lvl="0"/>
             <a:r>
-              <a:rPr lang="es-ES"/>
-              <a:t>Editar los estilos de texto del patrón</a:t>
-            </a:r>
-          </a:p>
-        </p:txBody>
-      </p:sp>
-      <p:sp>
-        <p:nvSpPr>
-          <p:cNvPr id="22" name="Text Placeholder 4"/>
-          <p:cNvSpPr>
-            <a:spLocks noGrp="1"/>
-          </p:cNvSpPr>
-          <p:nvPr>
-            <p:ph type="body" sz="quarter" idx="3"/>
-          </p:nvPr>
-        </p:nvSpPr>
-        <p:spPr>
-          <a:xfrm>
-            <a:off x="4442788" y="3904106"/>
-            <a:ext cx="3300984" cy="576262"/>
-          </a:xfrm>
-        </p:spPr>
-        <p:txBody>
-          <a:bodyPr anchor="b">
-            <a:noAutofit/>
-          </a:bodyPr>
-          <a:lstStyle>
-            <a:lvl1pPr marL="0" indent="0" algn="ctr">
-              <a:buNone/>
-              <a:defRPr sz="2000" b="0">
-                <a:solidFill>
-                  <a:schemeClr val="tx1"/>
-                </a:solidFill>
-              </a:defRPr>
-            </a:lvl1pPr>
-            <a:lvl2pPr marL="457200" indent="0">
-              <a:buNone/>
-              <a:defRPr sz="2000" b="1"/>
-            </a:lvl2pPr>
-            <a:lvl3pPr marL="914400" indent="0">
-              <a:buNone/>
-              <a:defRPr sz="1800" b="1"/>
-            </a:lvl3pPr>
-            <a:lvl4pPr marL="1371600" indent="0">
-              <a:buNone/>
-              <a:defRPr sz="1600" b="1"/>
-            </a:lvl4pPr>
-            <a:lvl5pPr marL="1828800" indent="0">
-              <a:buNone/>
-              <a:defRPr sz="1600" b="1"/>
-            </a:lvl5pPr>
-            <a:lvl6pPr marL="2286000" indent="0">
-              <a:buNone/>
-              <a:defRPr sz="1600" b="1"/>
-            </a:lvl6pPr>
-            <a:lvl7pPr marL="2743200" indent="0">
-              <a:buNone/>
-              <a:defRPr sz="1600" b="1"/>
-            </a:lvl7pPr>
-            <a:lvl8pPr marL="3200400" indent="0">
-              <a:buNone/>
-              <a:defRPr sz="1600" b="1"/>
-            </a:lvl8pPr>
-            <a:lvl9pPr marL="3657600" indent="0">
-              <a:buNone/>
-              <a:defRPr sz="1600" b="1"/>
-            </a:lvl9pPr>
-          </a:lstStyle>
-          <a:p>
-            <a:pPr lvl="0"/>
-            <a:r>
-              <a:rPr lang="es-ES"/>
-              <a:t>Editar los estilos de texto del patrón</a:t>
-            </a:r>
-          </a:p>
-        </p:txBody>
-      </p:sp>
-      <p:sp>
-        <p:nvSpPr>
-          <p:cNvPr id="23" name="Picture Placeholder 2"/>
-          <p:cNvSpPr>
-            <a:spLocks noGrp="1" noChangeAspect="1"/>
-          </p:cNvSpPr>
-          <p:nvPr>
-            <p:ph type="pic" idx="21"/>
-          </p:nvPr>
-        </p:nvSpPr>
-        <p:spPr>
-          <a:xfrm>
-            <a:off x="4545743" y="1939094"/>
-            <a:ext cx="3092368" cy="1608164"/>
-          </a:xfrm>
-          <a:prstGeom prst="roundRect">
-            <a:avLst>
-              <a:gd name="adj" fmla="val 1858"/>
-            </a:avLst>
-          </a:prstGeom>
-          <a:effectLst>
-            <a:outerShdw blurRad="38100" dist="25400" dir="4440000">
-              <a:srgbClr val="000000">
-                <a:alpha val="36000"/>
-              </a:srgbClr>
-            </a:outerShdw>
-          </a:effectLst>
-        </p:spPr>
-        <p:txBody>
-          <a:bodyPr anchor="t">
-            <a:normAutofit/>
-          </a:bodyPr>
-          <a:lstStyle>
-            <a:lvl1pPr marL="0" indent="0" algn="ctr">
-              <a:buNone/>
-              <a:defRPr sz="1600"/>
-            </a:lvl1pPr>
-            <a:lvl2pPr marL="457200" indent="0">
-              <a:buNone/>
-              <a:defRPr sz="1600"/>
-            </a:lvl2pPr>
-            <a:lvl3pPr marL="914400" indent="0">
-              <a:buNone/>
-              <a:defRPr sz="1600"/>
-            </a:lvl3pPr>
-            <a:lvl4pPr marL="1371600" indent="0">
-              <a:buNone/>
-              <a:defRPr sz="1600"/>
-            </a:lvl4pPr>
-            <a:lvl5pPr marL="1828800" indent="0">
-              <a:buNone/>
-              <a:defRPr sz="1600"/>
-            </a:lvl5pPr>
-            <a:lvl6pPr marL="2286000" indent="0">
-              <a:buNone/>
-              <a:defRPr sz="1600"/>
-            </a:lvl6pPr>
-            <a:lvl7pPr marL="2743200" indent="0">
-              <a:buNone/>
-              <a:defRPr sz="1600"/>
-            </a:lvl7pPr>
-            <a:lvl8pPr marL="3200400" indent="0">
-              <a:buNone/>
-              <a:defRPr sz="1600"/>
-            </a:lvl8pPr>
-            <a:lvl9pPr marL="3657600" indent="0">
-              <a:buNone/>
-              <a:defRPr sz="1600"/>
-            </a:lvl9pPr>
-          </a:lstStyle>
-          <a:p>
-            <a:r>
-              <a:rPr lang="es-ES"/>
-              <a:t>Haga clic en el icono para agregar una imagen</a:t>
-            </a:r>
-            <a:endParaRPr lang="en-US" dirty="0"/>
-          </a:p>
-        </p:txBody>
-      </p:sp>
-      <p:sp>
-        <p:nvSpPr>
-          <p:cNvPr id="24" name="Text Placeholder 3"/>
-          <p:cNvSpPr>
-            <a:spLocks noGrp="1"/>
-          </p:cNvSpPr>
-          <p:nvPr>
-            <p:ph type="body" sz="half" idx="19"/>
-          </p:nvPr>
-        </p:nvSpPr>
-        <p:spPr>
-          <a:xfrm>
-            <a:off x="4441435" y="4480367"/>
-            <a:ext cx="3300984" cy="1310833"/>
-          </a:xfrm>
-        </p:spPr>
-        <p:txBody>
-          <a:bodyPr anchor="t">
-            <a:normAutofit/>
-          </a:bodyPr>
-          <a:lstStyle>
-            <a:lvl1pPr marL="0" indent="0" algn="ctr">
-              <a:buNone/>
-              <a:defRPr sz="1400"/>
-            </a:lvl1pPr>
-            <a:lvl2pPr marL="457200" indent="0">
-              <a:buNone/>
-              <a:defRPr sz="1200"/>
-            </a:lvl2pPr>
-            <a:lvl3pPr marL="914400" indent="0">
-              <a:buNone/>
-              <a:defRPr sz="1000"/>
-            </a:lvl3pPr>
-            <a:lvl4pPr marL="1371600" indent="0">
-              <a:buNone/>
-              <a:defRPr sz="900"/>
-            </a:lvl4pPr>
-            <a:lvl5pPr marL="1828800" indent="0">
-              <a:buNone/>
-              <a:defRPr sz="900"/>
-            </a:lvl5pPr>
-            <a:lvl6pPr marL="2286000" indent="0">
-              <a:buNone/>
-              <a:defRPr sz="900"/>
-            </a:lvl6pPr>
-            <a:lvl7pPr marL="2743200" indent="0">
-              <a:buNone/>
-              <a:defRPr sz="900"/>
-            </a:lvl7pPr>
-            <a:lvl8pPr marL="3200400" indent="0">
-              <a:buNone/>
-              <a:defRPr sz="900"/>
-            </a:lvl8pPr>
-            <a:lvl9pPr marL="3657600" indent="0">
-              <a:buNone/>
-              <a:defRPr sz="900"/>
-            </a:lvl9pPr>
-          </a:lstStyle>
-          <a:p>
-            <a:pPr lvl="0"/>
-            <a:r>
-              <a:rPr lang="es-ES"/>
-              <a:t>Editar los estilos de texto del patrón</a:t>
-            </a:r>
-          </a:p>
-        </p:txBody>
-      </p:sp>
-      <p:sp>
-        <p:nvSpPr>
-          <p:cNvPr id="25" name="Text Placeholder 4"/>
-          <p:cNvSpPr>
-            <a:spLocks noGrp="1"/>
-          </p:cNvSpPr>
-          <p:nvPr>
-            <p:ph type="body" sz="quarter" idx="13"/>
-          </p:nvPr>
-        </p:nvSpPr>
-        <p:spPr>
-          <a:xfrm>
-            <a:off x="7966697" y="3904106"/>
-            <a:ext cx="3300984" cy="576262"/>
-          </a:xfrm>
-        </p:spPr>
-        <p:txBody>
-          <a:bodyPr anchor="b">
-            <a:noAutofit/>
-          </a:bodyPr>
-          <a:lstStyle>
-            <a:lvl1pPr marL="0" indent="0" algn="ctr">
-              <a:buNone/>
-              <a:defRPr sz="2000" b="0">
-                <a:solidFill>
-                  <a:schemeClr val="tx1"/>
-                </a:solidFill>
-              </a:defRPr>
-            </a:lvl1pPr>
-            <a:lvl2pPr marL="457200" indent="0">
-              <a:buNone/>
-              <a:defRPr sz="2000" b="1"/>
-            </a:lvl2pPr>
-            <a:lvl3pPr marL="914400" indent="0">
-              <a:buNone/>
-              <a:defRPr sz="1800" b="1"/>
-            </a:lvl3pPr>
-            <a:lvl4pPr marL="1371600" indent="0">
-              <a:buNone/>
-              <a:defRPr sz="1600" b="1"/>
-            </a:lvl4pPr>
-            <a:lvl5pPr marL="1828800" indent="0">
-              <a:buNone/>
-              <a:defRPr sz="1600" b="1"/>
-            </a:lvl5pPr>
-            <a:lvl6pPr marL="2286000" indent="0">
-              <a:buNone/>
-              <a:defRPr sz="1600" b="1"/>
-            </a:lvl6pPr>
-            <a:lvl7pPr marL="2743200" indent="0">
-              <a:buNone/>
-              <a:defRPr sz="1600" b="1"/>
-            </a:lvl7pPr>
-            <a:lvl8pPr marL="3200400" indent="0">
-              <a:buNone/>
-              <a:defRPr sz="1600" b="1"/>
-            </a:lvl8pPr>
-            <a:lvl9pPr marL="3657600" indent="0">
-              <a:buNone/>
-              <a:defRPr sz="1600" b="1"/>
-            </a:lvl9pPr>
-          </a:lstStyle>
-          <a:p>
-            <a:pPr lvl="0"/>
-            <a:r>
-              <a:rPr lang="es-ES"/>
-              <a:t>Editar los estilos de texto del patrón</a:t>
-            </a:r>
-          </a:p>
-        </p:txBody>
-      </p:sp>
-      <p:sp>
-        <p:nvSpPr>
-          <p:cNvPr id="26" name="Picture Placeholder 2"/>
-          <p:cNvSpPr>
-            <a:spLocks noGrp="1" noChangeAspect="1"/>
-          </p:cNvSpPr>
-          <p:nvPr>
-            <p:ph type="pic" idx="22"/>
-          </p:nvPr>
-        </p:nvSpPr>
-        <p:spPr>
-          <a:xfrm>
-            <a:off x="8075698" y="1934432"/>
-            <a:ext cx="3092368" cy="1607294"/>
-          </a:xfrm>
-          <a:prstGeom prst="roundRect">
-            <a:avLst>
-              <a:gd name="adj" fmla="val 1858"/>
-            </a:avLst>
-          </a:prstGeom>
-          <a:effectLst>
-            <a:outerShdw blurRad="38100" dist="25400" dir="4440000">
-              <a:srgbClr val="000000">
-                <a:alpha val="36000"/>
-              </a:srgbClr>
-            </a:outerShdw>
-          </a:effectLst>
-        </p:spPr>
-        <p:txBody>
-          <a:bodyPr anchor="t">
-            <a:normAutofit/>
-          </a:bodyPr>
-          <a:lstStyle>
-            <a:lvl1pPr marL="0" indent="0" algn="ctr">
-              <a:buNone/>
-              <a:defRPr sz="1600"/>
-            </a:lvl1pPr>
-            <a:lvl2pPr marL="457200" indent="0">
-              <a:buNone/>
-              <a:defRPr sz="1600"/>
-            </a:lvl2pPr>
-            <a:lvl3pPr marL="914400" indent="0">
-              <a:buNone/>
-              <a:defRPr sz="1600"/>
-            </a:lvl3pPr>
-            <a:lvl4pPr marL="1371600" indent="0">
-              <a:buNone/>
-              <a:defRPr sz="1600"/>
-            </a:lvl4pPr>
-            <a:lvl5pPr marL="1828800" indent="0">
-              <a:buNone/>
-              <a:defRPr sz="1600"/>
-            </a:lvl5pPr>
-            <a:lvl6pPr marL="2286000" indent="0">
-              <a:buNone/>
-              <a:defRPr sz="1600"/>
-            </a:lvl6pPr>
-            <a:lvl7pPr marL="2743200" indent="0">
-              <a:buNone/>
-              <a:defRPr sz="1600"/>
-            </a:lvl7pPr>
-            <a:lvl8pPr marL="3200400" indent="0">
-              <a:buNone/>
-              <a:defRPr sz="1600"/>
-            </a:lvl8pPr>
-            <a:lvl9pPr marL="3657600" indent="0">
-              <a:buNone/>
-              <a:defRPr sz="1600"/>
-            </a:lvl9pPr>
-          </a:lstStyle>
-          <a:p>
-            <a:r>
-              <a:rPr lang="es-ES"/>
-              <a:t>Haga clic en el icono para agregar una imagen</a:t>
-            </a:r>
-            <a:endParaRPr lang="en-US" dirty="0"/>
-          </a:p>
-        </p:txBody>
-      </p:sp>
-      <p:sp>
-        <p:nvSpPr>
-          <p:cNvPr id="27" name="Text Placeholder 3"/>
-          <p:cNvSpPr>
-            <a:spLocks noGrp="1"/>
-          </p:cNvSpPr>
-          <p:nvPr>
-            <p:ph type="body" sz="half" idx="20"/>
-          </p:nvPr>
-        </p:nvSpPr>
-        <p:spPr>
-          <a:xfrm>
-            <a:off x="7966572" y="4480365"/>
-            <a:ext cx="3300984" cy="1310835"/>
-          </a:xfrm>
-        </p:spPr>
-        <p:txBody>
-          <a:bodyPr anchor="t">
-            <a:normAutofit/>
-          </a:bodyPr>
-          <a:lstStyle>
-            <a:lvl1pPr marL="0" indent="0" algn="ctr">
-              <a:buNone/>
-              <a:defRPr sz="1400"/>
-            </a:lvl1pPr>
-            <a:lvl2pPr marL="457200" indent="0">
-              <a:buNone/>
-              <a:defRPr sz="1200"/>
-            </a:lvl2pPr>
-            <a:lvl3pPr marL="914400" indent="0">
-              <a:buNone/>
-              <a:defRPr sz="1000"/>
-            </a:lvl3pPr>
-            <a:lvl4pPr marL="1371600" indent="0">
-              <a:buNone/>
-              <a:defRPr sz="900"/>
-            </a:lvl4pPr>
-            <a:lvl5pPr marL="1828800" indent="0">
-              <a:buNone/>
-              <a:defRPr sz="900"/>
-            </a:lvl5pPr>
-            <a:lvl6pPr marL="2286000" indent="0">
-              <a:buNone/>
-              <a:defRPr sz="900"/>
-            </a:lvl6pPr>
-            <a:lvl7pPr marL="2743200" indent="0">
-              <a:buNone/>
-              <a:defRPr sz="900"/>
-            </a:lvl7pPr>
-            <a:lvl8pPr marL="3200400" indent="0">
-              <a:buNone/>
-              <a:defRPr sz="900"/>
-            </a:lvl8pPr>
-            <a:lvl9pPr marL="3657600" indent="0">
-              <a:buNone/>
-              <a:defRPr sz="900"/>
-            </a:lvl9pPr>
-          </a:lstStyle>
-          <a:p>
-            <a:pPr lvl="0"/>
-            <a:r>
-              <a:rPr lang="es-ES"/>
-              <a:t>Editar los estilos de texto del patrón</a:t>
-            </a:r>
-          </a:p>
-        </p:txBody>
-      </p:sp>
-      <p:sp>
-        <p:nvSpPr>
-          <p:cNvPr id="3" name="Date Placeholder 2"/>
+              <a:rPr lang="en-US" smtClean="0"/>
+              <a:t>Click to edit Master text styles</a:t>
+            </a:r>
+          </a:p>
+        </p:txBody>
+      </p:sp>
+      <p:sp>
+        <p:nvSpPr>
+          <p:cNvPr id="4" name="Date Placeholder 3"/>
           <p:cNvSpPr>
             <a:spLocks noGrp="1"/>
           </p:cNvSpPr>
@@ -2880,7 +2419,7 @@
           <a:p>
             <a:fld id="{E498B8CB-B27C-42AF-AE8C-17152853A980}" type="datetimeFigureOut">
               <a:rPr lang="es-ES" smtClean="0"/>
-              <a:t>14/12/2017</a:t>
+              <a:t>19/12/17</a:t>
             </a:fld>
             <a:endParaRPr lang="es-ES"/>
           </a:p>
@@ -2888,7 +2427,7 @@
       </p:sp>
       <p:sp>
         <p:nvSpPr>
-          <p:cNvPr id="4" name="Footer Placeholder 3"/>
+          <p:cNvPr id="5" name="Footer Placeholder 4"/>
           <p:cNvSpPr>
             <a:spLocks noGrp="1"/>
           </p:cNvSpPr>
@@ -2907,7 +2446,7 @@
       </p:sp>
       <p:sp>
         <p:nvSpPr>
-          <p:cNvPr id="5" name="Slide Number Placeholder 4"/>
+          <p:cNvPr id="6" name="Slide Number Placeholder 5"/>
           <p:cNvSpPr>
             <a:spLocks noGrp="1"/>
           </p:cNvSpPr>
@@ -2922,18 +2461,13 @@
           <a:p>
             <a:fld id="{1BE3AEAD-4961-45A3-8210-BDC7770D3F15}" type="slidenum">
               <a:rPr lang="es-ES" smtClean="0"/>
-              <a:t>‹Nº›</a:t>
+              <a:t>‹#›</a:t>
             </a:fld>
             <a:endParaRPr lang="es-ES"/>
           </a:p>
         </p:txBody>
       </p:sp>
     </p:spTree>
-    <p:extLst>
-      <p:ext uri="{BB962C8B-B14F-4D97-AF65-F5344CB8AC3E}">
-        <p14:creationId xmlns:p14="http://schemas.microsoft.com/office/powerpoint/2010/main" val="2135396828"/>
-      </p:ext>
-    </p:extLst>
   </p:cSld>
   <p:clrMapOvr>
     <a:masterClrMapping/>
@@ -2943,7 +2477,7 @@
 
 <file path=ppt/slideLayouts/slideLayout16.xml><?xml version="1.0" encoding="utf-8"?>
 <p:sldLayout xmlns:a="http://schemas.openxmlformats.org/drawingml/2006/main" xmlns:r="http://schemas.openxmlformats.org/officeDocument/2006/relationships" xmlns:p="http://schemas.openxmlformats.org/presentationml/2006/main" type="vertTx" preserve="1">
-  <p:cSld name="Título y texto vertical">
+  <p:cSld name="Title and Vertical Text">
     <p:spTree>
       <p:nvGrpSpPr>
         <p:cNvPr id="1" name=""/>
@@ -2960,7 +2494,7 @@
       </p:grpSpPr>
       <p:sp>
         <p:nvSpPr>
-          <p:cNvPr id="2" name="Title 1"/>
+          <p:cNvPr id="7" name="Title 1"/>
           <p:cNvSpPr>
             <a:spLocks noGrp="1"/>
           </p:cNvSpPr>
@@ -2968,66 +2502,71 @@
             <p:ph type="title"/>
           </p:nvPr>
         </p:nvSpPr>
+        <p:spPr>
+          <a:xfrm>
+            <a:off x="1141413" y="609600"/>
+            <a:ext cx="9905998" cy="1905000"/>
+          </a:xfrm>
+        </p:spPr>
+        <p:txBody>
+          <a:bodyPr/>
+          <a:lstStyle/>
+          <a:p>
+            <a:r>
+              <a:rPr lang="en-US" smtClean="0"/>
+              <a:t>Click to edit Master title style</a:t>
+            </a:r>
+            <a:endParaRPr lang="en-US" dirty="0"/>
+          </a:p>
+        </p:txBody>
+      </p:sp>
+      <p:sp>
+        <p:nvSpPr>
+          <p:cNvPr id="3" name="Vertical Text Placeholder 2"/>
+          <p:cNvSpPr>
+            <a:spLocks noGrp="1"/>
+          </p:cNvSpPr>
+          <p:nvPr>
+            <p:ph type="body" orient="vert" idx="1"/>
+          </p:nvPr>
+        </p:nvSpPr>
         <p:spPr/>
         <p:txBody>
-          <a:bodyPr/>
-          <a:lstStyle/>
-          <a:p>
-            <a:r>
-              <a:rPr lang="es-ES"/>
-              <a:t>Haga clic para modificar el estilo de título del patrón</a:t>
-            </a:r>
-            <a:endParaRPr lang="en-US" dirty="0"/>
-          </a:p>
-        </p:txBody>
-      </p:sp>
-      <p:sp>
-        <p:nvSpPr>
-          <p:cNvPr id="3" name="Vertical Text Placeholder 2"/>
-          <p:cNvSpPr>
-            <a:spLocks noGrp="1"/>
-          </p:cNvSpPr>
-          <p:nvPr>
-            <p:ph type="body" orient="vert" idx="1"/>
-          </p:nvPr>
-        </p:nvSpPr>
-        <p:spPr/>
-        <p:txBody>
           <a:bodyPr vert="eaVert" anchor="t"/>
           <a:lstStyle/>
           <a:p>
             <a:pPr lvl="0"/>
             <a:r>
-              <a:rPr lang="es-ES"/>
-              <a:t>Editar los estilos de texto del patrón</a:t>
+              <a:rPr lang="en-US" smtClean="0"/>
+              <a:t>Click to edit Master text styles</a:t>
             </a:r>
           </a:p>
           <a:p>
             <a:pPr lvl="1"/>
             <a:r>
-              <a:rPr lang="es-ES"/>
-              <a:t>Segundo nivel</a:t>
+              <a:rPr lang="en-US" smtClean="0"/>
+              <a:t>Second level</a:t>
             </a:r>
           </a:p>
           <a:p>
             <a:pPr lvl="2"/>
             <a:r>
-              <a:rPr lang="es-ES"/>
-              <a:t>Tercer nivel</a:t>
+              <a:rPr lang="en-US" smtClean="0"/>
+              <a:t>Third level</a:t>
             </a:r>
           </a:p>
           <a:p>
             <a:pPr lvl="3"/>
             <a:r>
-              <a:rPr lang="es-ES"/>
-              <a:t>Cuarto nivel</a:t>
+              <a:rPr lang="en-US" smtClean="0"/>
+              <a:t>Fourth level</a:t>
             </a:r>
           </a:p>
           <a:p>
             <a:pPr lvl="4"/>
             <a:r>
-              <a:rPr lang="es-ES"/>
-              <a:t>Quinto nivel</a:t>
+              <a:rPr lang="en-US" smtClean="0"/>
+              <a:t>Fifth level</a:t>
             </a:r>
             <a:endParaRPr lang="en-US" dirty="0"/>
           </a:p>
@@ -3050,7 +2589,7 @@
           <a:p>
             <a:fld id="{E498B8CB-B27C-42AF-AE8C-17152853A980}" type="datetimeFigureOut">
               <a:rPr lang="es-ES" smtClean="0"/>
-              <a:t>14/12/2017</a:t>
+              <a:t>19/12/17</a:t>
             </a:fld>
             <a:endParaRPr lang="es-ES"/>
           </a:p>
@@ -3092,18 +2631,13 @@
           <a:p>
             <a:fld id="{1BE3AEAD-4961-45A3-8210-BDC7770D3F15}" type="slidenum">
               <a:rPr lang="es-ES" smtClean="0"/>
-              <a:t>‹Nº›</a:t>
+              <a:t>‹#›</a:t>
             </a:fld>
             <a:endParaRPr lang="es-ES"/>
           </a:p>
         </p:txBody>
       </p:sp>
     </p:spTree>
-    <p:extLst>
-      <p:ext uri="{BB962C8B-B14F-4D97-AF65-F5344CB8AC3E}">
-        <p14:creationId xmlns:p14="http://schemas.microsoft.com/office/powerpoint/2010/main" val="3612306155"/>
-      </p:ext>
-    </p:extLst>
   </p:cSld>
   <p:clrMapOvr>
     <a:masterClrMapping/>
@@ -3113,7 +2647,7 @@
 
 <file path=ppt/slideLayouts/slideLayout17.xml><?xml version="1.0" encoding="utf-8"?>
 <p:sldLayout xmlns:a="http://schemas.openxmlformats.org/drawingml/2006/main" xmlns:r="http://schemas.openxmlformats.org/officeDocument/2006/relationships" xmlns:p="http://schemas.openxmlformats.org/presentationml/2006/main" type="vertTitleAndTx" preserve="1">
-  <p:cSld name="Título vertical y texto">
+  <p:cSld name="Vertical Title and Text">
     <p:spTree>
       <p:nvGrpSpPr>
         <p:cNvPr id="1" name=""/>
@@ -3140,21 +2674,17 @@
         </p:nvSpPr>
         <p:spPr>
           <a:xfrm>
-            <a:off x="8983068" y="609599"/>
-            <a:ext cx="2284487" cy="5181601"/>
+            <a:off x="8836898" y="609599"/>
+            <a:ext cx="2210514" cy="5181601"/>
           </a:xfrm>
         </p:spPr>
         <p:txBody>
           <a:bodyPr vert="eaVert"/>
-          <a:lstStyle>
-            <a:lvl1pPr algn="l">
-              <a:defRPr/>
-            </a:lvl1pPr>
-          </a:lstStyle>
-          <a:p>
-            <a:r>
-              <a:rPr lang="es-ES"/>
-              <a:t>Haga clic para modificar el estilo de título del patrón</a:t>
+          <a:lstStyle/>
+          <a:p>
+            <a:r>
+              <a:rPr lang="en-US" smtClean="0"/>
+              <a:t>Click to edit Master title style</a:t>
             </a:r>
             <a:endParaRPr lang="en-US" dirty="0"/>
           </a:p>
@@ -3172,8 +2702,8 @@
         </p:nvSpPr>
         <p:spPr>
           <a:xfrm>
-            <a:off x="913796" y="609599"/>
-            <a:ext cx="7916872" cy="5181601"/>
+            <a:off x="1141412" y="609600"/>
+            <a:ext cx="7543800" cy="5181600"/>
           </a:xfrm>
         </p:spPr>
         <p:txBody>
@@ -3182,36 +2712,36 @@
           <a:p>
             <a:pPr lvl="0"/>
             <a:r>
-              <a:rPr lang="es-ES"/>
-              <a:t>Editar los estilos de texto del patrón</a:t>
+              <a:rPr lang="en-US" smtClean="0"/>
+              <a:t>Click to edit Master text styles</a:t>
             </a:r>
           </a:p>
           <a:p>
             <a:pPr lvl="1"/>
             <a:r>
-              <a:rPr lang="es-ES"/>
-              <a:t>Segundo nivel</a:t>
+              <a:rPr lang="en-US" smtClean="0"/>
+              <a:t>Second level</a:t>
             </a:r>
           </a:p>
           <a:p>
             <a:pPr lvl="2"/>
             <a:r>
-              <a:rPr lang="es-ES"/>
-              <a:t>Tercer nivel</a:t>
+              <a:rPr lang="en-US" smtClean="0"/>
+              <a:t>Third level</a:t>
             </a:r>
           </a:p>
           <a:p>
             <a:pPr lvl="3"/>
             <a:r>
-              <a:rPr lang="es-ES"/>
-              <a:t>Cuarto nivel</a:t>
+              <a:rPr lang="en-US" smtClean="0"/>
+              <a:t>Fourth level</a:t>
             </a:r>
           </a:p>
           <a:p>
             <a:pPr lvl="4"/>
             <a:r>
-              <a:rPr lang="es-ES"/>
-              <a:t>Quinto nivel</a:t>
+              <a:rPr lang="en-US" smtClean="0"/>
+              <a:t>Fifth level</a:t>
             </a:r>
             <a:endParaRPr lang="en-US" dirty="0"/>
           </a:p>
@@ -3234,7 +2764,7 @@
           <a:p>
             <a:fld id="{E498B8CB-B27C-42AF-AE8C-17152853A980}" type="datetimeFigureOut">
               <a:rPr lang="es-ES" smtClean="0"/>
-              <a:t>14/12/2017</a:t>
+              <a:t>19/12/17</a:t>
             </a:fld>
             <a:endParaRPr lang="es-ES"/>
           </a:p>
@@ -3276,28 +2806,28 @@
           <a:p>
             <a:fld id="{1BE3AEAD-4961-45A3-8210-BDC7770D3F15}" type="slidenum">
               <a:rPr lang="es-ES" smtClean="0"/>
-              <a:t>‹Nº›</a:t>
+              <a:t>‹#›</a:t>
             </a:fld>
             <a:endParaRPr lang="es-ES"/>
           </a:p>
         </p:txBody>
       </p:sp>
     </p:spTree>
-    <p:extLst>
-      <p:ext uri="{BB962C8B-B14F-4D97-AF65-F5344CB8AC3E}">
-        <p14:creationId xmlns:p14="http://schemas.microsoft.com/office/powerpoint/2010/main" val="3041181016"/>
-      </p:ext>
-    </p:extLst>
   </p:cSld>
   <p:clrMapOvr>
     <a:masterClrMapping/>
   </p:clrMapOvr>
+  <p:extLst>
+    <p:ext uri="{DCECCB84-F9BA-43D5-87BE-67443E8EF086}">
+      <p15:sldGuideLst xmlns:p15="http://schemas.microsoft.com/office/powerpoint/2012/main"/>
+    </p:ext>
+  </p:extLst>
 </p:sldLayout>
 </file>
 
 <file path=ppt/slideLayouts/slideLayout2.xml><?xml version="1.0" encoding="utf-8"?>
 <p:sldLayout xmlns:a="http://schemas.openxmlformats.org/drawingml/2006/main" xmlns:r="http://schemas.openxmlformats.org/officeDocument/2006/relationships" xmlns:p="http://schemas.openxmlformats.org/presentationml/2006/main" type="obj" preserve="1">
-  <p:cSld name="Título y objetos">
+  <p:cSld name="Title and Content">
     <p:spTree>
       <p:nvGrpSpPr>
         <p:cNvPr id="1" name=""/>
@@ -3328,8 +2858,8 @@
           <a:lstStyle/>
           <a:p>
             <a:r>
-              <a:rPr lang="es-ES"/>
-              <a:t>Haga clic para modificar el estilo de título del patrón</a:t>
+              <a:rPr lang="en-US" smtClean="0"/>
+              <a:t>Click to edit Master title style</a:t>
             </a:r>
             <a:endParaRPr lang="en-US" dirty="0"/>
           </a:p>
@@ -3347,41 +2877,41 @@
         </p:nvSpPr>
         <p:spPr/>
         <p:txBody>
-          <a:bodyPr/>
+          <a:bodyPr anchor="ctr"/>
           <a:lstStyle/>
           <a:p>
             <a:pPr lvl="0"/>
             <a:r>
-              <a:rPr lang="es-ES"/>
-              <a:t>Editar los estilos de texto del patrón</a:t>
+              <a:rPr lang="en-US" smtClean="0"/>
+              <a:t>Click to edit Master text styles</a:t>
             </a:r>
           </a:p>
           <a:p>
             <a:pPr lvl="1"/>
             <a:r>
-              <a:rPr lang="es-ES"/>
-              <a:t>Segundo nivel</a:t>
+              <a:rPr lang="en-US" smtClean="0"/>
+              <a:t>Second level</a:t>
             </a:r>
           </a:p>
           <a:p>
             <a:pPr lvl="2"/>
             <a:r>
-              <a:rPr lang="es-ES"/>
-              <a:t>Tercer nivel</a:t>
+              <a:rPr lang="en-US" smtClean="0"/>
+              <a:t>Third level</a:t>
             </a:r>
           </a:p>
           <a:p>
             <a:pPr lvl="3"/>
             <a:r>
-              <a:rPr lang="es-ES"/>
-              <a:t>Cuarto nivel</a:t>
+              <a:rPr lang="en-US" smtClean="0"/>
+              <a:t>Fourth level</a:t>
             </a:r>
           </a:p>
           <a:p>
             <a:pPr lvl="4"/>
             <a:r>
-              <a:rPr lang="es-ES"/>
-              <a:t>Quinto nivel</a:t>
+              <a:rPr lang="en-US" smtClean="0"/>
+              <a:t>Fifth level</a:t>
             </a:r>
             <a:endParaRPr lang="en-US" dirty="0"/>
           </a:p>
@@ -3404,7 +2934,7 @@
           <a:p>
             <a:fld id="{E498B8CB-B27C-42AF-AE8C-17152853A980}" type="datetimeFigureOut">
               <a:rPr lang="es-ES" smtClean="0"/>
-              <a:t>14/12/2017</a:t>
+              <a:t>19/12/17</a:t>
             </a:fld>
             <a:endParaRPr lang="es-ES"/>
           </a:p>
@@ -3446,18 +2976,13 @@
           <a:p>
             <a:fld id="{1BE3AEAD-4961-45A3-8210-BDC7770D3F15}" type="slidenum">
               <a:rPr lang="es-ES" smtClean="0"/>
-              <a:t>‹Nº›</a:t>
+              <a:t>‹#›</a:t>
             </a:fld>
             <a:endParaRPr lang="es-ES"/>
           </a:p>
         </p:txBody>
       </p:sp>
     </p:spTree>
-    <p:extLst>
-      <p:ext uri="{BB962C8B-B14F-4D97-AF65-F5344CB8AC3E}">
-        <p14:creationId xmlns:p14="http://schemas.microsoft.com/office/powerpoint/2010/main" val="3100203983"/>
-      </p:ext>
-    </p:extLst>
   </p:cSld>
   <p:clrMapOvr>
     <a:masterClrMapping/>
@@ -3467,7 +2992,7 @@
 
 <file path=ppt/slideLayouts/slideLayout3.xml><?xml version="1.0" encoding="utf-8"?>
 <p:sldLayout xmlns:a="http://schemas.openxmlformats.org/drawingml/2006/main" xmlns:r="http://schemas.openxmlformats.org/officeDocument/2006/relationships" xmlns:p="http://schemas.openxmlformats.org/presentationml/2006/main" type="secHead" preserve="1">
-  <p:cSld name="Encabezado de sección">
+  <p:cSld name="Section Header">
     <p:spTree>
       <p:nvGrpSpPr>
         <p:cNvPr id="1" name=""/>
@@ -3494,21 +3019,21 @@
         </p:nvSpPr>
         <p:spPr>
           <a:xfrm>
-            <a:off x="1295401" y="1761067"/>
-            <a:ext cx="9590550" cy="1828813"/>
+            <a:off x="1751013" y="3308581"/>
+            <a:ext cx="8686800" cy="1468800"/>
           </a:xfrm>
         </p:spPr>
         <p:txBody>
           <a:bodyPr anchor="b"/>
           <a:lstStyle>
-            <a:lvl1pPr algn="ctr">
-              <a:defRPr sz="4000" b="0" cap="none"/>
+            <a:lvl1pPr algn="r">
+              <a:defRPr sz="4000" b="0" cap="all"/>
             </a:lvl1pPr>
           </a:lstStyle>
           <a:p>
             <a:r>
-              <a:rPr lang="es-ES"/>
-              <a:t>Haga clic para modificar el estilo de título del patrón</a:t>
+              <a:rPr lang="en-US" smtClean="0"/>
+              <a:t>Click to edit Master title style</a:t>
             </a:r>
             <a:endParaRPr lang="en-US" dirty="0"/>
           </a:p>
@@ -3526,19 +3051,32 @@
         </p:nvSpPr>
         <p:spPr>
           <a:xfrm>
-            <a:off x="1295401" y="3589879"/>
-            <a:ext cx="9590550" cy="1507054"/>
+            <a:off x="1751011" y="4777381"/>
+            <a:ext cx="8686801" cy="860400"/>
           </a:xfrm>
         </p:spPr>
         <p:txBody>
-          <a:bodyPr anchor="t"/>
+          <a:bodyPr anchor="t">
+            <a:normAutofit/>
+          </a:bodyPr>
           <a:lstStyle>
-            <a:lvl1pPr marL="0" indent="0" algn="ctr">
+            <a:lvl1pPr marL="0" indent="0" algn="r">
               <a:buNone/>
               <a:defRPr sz="2000">
-                <a:solidFill>
-                  <a:schemeClr val="tx1"/>
-                </a:solidFill>
+                <a:gradFill flip="none" rotWithShape="1">
+                  <a:gsLst>
+                    <a:gs pos="0">
+                      <a:schemeClr val="tx1"/>
+                    </a:gs>
+                    <a:gs pos="100000">
+                      <a:schemeClr val="tx1">
+                        <a:lumMod val="75000"/>
+                      </a:schemeClr>
+                    </a:gs>
+                  </a:gsLst>
+                  <a:lin ang="5400000" scaled="0"/>
+                  <a:tileRect/>
+                </a:gradFill>
               </a:defRPr>
             </a:lvl1pPr>
             <a:lvl2pPr marL="457200" indent="0">
@@ -3625,8 +3163,8 @@
           <a:p>
             <a:pPr lvl="0"/>
             <a:r>
-              <a:rPr lang="es-ES"/>
-              <a:t>Editar los estilos de texto del patrón</a:t>
+              <a:rPr lang="en-US" smtClean="0"/>
+              <a:t>Click to edit Master text styles</a:t>
             </a:r>
           </a:p>
         </p:txBody>
@@ -3648,7 +3186,7 @@
           <a:p>
             <a:fld id="{E498B8CB-B27C-42AF-AE8C-17152853A980}" type="datetimeFigureOut">
               <a:rPr lang="es-ES" smtClean="0"/>
-              <a:t>14/12/2017</a:t>
+              <a:t>19/12/17</a:t>
             </a:fld>
             <a:endParaRPr lang="es-ES"/>
           </a:p>
@@ -3690,28 +3228,28 @@
           <a:p>
             <a:fld id="{1BE3AEAD-4961-45A3-8210-BDC7770D3F15}" type="slidenum">
               <a:rPr lang="es-ES" smtClean="0"/>
-              <a:t>‹Nº›</a:t>
+              <a:t>‹#›</a:t>
             </a:fld>
             <a:endParaRPr lang="es-ES"/>
           </a:p>
         </p:txBody>
       </p:sp>
     </p:spTree>
-    <p:extLst>
-      <p:ext uri="{BB962C8B-B14F-4D97-AF65-F5344CB8AC3E}">
-        <p14:creationId xmlns:p14="http://schemas.microsoft.com/office/powerpoint/2010/main" val="134420356"/>
-      </p:ext>
-    </p:extLst>
   </p:cSld>
   <p:clrMapOvr>
     <a:masterClrMapping/>
   </p:clrMapOvr>
+  <p:extLst>
+    <p:ext uri="{DCECCB84-F9BA-43D5-87BE-67443E8EF086}">
+      <p15:sldGuideLst xmlns:p15="http://schemas.microsoft.com/office/powerpoint/2012/main"/>
+    </p:ext>
+  </p:extLst>
 </p:sldLayout>
 </file>
 
 <file path=ppt/slideLayouts/slideLayout4.xml><?xml version="1.0" encoding="utf-8"?>
 <p:sldLayout xmlns:a="http://schemas.openxmlformats.org/drawingml/2006/main" xmlns:r="http://schemas.openxmlformats.org/officeDocument/2006/relationships" xmlns:p="http://schemas.openxmlformats.org/presentationml/2006/main" type="twoObj" preserve="1">
-  <p:cSld name="Dos objetos">
+  <p:cSld name="Two Content">
     <p:spTree>
       <p:nvGrpSpPr>
         <p:cNvPr id="1" name=""/>
@@ -3742,8 +3280,8 @@
           <a:lstStyle/>
           <a:p>
             <a:r>
-              <a:rPr lang="es-ES"/>
-              <a:t>Haga clic para modificar el estilo de título del patrón</a:t>
+              <a:rPr lang="en-US" smtClean="0"/>
+              <a:t>Click to edit Master title style</a:t>
             </a:r>
             <a:endParaRPr lang="en-US" dirty="0"/>
           </a:p>
@@ -3761,48 +3299,76 @@
         </p:nvSpPr>
         <p:spPr>
           <a:xfrm>
-            <a:off x="913795" y="1732449"/>
-            <a:ext cx="5060497" cy="4058750"/>
+            <a:off x="1141412" y="2666999"/>
+            <a:ext cx="4876800" cy="3124201"/>
           </a:xfrm>
         </p:spPr>
         <p:txBody>
-          <a:bodyPr anchor="t">
+          <a:bodyPr>
             <a:normAutofit/>
           </a:bodyPr>
-          <a:lstStyle/>
+          <a:lstStyle>
+            <a:lvl1pPr>
+              <a:defRPr sz="1800"/>
+            </a:lvl1pPr>
+            <a:lvl2pPr>
+              <a:defRPr sz="1600"/>
+            </a:lvl2pPr>
+            <a:lvl3pPr>
+              <a:defRPr sz="1400"/>
+            </a:lvl3pPr>
+            <a:lvl4pPr>
+              <a:defRPr sz="1200"/>
+            </a:lvl4pPr>
+            <a:lvl5pPr>
+              <a:defRPr sz="1200"/>
+            </a:lvl5pPr>
+            <a:lvl6pPr>
+              <a:defRPr sz="1200"/>
+            </a:lvl6pPr>
+            <a:lvl7pPr>
+              <a:defRPr sz="1200"/>
+            </a:lvl7pPr>
+            <a:lvl8pPr>
+              <a:defRPr sz="1200"/>
+            </a:lvl8pPr>
+            <a:lvl9pPr>
+              <a:defRPr sz="1200"/>
+            </a:lvl9pPr>
+          </a:lstStyle>
           <a:p>
             <a:pPr lvl="0"/>
             <a:r>
-              <a:rPr lang="es-ES"/>
-              <a:t>Editar los estilos de texto del patrón</a:t>
+              <a:rPr lang="en-US" smtClean="0"/>
+              <a:t>Click to edit Master text styles</a:t>
             </a:r>
           </a:p>
           <a:p>
             <a:pPr lvl="1"/>
             <a:r>
-              <a:rPr lang="es-ES"/>
-              <a:t>Segundo nivel</a:t>
+              <a:rPr lang="en-US" smtClean="0"/>
+              <a:t>Second level</a:t>
             </a:r>
           </a:p>
           <a:p>
             <a:pPr lvl="2"/>
             <a:r>
-              <a:rPr lang="es-ES"/>
-              <a:t>Tercer nivel</a:t>
+              <a:rPr lang="en-US" smtClean="0"/>
+              <a:t>Third level</a:t>
             </a:r>
           </a:p>
           <a:p>
             <a:pPr lvl="3"/>
             <a:r>
-              <a:rPr lang="es-ES"/>
-              <a:t>Cuarto nivel</a:t>
+              <a:rPr lang="en-US" smtClean="0"/>
+              <a:t>Fourth level</a:t>
             </a:r>
           </a:p>
           <a:p>
             <a:pPr lvl="4"/>
             <a:r>
-              <a:rPr lang="es-ES"/>
-              <a:t>Quinto nivel</a:t>
+              <a:rPr lang="en-US" smtClean="0"/>
+              <a:t>Fifth level</a:t>
             </a:r>
             <a:endParaRPr lang="en-US" dirty="0"/>
           </a:p>
@@ -3820,48 +3386,76 @@
         </p:nvSpPr>
         <p:spPr>
           <a:xfrm>
-            <a:off x="6202892" y="1732449"/>
-            <a:ext cx="5064665" cy="4058751"/>
+            <a:off x="6170612" y="2667000"/>
+            <a:ext cx="4876800" cy="3124200"/>
           </a:xfrm>
         </p:spPr>
         <p:txBody>
-          <a:bodyPr anchor="t">
+          <a:bodyPr>
             <a:normAutofit/>
           </a:bodyPr>
-          <a:lstStyle/>
+          <a:lstStyle>
+            <a:lvl1pPr>
+              <a:defRPr sz="1800"/>
+            </a:lvl1pPr>
+            <a:lvl2pPr>
+              <a:defRPr sz="1600"/>
+            </a:lvl2pPr>
+            <a:lvl3pPr>
+              <a:defRPr sz="1400"/>
+            </a:lvl3pPr>
+            <a:lvl4pPr>
+              <a:defRPr sz="1200"/>
+            </a:lvl4pPr>
+            <a:lvl5pPr>
+              <a:defRPr sz="1200"/>
+            </a:lvl5pPr>
+            <a:lvl6pPr>
+              <a:defRPr sz="1200"/>
+            </a:lvl6pPr>
+            <a:lvl7pPr>
+              <a:defRPr sz="1200"/>
+            </a:lvl7pPr>
+            <a:lvl8pPr>
+              <a:defRPr sz="1200"/>
+            </a:lvl8pPr>
+            <a:lvl9pPr>
+              <a:defRPr sz="1200"/>
+            </a:lvl9pPr>
+          </a:lstStyle>
           <a:p>
             <a:pPr lvl="0"/>
             <a:r>
-              <a:rPr lang="es-ES"/>
-              <a:t>Editar los estilos de texto del patrón</a:t>
+              <a:rPr lang="en-US" smtClean="0"/>
+              <a:t>Click to edit Master text styles</a:t>
             </a:r>
           </a:p>
           <a:p>
             <a:pPr lvl="1"/>
             <a:r>
-              <a:rPr lang="es-ES"/>
-              <a:t>Segundo nivel</a:t>
+              <a:rPr lang="en-US" smtClean="0"/>
+              <a:t>Second level</a:t>
             </a:r>
           </a:p>
           <a:p>
             <a:pPr lvl="2"/>
             <a:r>
-              <a:rPr lang="es-ES"/>
-              <a:t>Tercer nivel</a:t>
+              <a:rPr lang="en-US" smtClean="0"/>
+              <a:t>Third level</a:t>
             </a:r>
           </a:p>
           <a:p>
             <a:pPr lvl="3"/>
             <a:r>
-              <a:rPr lang="es-ES"/>
-              <a:t>Cuarto nivel</a:t>
+              <a:rPr lang="en-US" smtClean="0"/>
+              <a:t>Fourth level</a:t>
             </a:r>
           </a:p>
           <a:p>
             <a:pPr lvl="4"/>
             <a:r>
-              <a:rPr lang="es-ES"/>
-              <a:t>Quinto nivel</a:t>
+              <a:rPr lang="en-US" smtClean="0"/>
+              <a:t>Fifth level</a:t>
             </a:r>
             <a:endParaRPr lang="en-US" dirty="0"/>
           </a:p>
@@ -3884,7 +3478,7 @@
           <a:p>
             <a:fld id="{E498B8CB-B27C-42AF-AE8C-17152853A980}" type="datetimeFigureOut">
               <a:rPr lang="es-ES" smtClean="0"/>
-              <a:t>14/12/2017</a:t>
+              <a:t>19/12/17</a:t>
             </a:fld>
             <a:endParaRPr lang="es-ES"/>
           </a:p>
@@ -3926,18 +3520,13 @@
           <a:p>
             <a:fld id="{1BE3AEAD-4961-45A3-8210-BDC7770D3F15}" type="slidenum">
               <a:rPr lang="es-ES" smtClean="0"/>
-              <a:t>‹Nº›</a:t>
+              <a:t>‹#›</a:t>
             </a:fld>
             <a:endParaRPr lang="es-ES"/>
           </a:p>
         </p:txBody>
       </p:sp>
     </p:spTree>
-    <p:extLst>
-      <p:ext uri="{BB962C8B-B14F-4D97-AF65-F5344CB8AC3E}">
-        <p14:creationId xmlns:p14="http://schemas.microsoft.com/office/powerpoint/2010/main" val="1841223018"/>
-      </p:ext>
-    </p:extLst>
   </p:cSld>
   <p:clrMapOvr>
     <a:masterClrMapping/>
@@ -3947,7 +3536,7 @@
 
 <file path=ppt/slideLayouts/slideLayout5.xml><?xml version="1.0" encoding="utf-8"?>
 <p:sldLayout xmlns:a="http://schemas.openxmlformats.org/drawingml/2006/main" xmlns:r="http://schemas.openxmlformats.org/officeDocument/2006/relationships" xmlns:p="http://schemas.openxmlformats.org/presentationml/2006/main" type="twoTxTwoObj" preserve="1">
-  <p:cSld name="Comparación">
+  <p:cSld name="Comparison">
     <p:spTree>
       <p:nvGrpSpPr>
         <p:cNvPr id="1" name=""/>
@@ -3962,66 +3551,6 @@
           <a:chExt cx="0" cy="0"/>
         </a:xfrm>
       </p:grpSpPr>
-      <p:pic>
-        <p:nvPicPr>
-          <p:cNvPr id="20" name="Picture 19" descr="Slate-V2-HD-compPhotoInset.png"/>
-          <p:cNvPicPr>
-            <a:picLocks noChangeAspect="1"/>
-          </p:cNvPicPr>
-          <p:nvPr/>
-        </p:nvPicPr>
-        <p:blipFill>
-          <a:blip r:embed="rId2">
-            <a:extLst>
-              <a:ext uri="{28A0092B-C50C-407E-A947-70E740481C1C}">
-                <a14:useLocalDpi xmlns:a14="http://schemas.microsoft.com/office/drawing/2010/main" val="0"/>
-              </a:ext>
-            </a:extLst>
-          </a:blip>
-          <a:stretch>
-            <a:fillRect/>
-          </a:stretch>
-        </p:blipFill>
-        <p:spPr>
-          <a:xfrm>
-            <a:off x="913795" y="1734506"/>
-            <a:ext cx="5089072" cy="4148769"/>
-          </a:xfrm>
-          <a:prstGeom prst="rect">
-            <a:avLst/>
-          </a:prstGeom>
-        </p:spPr>
-      </p:pic>
-      <p:pic>
-        <p:nvPicPr>
-          <p:cNvPr id="21" name="Picture 20" descr="Slate-V2-HD-compPhotoInset.png"/>
-          <p:cNvPicPr>
-            <a:picLocks noChangeAspect="1"/>
-          </p:cNvPicPr>
-          <p:nvPr/>
-        </p:nvPicPr>
-        <p:blipFill>
-          <a:blip r:embed="rId2">
-            <a:extLst>
-              <a:ext uri="{28A0092B-C50C-407E-A947-70E740481C1C}">
-                <a14:useLocalDpi xmlns:a14="http://schemas.microsoft.com/office/drawing/2010/main" val="0"/>
-              </a:ext>
-            </a:extLst>
-          </a:blip>
-          <a:stretch>
-            <a:fillRect/>
-          </a:stretch>
-        </p:blipFill>
-        <p:spPr>
-          <a:xfrm>
-            <a:off x="6178485" y="1734506"/>
-            <a:ext cx="5089072" cy="4148769"/>
-          </a:xfrm>
-          <a:prstGeom prst="rect">
-            <a:avLst/>
-          </a:prstGeom>
-        </p:spPr>
-      </p:pic>
       <p:sp>
         <p:nvSpPr>
           <p:cNvPr id="2" name="Title 1"/>
@@ -4042,8 +3571,8 @@
           </a:lstStyle>
           <a:p>
             <a:r>
-              <a:rPr lang="es-ES"/>
-              <a:t>Haga clic para modificar el estilo de título del patrón</a:t>
+              <a:rPr lang="en-US" smtClean="0"/>
+              <a:t>Click to edit Master title style</a:t>
             </a:r>
             <a:endParaRPr lang="en-US" dirty="0"/>
           </a:p>
@@ -4061,8 +3590,8 @@
         </p:nvSpPr>
         <p:spPr>
           <a:xfrm>
-            <a:off x="1005872" y="1835254"/>
-            <a:ext cx="4876344" cy="544884"/>
+            <a:off x="1429280" y="2658533"/>
+            <a:ext cx="4588931" cy="576262"/>
           </a:xfrm>
         </p:spPr>
         <p:txBody>
@@ -4070,9 +3599,9 @@
             <a:noAutofit/>
           </a:bodyPr>
           <a:lstStyle>
-            <a:lvl1pPr marL="0" indent="0" algn="ctr">
-              <a:buNone/>
-              <a:defRPr sz="2400" b="0"/>
+            <a:lvl1pPr marL="0" indent="0">
+              <a:buNone/>
+              <a:defRPr sz="2800" b="0"/>
             </a:lvl1pPr>
             <a:lvl2pPr marL="457200" indent="0">
               <a:buNone/>
@@ -4110,8 +3639,8 @@
           <a:p>
             <a:pPr lvl="0"/>
             <a:r>
-              <a:rPr lang="es-ES"/>
-              <a:t>Editar los estilos de texto del patrón</a:t>
+              <a:rPr lang="en-US" smtClean="0"/>
+              <a:t>Click to edit Master text styles</a:t>
             </a:r>
           </a:p>
         </p:txBody>
@@ -4128,8 +3657,8 @@
         </p:nvSpPr>
         <p:spPr>
           <a:xfrm>
-            <a:off x="1005872" y="2380137"/>
-            <a:ext cx="4876344" cy="3411063"/>
+            <a:off x="1141412" y="3243262"/>
+            <a:ext cx="4876800" cy="2547937"/>
           </a:xfrm>
         </p:spPr>
         <p:txBody>
@@ -4152,40 +3681,52 @@
             <a:lvl5pPr>
               <a:defRPr sz="1200"/>
             </a:lvl5pPr>
+            <a:lvl6pPr>
+              <a:defRPr sz="1200"/>
+            </a:lvl6pPr>
+            <a:lvl7pPr>
+              <a:defRPr sz="1200"/>
+            </a:lvl7pPr>
+            <a:lvl8pPr>
+              <a:defRPr sz="1200"/>
+            </a:lvl8pPr>
+            <a:lvl9pPr>
+              <a:defRPr sz="1200"/>
+            </a:lvl9pPr>
           </a:lstStyle>
           <a:p>
             <a:pPr lvl="0"/>
             <a:r>
-              <a:rPr lang="es-ES"/>
-              <a:t>Editar los estilos de texto del patrón</a:t>
+              <a:rPr lang="en-US" smtClean="0"/>
+              <a:t>Click to edit Master text styles</a:t>
             </a:r>
           </a:p>
           <a:p>
             <a:pPr lvl="1"/>
             <a:r>
-              <a:rPr lang="es-ES"/>
-              <a:t>Segundo nivel</a:t>
+              <a:rPr lang="en-US" smtClean="0"/>
+              <a:t>Second level</a:t>
             </a:r>
           </a:p>
           <a:p>
             <a:pPr lvl="2"/>
             <a:r>
-              <a:rPr lang="es-ES"/>
-              <a:t>Tercer nivel</a:t>
+              <a:rPr lang="en-US" smtClean="0"/>
+              <a:t>Third level</a:t>
             </a:r>
           </a:p>
           <a:p>
             <a:pPr lvl="3"/>
             <a:r>
-              <a:rPr lang="es-ES"/>
-              <a:t>Cuarto nivel</a:t>
+              <a:rPr lang="en-US" smtClean="0"/>
+              <a:t>Fourth level</a:t>
             </a:r>
           </a:p>
           <a:p>
             <a:pPr lvl="4"/>
             <a:r>
-              <a:rPr lang="es-ES"/>
-              <a:t>Quinto nivel</a:t>
+              <a:rPr lang="en-US" smtClean="0"/>
+              <a:t>Fifth level</a:t>
             </a:r>
             <a:endParaRPr lang="en-US" dirty="0"/>
           </a:p>
@@ -4203,8 +3744,8 @@
         </p:nvSpPr>
         <p:spPr>
           <a:xfrm>
-            <a:off x="6294967" y="1835254"/>
-            <a:ext cx="4895330" cy="544883"/>
+            <a:off x="6443133" y="2667000"/>
+            <a:ext cx="4604280" cy="576262"/>
           </a:xfrm>
         </p:spPr>
         <p:txBody>
@@ -4212,9 +3753,9 @@
             <a:noAutofit/>
           </a:bodyPr>
           <a:lstStyle>
-            <a:lvl1pPr marL="0" indent="0" algn="ctr">
-              <a:buNone/>
-              <a:defRPr sz="2400" b="0"/>
+            <a:lvl1pPr marL="0" indent="0">
+              <a:buNone/>
+              <a:defRPr sz="2800" b="0"/>
             </a:lvl1pPr>
             <a:lvl2pPr marL="457200" indent="0">
               <a:buNone/>
@@ -4252,8 +3793,8 @@
           <a:p>
             <a:pPr lvl="0"/>
             <a:r>
-              <a:rPr lang="es-ES"/>
-              <a:t>Editar los estilos de texto del patrón</a:t>
+              <a:rPr lang="en-US" smtClean="0"/>
+              <a:t>Click to edit Master text styles</a:t>
             </a:r>
           </a:p>
         </p:txBody>
@@ -4270,8 +3811,8 @@
         </p:nvSpPr>
         <p:spPr>
           <a:xfrm>
-            <a:off x="6294967" y="2380137"/>
-            <a:ext cx="4895330" cy="3411063"/>
+            <a:off x="6170612" y="3243262"/>
+            <a:ext cx="4876801" cy="2547937"/>
           </a:xfrm>
         </p:spPr>
         <p:txBody>
@@ -4294,40 +3835,52 @@
             <a:lvl5pPr>
               <a:defRPr sz="1200"/>
             </a:lvl5pPr>
+            <a:lvl6pPr>
+              <a:defRPr sz="1200"/>
+            </a:lvl6pPr>
+            <a:lvl7pPr>
+              <a:defRPr sz="1200"/>
+            </a:lvl7pPr>
+            <a:lvl8pPr>
+              <a:defRPr sz="1200"/>
+            </a:lvl8pPr>
+            <a:lvl9pPr>
+              <a:defRPr sz="1200"/>
+            </a:lvl9pPr>
           </a:lstStyle>
           <a:p>
             <a:pPr lvl="0"/>
             <a:r>
-              <a:rPr lang="es-ES"/>
-              <a:t>Editar los estilos de texto del patrón</a:t>
+              <a:rPr lang="en-US" smtClean="0"/>
+              <a:t>Click to edit Master text styles</a:t>
             </a:r>
           </a:p>
           <a:p>
             <a:pPr lvl="1"/>
             <a:r>
-              <a:rPr lang="es-ES"/>
-              <a:t>Segundo nivel</a:t>
+              <a:rPr lang="en-US" smtClean="0"/>
+              <a:t>Second level</a:t>
             </a:r>
           </a:p>
           <a:p>
             <a:pPr lvl="2"/>
             <a:r>
-              <a:rPr lang="es-ES"/>
-              <a:t>Tercer nivel</a:t>
+              <a:rPr lang="en-US" smtClean="0"/>
+              <a:t>Third level</a:t>
             </a:r>
           </a:p>
           <a:p>
             <a:pPr lvl="3"/>
             <a:r>
-              <a:rPr lang="es-ES"/>
-              <a:t>Cuarto nivel</a:t>
+              <a:rPr lang="en-US" smtClean="0"/>
+              <a:t>Fourth level</a:t>
             </a:r>
           </a:p>
           <a:p>
             <a:pPr lvl="4"/>
             <a:r>
-              <a:rPr lang="es-ES"/>
-              <a:t>Quinto nivel</a:t>
+              <a:rPr lang="en-US" smtClean="0"/>
+              <a:t>Fifth level</a:t>
             </a:r>
             <a:endParaRPr lang="en-US" dirty="0"/>
           </a:p>
@@ -4350,7 +3903,7 @@
           <a:p>
             <a:fld id="{E498B8CB-B27C-42AF-AE8C-17152853A980}" type="datetimeFigureOut">
               <a:rPr lang="es-ES" smtClean="0"/>
-              <a:t>14/12/2017</a:t>
+              <a:t>19/12/17</a:t>
             </a:fld>
             <a:endParaRPr lang="es-ES"/>
           </a:p>
@@ -4392,18 +3945,13 @@
           <a:p>
             <a:fld id="{1BE3AEAD-4961-45A3-8210-BDC7770D3F15}" type="slidenum">
               <a:rPr lang="es-ES" smtClean="0"/>
-              <a:t>‹Nº›</a:t>
+              <a:t>‹#›</a:t>
             </a:fld>
             <a:endParaRPr lang="es-ES"/>
           </a:p>
         </p:txBody>
       </p:sp>
     </p:spTree>
-    <p:extLst>
-      <p:ext uri="{BB962C8B-B14F-4D97-AF65-F5344CB8AC3E}">
-        <p14:creationId xmlns:p14="http://schemas.microsoft.com/office/powerpoint/2010/main" val="3121425938"/>
-      </p:ext>
-    </p:extLst>
   </p:cSld>
   <p:clrMapOvr>
     <a:masterClrMapping/>
@@ -4413,7 +3961,7 @@
 
 <file path=ppt/slideLayouts/slideLayout6.xml><?xml version="1.0" encoding="utf-8"?>
 <p:sldLayout xmlns:a="http://schemas.openxmlformats.org/drawingml/2006/main" xmlns:r="http://schemas.openxmlformats.org/officeDocument/2006/relationships" xmlns:p="http://schemas.openxmlformats.org/presentationml/2006/main" type="titleOnly" preserve="1">
-  <p:cSld name="Solo el título">
+  <p:cSld name="Title Only">
     <p:spTree>
       <p:nvGrpSpPr>
         <p:cNvPr id="1" name=""/>
@@ -4444,8 +3992,8 @@
           <a:lstStyle/>
           <a:p>
             <a:r>
-              <a:rPr lang="es-ES"/>
-              <a:t>Haga clic para modificar el estilo de título del patrón</a:t>
+              <a:rPr lang="en-US" smtClean="0"/>
+              <a:t>Click to edit Master title style</a:t>
             </a:r>
             <a:endParaRPr lang="en-US" dirty="0"/>
           </a:p>
@@ -4468,7 +4016,7 @@
           <a:p>
             <a:fld id="{E498B8CB-B27C-42AF-AE8C-17152853A980}" type="datetimeFigureOut">
               <a:rPr lang="es-ES" smtClean="0"/>
-              <a:t>14/12/2017</a:t>
+              <a:t>19/12/17</a:t>
             </a:fld>
             <a:endParaRPr lang="es-ES"/>
           </a:p>
@@ -4510,18 +4058,13 @@
           <a:p>
             <a:fld id="{1BE3AEAD-4961-45A3-8210-BDC7770D3F15}" type="slidenum">
               <a:rPr lang="es-ES" smtClean="0"/>
-              <a:t>‹Nº›</a:t>
+              <a:t>‹#›</a:t>
             </a:fld>
             <a:endParaRPr lang="es-ES"/>
           </a:p>
         </p:txBody>
       </p:sp>
     </p:spTree>
-    <p:extLst>
-      <p:ext uri="{BB962C8B-B14F-4D97-AF65-F5344CB8AC3E}">
-        <p14:creationId xmlns:p14="http://schemas.microsoft.com/office/powerpoint/2010/main" val="2239847052"/>
-      </p:ext>
-    </p:extLst>
   </p:cSld>
   <p:clrMapOvr>
     <a:masterClrMapping/>
@@ -4531,7 +4074,7 @@
 
 <file path=ppt/slideLayouts/slideLayout7.xml><?xml version="1.0" encoding="utf-8"?>
 <p:sldLayout xmlns:a="http://schemas.openxmlformats.org/drawingml/2006/main" xmlns:r="http://schemas.openxmlformats.org/officeDocument/2006/relationships" xmlns:p="http://schemas.openxmlformats.org/presentationml/2006/main" type="blank" preserve="1">
-  <p:cSld name="En blanco">
+  <p:cSld name="Blank">
     <p:spTree>
       <p:nvGrpSpPr>
         <p:cNvPr id="1" name=""/>
@@ -4563,7 +4106,7 @@
           <a:p>
             <a:fld id="{E498B8CB-B27C-42AF-AE8C-17152853A980}" type="datetimeFigureOut">
               <a:rPr lang="es-ES" smtClean="0"/>
-              <a:t>14/12/2017</a:t>
+              <a:t>19/12/17</a:t>
             </a:fld>
             <a:endParaRPr lang="es-ES"/>
           </a:p>
@@ -4605,18 +4148,13 @@
           <a:p>
             <a:fld id="{1BE3AEAD-4961-45A3-8210-BDC7770D3F15}" type="slidenum">
               <a:rPr lang="es-ES" smtClean="0"/>
-              <a:t>‹Nº›</a:t>
+              <a:t>‹#›</a:t>
             </a:fld>
             <a:endParaRPr lang="es-ES"/>
           </a:p>
         </p:txBody>
       </p:sp>
     </p:spTree>
-    <p:extLst>
-      <p:ext uri="{BB962C8B-B14F-4D97-AF65-F5344CB8AC3E}">
-        <p14:creationId xmlns:p14="http://schemas.microsoft.com/office/powerpoint/2010/main" val="3770836377"/>
-      </p:ext>
-    </p:extLst>
   </p:cSld>
   <p:clrMapOvr>
     <a:masterClrMapping/>
@@ -4626,7 +4164,7 @@
 
 <file path=ppt/slideLayouts/slideLayout8.xml><?xml version="1.0" encoding="utf-8"?>
 <p:sldLayout xmlns:a="http://schemas.openxmlformats.org/drawingml/2006/main" xmlns:r="http://schemas.openxmlformats.org/officeDocument/2006/relationships" xmlns:p="http://schemas.openxmlformats.org/presentationml/2006/main" type="objTx" preserve="1">
-  <p:cSld name="Contenido con título">
+  <p:cSld name="Content with Caption">
     <p:spTree>
       <p:nvGrpSpPr>
         <p:cNvPr id="1" name=""/>
@@ -4653,8 +4191,8 @@
         </p:nvSpPr>
         <p:spPr>
           <a:xfrm>
-            <a:off x="913795" y="609600"/>
-            <a:ext cx="3706889" cy="1821918"/>
+            <a:off x="1141411" y="1600200"/>
+            <a:ext cx="3549121" cy="1371600"/>
           </a:xfrm>
         </p:spPr>
         <p:txBody>
@@ -4662,14 +4200,14 @@
             <a:normAutofit/>
           </a:bodyPr>
           <a:lstStyle>
-            <a:lvl1pPr algn="ctr">
+            <a:lvl1pPr algn="l">
               <a:defRPr sz="2400" b="0"/>
             </a:lvl1pPr>
           </a:lstStyle>
           <a:p>
             <a:r>
-              <a:rPr lang="es-ES"/>
-              <a:t>Haga clic para modificar el estilo de título del patrón</a:t>
+              <a:rPr lang="en-US" smtClean="0"/>
+              <a:t>Click to edit Master title style</a:t>
             </a:r>
             <a:endParaRPr lang="en-US" dirty="0"/>
           </a:p>
@@ -4687,75 +4225,103 @@
         </p:nvSpPr>
         <p:spPr>
           <a:xfrm>
-            <a:off x="4855633" y="609600"/>
-            <a:ext cx="6411924" cy="5181600"/>
+            <a:off x="5103812" y="609601"/>
+            <a:ext cx="5943601" cy="5181600"/>
+          </a:xfrm>
+        </p:spPr>
+        <p:txBody>
+          <a:bodyPr anchor="ctr">
+            <a:normAutofit/>
+          </a:bodyPr>
+          <a:lstStyle>
+            <a:lvl1pPr>
+              <a:defRPr sz="2000"/>
+            </a:lvl1pPr>
+            <a:lvl2pPr>
+              <a:defRPr sz="1800"/>
+            </a:lvl2pPr>
+            <a:lvl3pPr>
+              <a:defRPr sz="1600"/>
+            </a:lvl3pPr>
+            <a:lvl4pPr>
+              <a:defRPr sz="1400"/>
+            </a:lvl4pPr>
+            <a:lvl5pPr>
+              <a:defRPr sz="1400"/>
+            </a:lvl5pPr>
+            <a:lvl6pPr>
+              <a:defRPr sz="1400"/>
+            </a:lvl6pPr>
+            <a:lvl7pPr>
+              <a:defRPr sz="1400"/>
+            </a:lvl7pPr>
+            <a:lvl8pPr>
+              <a:defRPr sz="1400"/>
+            </a:lvl8pPr>
+            <a:lvl9pPr>
+              <a:defRPr sz="1400"/>
+            </a:lvl9pPr>
+          </a:lstStyle>
+          <a:p>
+            <a:pPr lvl="0"/>
+            <a:r>
+              <a:rPr lang="en-US" smtClean="0"/>
+              <a:t>Click to edit Master text styles</a:t>
+            </a:r>
+          </a:p>
+          <a:p>
+            <a:pPr lvl="1"/>
+            <a:r>
+              <a:rPr lang="en-US" smtClean="0"/>
+              <a:t>Second level</a:t>
+            </a:r>
+          </a:p>
+          <a:p>
+            <a:pPr lvl="2"/>
+            <a:r>
+              <a:rPr lang="en-US" smtClean="0"/>
+              <a:t>Third level</a:t>
+            </a:r>
+          </a:p>
+          <a:p>
+            <a:pPr lvl="3"/>
+            <a:r>
+              <a:rPr lang="en-US" smtClean="0"/>
+              <a:t>Fourth level</a:t>
+            </a:r>
+          </a:p>
+          <a:p>
+            <a:pPr lvl="4"/>
+            <a:r>
+              <a:rPr lang="en-US" smtClean="0"/>
+              <a:t>Fifth level</a:t>
+            </a:r>
+            <a:endParaRPr lang="en-US" dirty="0"/>
+          </a:p>
+        </p:txBody>
+      </p:sp>
+      <p:sp>
+        <p:nvSpPr>
+          <p:cNvPr id="4" name="Text Placeholder 3"/>
+          <p:cNvSpPr>
+            <a:spLocks noGrp="1"/>
+          </p:cNvSpPr>
+          <p:nvPr>
+            <p:ph type="body" sz="half" idx="2"/>
+          </p:nvPr>
+        </p:nvSpPr>
+        <p:spPr>
+          <a:xfrm>
+            <a:off x="1141411" y="2971800"/>
+            <a:ext cx="3549121" cy="1828800"/>
           </a:xfrm>
         </p:spPr>
         <p:txBody>
           <a:bodyPr>
             <a:normAutofit/>
           </a:bodyPr>
-          <a:lstStyle/>
-          <a:p>
-            <a:pPr lvl="0"/>
-            <a:r>
-              <a:rPr lang="es-ES"/>
-              <a:t>Editar los estilos de texto del patrón</a:t>
-            </a:r>
-          </a:p>
-          <a:p>
-            <a:pPr lvl="1"/>
-            <a:r>
-              <a:rPr lang="es-ES"/>
-              <a:t>Segundo nivel</a:t>
-            </a:r>
-          </a:p>
-          <a:p>
-            <a:pPr lvl="2"/>
-            <a:r>
-              <a:rPr lang="es-ES"/>
-              <a:t>Tercer nivel</a:t>
-            </a:r>
-          </a:p>
-          <a:p>
-            <a:pPr lvl="3"/>
-            <a:r>
-              <a:rPr lang="es-ES"/>
-              <a:t>Cuarto nivel</a:t>
-            </a:r>
-          </a:p>
-          <a:p>
-            <a:pPr lvl="4"/>
-            <a:r>
-              <a:rPr lang="es-ES"/>
-              <a:t>Quinto nivel</a:t>
-            </a:r>
-            <a:endParaRPr lang="en-US" dirty="0"/>
-          </a:p>
-        </p:txBody>
-      </p:sp>
-      <p:sp>
-        <p:nvSpPr>
-          <p:cNvPr id="4" name="Text Placeholder 3"/>
-          <p:cNvSpPr>
-            <a:spLocks noGrp="1"/>
-          </p:cNvSpPr>
-          <p:nvPr>
-            <p:ph type="body" sz="half" idx="2"/>
-          </p:nvPr>
-        </p:nvSpPr>
-        <p:spPr>
-          <a:xfrm>
-            <a:off x="913795" y="2431518"/>
-            <a:ext cx="3706889" cy="3359681"/>
-          </a:xfrm>
-        </p:spPr>
-        <p:txBody>
-          <a:bodyPr anchor="t">
-            <a:normAutofit/>
-          </a:bodyPr>
           <a:lstStyle>
-            <a:lvl1pPr marL="0" indent="0" algn="ctr">
+            <a:lvl1pPr marL="0" indent="0">
               <a:buNone/>
               <a:defRPr sz="1600"/>
             </a:lvl1pPr>
@@ -4795,8 +4361,8 @@
           <a:p>
             <a:pPr lvl="0"/>
             <a:r>
-              <a:rPr lang="es-ES"/>
-              <a:t>Editar los estilos de texto del patrón</a:t>
+              <a:rPr lang="en-US" smtClean="0"/>
+              <a:t>Click to edit Master text styles</a:t>
             </a:r>
           </a:p>
         </p:txBody>
@@ -4818,7 +4384,7 @@
           <a:p>
             <a:fld id="{E498B8CB-B27C-42AF-AE8C-17152853A980}" type="datetimeFigureOut">
               <a:rPr lang="es-ES" smtClean="0"/>
-              <a:t>14/12/2017</a:t>
+              <a:t>19/12/17</a:t>
             </a:fld>
             <a:endParaRPr lang="es-ES"/>
           </a:p>
@@ -4860,18 +4426,13 @@
           <a:p>
             <a:fld id="{1BE3AEAD-4961-45A3-8210-BDC7770D3F15}" type="slidenum">
               <a:rPr lang="es-ES" smtClean="0"/>
-              <a:t>‹Nº›</a:t>
+              <a:t>‹#›</a:t>
             </a:fld>
             <a:endParaRPr lang="es-ES"/>
           </a:p>
         </p:txBody>
       </p:sp>
     </p:spTree>
-    <p:extLst>
-      <p:ext uri="{BB962C8B-B14F-4D97-AF65-F5344CB8AC3E}">
-        <p14:creationId xmlns:p14="http://schemas.microsoft.com/office/powerpoint/2010/main" val="411096763"/>
-      </p:ext>
-    </p:extLst>
   </p:cSld>
   <p:clrMapOvr>
     <a:masterClrMapping/>
@@ -4881,7 +4442,7 @@
 
 <file path=ppt/slideLayouts/slideLayout9.xml><?xml version="1.0" encoding="utf-8"?>
 <p:sldLayout xmlns:a="http://schemas.openxmlformats.org/drawingml/2006/main" xmlns:r="http://schemas.openxmlformats.org/officeDocument/2006/relationships" xmlns:p="http://schemas.openxmlformats.org/presentationml/2006/main" type="picTx" preserve="1">
-  <p:cSld name="Imagen con título">
+  <p:cSld name="Picture with Caption">
     <p:spTree>
       <p:nvGrpSpPr>
         <p:cNvPr id="1" name=""/>
@@ -4896,91 +4457,77 @@
           <a:chExt cx="0" cy="0"/>
         </a:xfrm>
       </p:grpSpPr>
-      <p:pic>
-        <p:nvPicPr>
-          <p:cNvPr id="22" name="Picture 21" descr="Slate-V2-HD-vertPhotoInset.png"/>
-          <p:cNvPicPr>
-            <a:picLocks noChangeAspect="1"/>
-          </p:cNvPicPr>
-          <p:nvPr/>
-        </p:nvPicPr>
-        <p:blipFill>
-          <a:blip r:embed="rId2">
-            <a:extLst>
-              <a:ext uri="{28A0092B-C50C-407E-A947-70E740481C1C}">
-                <a14:useLocalDpi xmlns:a14="http://schemas.microsoft.com/office/drawing/2010/main" val="0"/>
-              </a:ext>
-            </a:extLst>
-          </a:blip>
-          <a:stretch>
-            <a:fillRect/>
-          </a:stretch>
-        </p:blipFill>
+      <p:sp>
+        <p:nvSpPr>
+          <p:cNvPr id="2" name="Title 1"/>
+          <p:cNvSpPr>
+            <a:spLocks noGrp="1"/>
+          </p:cNvSpPr>
+          <p:nvPr>
+            <p:ph type="title"/>
+          </p:nvPr>
+        </p:nvSpPr>
         <p:spPr>
           <a:xfrm>
-            <a:off x="7293665" y="609600"/>
-            <a:ext cx="3584166" cy="5204832"/>
+            <a:off x="1141411" y="1600200"/>
+            <a:ext cx="5334001" cy="1371600"/>
           </a:xfrm>
-          <a:prstGeom prst="rect">
-            <a:avLst/>
-          </a:prstGeom>
         </p:spPr>
-      </p:pic>
-      <p:sp>
-        <p:nvSpPr>
-          <p:cNvPr id="2" name="Title 1"/>
-          <p:cNvSpPr>
-            <a:spLocks noGrp="1"/>
-          </p:cNvSpPr>
-          <p:nvPr>
-            <p:ph type="title"/>
+        <p:txBody>
+          <a:bodyPr anchor="b">
+            <a:normAutofit/>
+          </a:bodyPr>
+          <a:lstStyle>
+            <a:lvl1pPr algn="l">
+              <a:defRPr sz="2800" b="0"/>
+            </a:lvl1pPr>
+          </a:lstStyle>
+          <a:p>
+            <a:r>
+              <a:rPr lang="en-US" smtClean="0"/>
+              <a:t>Click to edit Master title style</a:t>
+            </a:r>
+            <a:endParaRPr lang="en-US" dirty="0"/>
+          </a:p>
+        </p:txBody>
+      </p:sp>
+      <p:sp>
+        <p:nvSpPr>
+          <p:cNvPr id="14" name="Picture Placeholder 2"/>
+          <p:cNvSpPr>
+            <a:spLocks noGrp="1" noChangeAspect="1"/>
+          </p:cNvSpPr>
+          <p:nvPr>
+            <p:ph type="pic" idx="1"/>
           </p:nvPr>
         </p:nvSpPr>
         <p:spPr>
           <a:xfrm>
-            <a:off x="913795" y="609923"/>
-            <a:ext cx="5934949" cy="1829338"/>
+            <a:off x="7433733" y="-18288"/>
+            <a:ext cx="3276599" cy="6903720"/>
           </a:xfrm>
-        </p:spPr>
-        <p:txBody>
-          <a:bodyPr anchor="b">
-            <a:noAutofit/>
-          </a:bodyPr>
-          <a:lstStyle>
-            <a:lvl1pPr algn="ctr">
-              <a:defRPr sz="3200" b="0"/>
-            </a:lvl1pPr>
-          </a:lstStyle>
-          <a:p>
-            <a:r>
-              <a:rPr lang="es-ES"/>
-              <a:t>Haga clic para modificar el estilo de título del patrón</a:t>
-            </a:r>
-            <a:endParaRPr lang="en-US" dirty="0"/>
-          </a:p>
-        </p:txBody>
-      </p:sp>
-      <p:sp>
-        <p:nvSpPr>
-          <p:cNvPr id="3" name="Picture Placeholder 2"/>
-          <p:cNvSpPr>
-            <a:spLocks noGrp="1" noChangeAspect="1"/>
-          </p:cNvSpPr>
-          <p:nvPr>
-            <p:ph type="pic" idx="1"/>
-          </p:nvPr>
-        </p:nvSpPr>
-        <p:spPr>
-          <a:xfrm>
-            <a:off x="7442551" y="763702"/>
-            <a:ext cx="3275751" cy="4912822"/>
-          </a:xfrm>
+          <a:ln w="38100">
+            <a:gradFill flip="none" rotWithShape="1">
+              <a:gsLst>
+                <a:gs pos="0">
+                  <a:schemeClr val="bg2"/>
+                </a:gs>
+                <a:gs pos="100000">
+                  <a:schemeClr val="bg2">
+                    <a:lumMod val="75000"/>
+                  </a:schemeClr>
+                </a:gs>
+              </a:gsLst>
+              <a:lin ang="5400000" scaled="0"/>
+              <a:tileRect/>
+            </a:gradFill>
+          </a:ln>
           <a:effectLst>
-            <a:outerShdw blurRad="38100" dist="25400" dir="4440000">
+            <a:innerShdw blurRad="57150" dist="38100" dir="10800000">
               <a:srgbClr val="000000">
-                <a:alpha val="36000"/>
+                <a:alpha val="70000"/>
               </a:srgbClr>
-            </a:outerShdw>
+            </a:innerShdw>
           </a:effectLst>
         </p:spPr>
         <p:txBody>
@@ -5027,8 +4574,8 @@
           </a:lstStyle>
           <a:p>
             <a:r>
-              <a:rPr lang="es-ES"/>
-              <a:t>Haga clic en el icono para agregar una imagen</a:t>
+              <a:rPr lang="en-US" smtClean="0"/>
+              <a:t>Drag picture to placeholder or click icon to add</a:t>
             </a:r>
             <a:endParaRPr lang="en-US" dirty="0"/>
           </a:p>
@@ -5046,18 +4593,18 @@
         </p:nvSpPr>
         <p:spPr>
           <a:xfrm>
-            <a:off x="913795" y="2439261"/>
-            <a:ext cx="5934949" cy="3376134"/>
+            <a:off x="1141411" y="2971800"/>
+            <a:ext cx="5334001" cy="1828800"/>
           </a:xfrm>
         </p:spPr>
         <p:txBody>
-          <a:bodyPr anchor="t">
+          <a:bodyPr>
             <a:normAutofit/>
           </a:bodyPr>
           <a:lstStyle>
-            <a:lvl1pPr marL="0" indent="0" algn="ctr">
-              <a:buNone/>
-              <a:defRPr sz="1600"/>
+            <a:lvl1pPr marL="0" indent="0">
+              <a:buNone/>
+              <a:defRPr sz="1800"/>
             </a:lvl1pPr>
             <a:lvl2pPr marL="457200" indent="0">
               <a:buNone/>
@@ -5095,8 +4642,8 @@
           <a:p>
             <a:pPr lvl="0"/>
             <a:r>
-              <a:rPr lang="es-ES"/>
-              <a:t>Editar los estilos de texto del patrón</a:t>
+              <a:rPr lang="en-US" smtClean="0"/>
+              <a:t>Click to edit Master text styles</a:t>
             </a:r>
           </a:p>
         </p:txBody>
@@ -5111,14 +4658,19 @@
             <p:ph type="dt" sz="half" idx="10"/>
           </p:nvPr>
         </p:nvSpPr>
-        <p:spPr/>
+        <p:spPr>
+          <a:xfrm>
+            <a:off x="6399212" y="5883275"/>
+            <a:ext cx="914400" cy="365125"/>
+          </a:xfrm>
+        </p:spPr>
         <p:txBody>
           <a:bodyPr/>
           <a:lstStyle/>
           <a:p>
             <a:fld id="{E498B8CB-B27C-42AF-AE8C-17152853A980}" type="datetimeFigureOut">
               <a:rPr lang="es-ES" smtClean="0"/>
-              <a:t>14/12/2017</a:t>
+              <a:t>19/12/17</a:t>
             </a:fld>
             <a:endParaRPr lang="es-ES"/>
           </a:p>
@@ -5134,12 +4686,22 @@
             <p:ph type="ftr" sz="quarter" idx="11"/>
           </p:nvPr>
         </p:nvSpPr>
-        <p:spPr/>
+        <p:spPr>
+          <a:xfrm>
+            <a:off x="1141412" y="5883275"/>
+            <a:ext cx="5105400" cy="365125"/>
+          </a:xfrm>
+        </p:spPr>
         <p:txBody>
           <a:bodyPr/>
           <a:lstStyle/>
           <a:p>
-            <a:endParaRPr lang="es-ES"/>
+            <a:r>
+              <a:rPr lang="en-US" smtClean="0"/>
+              <a:t>
+              </a:t>
+            </a:r>
+            <a:endParaRPr lang="en-US" dirty="0"/>
           </a:p>
         </p:txBody>
       </p:sp>
@@ -5153,25 +4715,25 @@
             <p:ph type="sldNum" sz="quarter" idx="12"/>
           </p:nvPr>
         </p:nvSpPr>
-        <p:spPr/>
+        <p:spPr>
+          <a:xfrm>
+            <a:off x="10742612" y="5883275"/>
+            <a:ext cx="322567" cy="365125"/>
+          </a:xfrm>
+        </p:spPr>
         <p:txBody>
           <a:bodyPr/>
           <a:lstStyle/>
           <a:p>
             <a:fld id="{1BE3AEAD-4961-45A3-8210-BDC7770D3F15}" type="slidenum">
               <a:rPr lang="es-ES" smtClean="0"/>
-              <a:t>‹Nº›</a:t>
+              <a:t>‹#›</a:t>
             </a:fld>
             <a:endParaRPr lang="es-ES"/>
           </a:p>
         </p:txBody>
       </p:sp>
     </p:spTree>
-    <p:extLst>
-      <p:ext uri="{BB962C8B-B14F-4D97-AF65-F5344CB8AC3E}">
-        <p14:creationId xmlns:p14="http://schemas.microsoft.com/office/powerpoint/2010/main" val="3874023653"/>
-      </p:ext>
-    </p:extLst>
   </p:cSld>
   <p:clrMapOvr>
     <a:masterClrMapping/>
@@ -5213,209 +4775,103 @@
         </p:nvSpPr>
         <p:spPr>
           <a:xfrm>
-            <a:off x="913795" y="609600"/>
-            <a:ext cx="10353762" cy="970450"/>
-          </a:xfrm>
-          <a:prstGeom prst="rect">
-            <a:avLst/>
-          </a:prstGeom>
-          <a:effectLst>
-            <a:outerShdw blurRad="25400" dir="17880000">
-              <a:srgbClr val="000000">
-                <a:alpha val="46000"/>
-              </a:srgbClr>
-            </a:outerShdw>
-          </a:effectLst>
-        </p:spPr>
-        <p:txBody>
-          <a:bodyPr vert="horz" lIns="91440" tIns="45720" rIns="91440" bIns="45720" rtlCol="0" anchor="ctr">
-            <a:normAutofit/>
-          </a:bodyPr>
-          <a:lstStyle/>
-          <a:p>
-            <a:r>
-              <a:rPr lang="es-ES"/>
-              <a:t>Haga clic para modificar el estilo de título del patrón</a:t>
-            </a:r>
-            <a:endParaRPr lang="en-US" dirty="0"/>
-          </a:p>
-        </p:txBody>
-      </p:sp>
-      <p:sp>
-        <p:nvSpPr>
-          <p:cNvPr id="3" name="Text Placeholder 2"/>
-          <p:cNvSpPr>
-            <a:spLocks noGrp="1"/>
-          </p:cNvSpPr>
-          <p:nvPr>
-            <p:ph type="body" idx="1"/>
-          </p:nvPr>
-        </p:nvSpPr>
-        <p:spPr>
-          <a:xfrm>
-            <a:off x="913795" y="1732449"/>
-            <a:ext cx="10353762" cy="4058751"/>
-          </a:xfrm>
-          <a:prstGeom prst="rect">
-            <a:avLst/>
-          </a:prstGeom>
-          <a:effectLst>
-            <a:outerShdw blurRad="25400" dir="17880000">
-              <a:srgbClr val="000000">
-                <a:alpha val="46000"/>
-              </a:srgbClr>
-            </a:outerShdw>
-          </a:effectLst>
-        </p:spPr>
-        <p:txBody>
-          <a:bodyPr vert="horz" lIns="91440" tIns="45720" rIns="91440" bIns="45720" rtlCol="0" anchor="t">
-            <a:normAutofit/>
-          </a:bodyPr>
-          <a:lstStyle/>
-          <a:p>
-            <a:pPr lvl="0"/>
-            <a:r>
-              <a:rPr lang="es-ES"/>
-              <a:t>Editar los estilos de texto del patrón</a:t>
-            </a:r>
-          </a:p>
-          <a:p>
-            <a:pPr lvl="1"/>
-            <a:r>
-              <a:rPr lang="es-ES"/>
-              <a:t>Segundo nivel</a:t>
-            </a:r>
-          </a:p>
-          <a:p>
-            <a:pPr lvl="2"/>
-            <a:r>
-              <a:rPr lang="es-ES"/>
-              <a:t>Tercer nivel</a:t>
-            </a:r>
-          </a:p>
-          <a:p>
-            <a:pPr lvl="3"/>
-            <a:r>
-              <a:rPr lang="es-ES"/>
-              <a:t>Cuarto nivel</a:t>
-            </a:r>
-          </a:p>
-          <a:p>
-            <a:pPr lvl="4"/>
-            <a:r>
-              <a:rPr lang="es-ES"/>
-              <a:t>Quinto nivel</a:t>
-            </a:r>
-            <a:endParaRPr lang="en-US" dirty="0"/>
-          </a:p>
-        </p:txBody>
-      </p:sp>
-      <p:sp>
-        <p:nvSpPr>
-          <p:cNvPr id="4" name="Date Placeholder 3"/>
-          <p:cNvSpPr>
-            <a:spLocks noGrp="1"/>
-          </p:cNvSpPr>
-          <p:nvPr>
-            <p:ph type="dt" sz="half" idx="2"/>
-          </p:nvPr>
-        </p:nvSpPr>
-        <p:spPr>
-          <a:xfrm>
-            <a:off x="7678736" y="5883275"/>
-            <a:ext cx="2743200" cy="365125"/>
+            <a:off x="1141413" y="609600"/>
+            <a:ext cx="9905998" cy="1905000"/>
           </a:xfrm>
           <a:prstGeom prst="rect">
             <a:avLst/>
           </a:prstGeom>
         </p:spPr>
         <p:txBody>
-          <a:bodyPr vert="horz" lIns="91440" tIns="45720" rIns="91440" bIns="45720" rtlCol="0" anchor="ctr"/>
-          <a:lstStyle>
-            <a:lvl1pPr algn="r">
-              <a:defRPr sz="1000">
-                <a:solidFill>
-                  <a:schemeClr val="tx1">
-                    <a:lumMod val="95000"/>
-                  </a:schemeClr>
-                </a:solidFill>
-                <a:effectLst>
-                  <a:outerShdw blurRad="50800" dist="38100" dir="2700000" algn="tl" rotWithShape="0">
-                    <a:schemeClr val="bg1">
-                      <a:alpha val="43000"/>
-                    </a:schemeClr>
-                  </a:outerShdw>
-                </a:effectLst>
-              </a:defRPr>
-            </a:lvl1pPr>
-          </a:lstStyle>
-          <a:p>
-            <a:fld id="{E498B8CB-B27C-42AF-AE8C-17152853A980}" type="datetimeFigureOut">
-              <a:rPr lang="es-ES" smtClean="0"/>
-              <a:t>14/12/2017</a:t>
-            </a:fld>
-            <a:endParaRPr lang="es-ES"/>
-          </a:p>
-        </p:txBody>
-      </p:sp>
-      <p:sp>
-        <p:nvSpPr>
-          <p:cNvPr id="5" name="Footer Placeholder 4"/>
-          <p:cNvSpPr>
-            <a:spLocks noGrp="1"/>
-          </p:cNvSpPr>
-          <p:nvPr>
-            <p:ph type="ftr" sz="quarter" idx="3"/>
+          <a:bodyPr vert="horz" lIns="91440" tIns="45720" rIns="91440" bIns="45720" rtlCol="0" anchor="ctr">
+            <a:normAutofit/>
+          </a:bodyPr>
+          <a:lstStyle/>
+          <a:p>
+            <a:r>
+              <a:rPr lang="en-US" smtClean="0"/>
+              <a:t>Click to edit Master title style</a:t>
+            </a:r>
+            <a:endParaRPr lang="en-US" dirty="0"/>
+          </a:p>
+        </p:txBody>
+      </p:sp>
+      <p:sp>
+        <p:nvSpPr>
+          <p:cNvPr id="3" name="Text Placeholder 2"/>
+          <p:cNvSpPr>
+            <a:spLocks noGrp="1"/>
+          </p:cNvSpPr>
+          <p:nvPr>
+            <p:ph type="body" idx="1"/>
           </p:nvPr>
         </p:nvSpPr>
         <p:spPr>
           <a:xfrm>
-            <a:off x="913795" y="5883275"/>
-            <a:ext cx="6672865" cy="365125"/>
+            <a:off x="1141413" y="2666999"/>
+            <a:ext cx="9905998" cy="3124201"/>
           </a:xfrm>
           <a:prstGeom prst="rect">
             <a:avLst/>
           </a:prstGeom>
         </p:spPr>
         <p:txBody>
-          <a:bodyPr vert="horz" lIns="91440" tIns="45720" rIns="91440" bIns="45720" rtlCol="0" anchor="ctr"/>
-          <a:lstStyle>
-            <a:lvl1pPr algn="l">
-              <a:defRPr sz="1000">
-                <a:solidFill>
-                  <a:schemeClr val="tx1">
-                    <a:lumMod val="95000"/>
-                  </a:schemeClr>
-                </a:solidFill>
-                <a:effectLst>
-                  <a:outerShdw blurRad="50800" dist="38100" dir="2700000" algn="tl" rotWithShape="0">
-                    <a:schemeClr val="bg1">
-                      <a:alpha val="43000"/>
-                    </a:schemeClr>
-                  </a:outerShdw>
-                </a:effectLst>
-              </a:defRPr>
-            </a:lvl1pPr>
-          </a:lstStyle>
-          <a:p>
-            <a:endParaRPr lang="es-ES"/>
-          </a:p>
-        </p:txBody>
-      </p:sp>
-      <p:sp>
-        <p:nvSpPr>
-          <p:cNvPr id="6" name="Slide Number Placeholder 5"/>
-          <p:cNvSpPr>
-            <a:spLocks noGrp="1"/>
-          </p:cNvSpPr>
-          <p:nvPr>
-            <p:ph type="sldNum" sz="quarter" idx="4"/>
+          <a:bodyPr vert="horz" lIns="91440" tIns="45720" rIns="91440" bIns="45720" rtlCol="0" anchor="ctr">
+            <a:normAutofit/>
+          </a:bodyPr>
+          <a:lstStyle/>
+          <a:p>
+            <a:pPr lvl="0"/>
+            <a:r>
+              <a:rPr lang="en-US" smtClean="0"/>
+              <a:t>Click to edit Master text styles</a:t>
+            </a:r>
+          </a:p>
+          <a:p>
+            <a:pPr lvl="1"/>
+            <a:r>
+              <a:rPr lang="en-US" smtClean="0"/>
+              <a:t>Second level</a:t>
+            </a:r>
+          </a:p>
+          <a:p>
+            <a:pPr lvl="2"/>
+            <a:r>
+              <a:rPr lang="en-US" smtClean="0"/>
+              <a:t>Third level</a:t>
+            </a:r>
+          </a:p>
+          <a:p>
+            <a:pPr lvl="3"/>
+            <a:r>
+              <a:rPr lang="en-US" smtClean="0"/>
+              <a:t>Fourth level</a:t>
+            </a:r>
+          </a:p>
+          <a:p>
+            <a:pPr lvl="4"/>
+            <a:r>
+              <a:rPr lang="en-US" smtClean="0"/>
+              <a:t>Fifth level</a:t>
+            </a:r>
+            <a:endParaRPr lang="en-US" dirty="0"/>
+          </a:p>
+        </p:txBody>
+      </p:sp>
+      <p:sp>
+        <p:nvSpPr>
+          <p:cNvPr id="4" name="Date Placeholder 3"/>
+          <p:cNvSpPr>
+            <a:spLocks noGrp="1"/>
+          </p:cNvSpPr>
+          <p:nvPr>
+            <p:ph type="dt" sz="half" idx="2"/>
           </p:nvPr>
         </p:nvSpPr>
         <p:spPr>
           <a:xfrm>
-            <a:off x="10514011" y="5883275"/>
-            <a:ext cx="753545" cy="365125"/>
+            <a:off x="8837612" y="5883275"/>
+            <a:ext cx="1600200" cy="365125"/>
           </a:xfrm>
           <a:prstGeom prst="rect">
             <a:avLst/>
@@ -5425,26 +4881,121 @@
           <a:bodyPr vert="horz" lIns="91440" tIns="45720" rIns="91440" bIns="45720" rtlCol="0" anchor="ctr"/>
           <a:lstStyle>
             <a:lvl1pPr algn="r">
-              <a:defRPr sz="1000">
+              <a:defRPr sz="900" b="1" i="0">
                 <a:solidFill>
                   <a:schemeClr val="tx1">
-                    <a:lumMod val="95000"/>
+                    <a:lumMod val="75000"/>
                   </a:schemeClr>
                 </a:solidFill>
                 <a:effectLst>
                   <a:outerShdw blurRad="50800" dist="38100" dir="2700000" algn="tl" rotWithShape="0">
-                    <a:schemeClr val="bg1">
+                    <a:srgbClr val="000000">
                       <a:alpha val="43000"/>
-                    </a:schemeClr>
+                    </a:srgbClr>
                   </a:outerShdw>
                 </a:effectLst>
+                <a:latin typeface="+mn-lt"/>
               </a:defRPr>
             </a:lvl1pPr>
           </a:lstStyle>
           <a:p>
+            <a:fld id="{E498B8CB-B27C-42AF-AE8C-17152853A980}" type="datetimeFigureOut">
+              <a:rPr lang="es-ES" smtClean="0"/>
+              <a:t>19/12/17</a:t>
+            </a:fld>
+            <a:endParaRPr lang="es-ES"/>
+          </a:p>
+        </p:txBody>
+      </p:sp>
+      <p:sp>
+        <p:nvSpPr>
+          <p:cNvPr id="5" name="Footer Placeholder 4"/>
+          <p:cNvSpPr>
+            <a:spLocks noGrp="1"/>
+          </p:cNvSpPr>
+          <p:nvPr>
+            <p:ph type="ftr" sz="quarter" idx="3"/>
+          </p:nvPr>
+        </p:nvSpPr>
+        <p:spPr>
+          <a:xfrm>
+            <a:off x="1141412" y="5883275"/>
+            <a:ext cx="7543800" cy="365125"/>
+          </a:xfrm>
+          <a:prstGeom prst="rect">
+            <a:avLst/>
+          </a:prstGeom>
+        </p:spPr>
+        <p:txBody>
+          <a:bodyPr vert="horz" lIns="91440" tIns="45720" rIns="91440" bIns="45720" rtlCol="0" anchor="ctr"/>
+          <a:lstStyle>
+            <a:lvl1pPr algn="l">
+              <a:defRPr sz="900" b="1" i="0">
+                <a:solidFill>
+                  <a:schemeClr val="tx1">
+                    <a:lumMod val="75000"/>
+                  </a:schemeClr>
+                </a:solidFill>
+                <a:effectLst>
+                  <a:outerShdw blurRad="50800" dist="38100" dir="2700000" algn="tl" rotWithShape="0">
+                    <a:srgbClr val="000000">
+                      <a:alpha val="43000"/>
+                    </a:srgbClr>
+                  </a:outerShdw>
+                </a:effectLst>
+                <a:latin typeface="+mn-lt"/>
+              </a:defRPr>
+            </a:lvl1pPr>
+          </a:lstStyle>
+          <a:p>
+            <a:endParaRPr lang="es-ES"/>
+          </a:p>
+        </p:txBody>
+      </p:sp>
+      <p:sp>
+        <p:nvSpPr>
+          <p:cNvPr id="6" name="Slide Number Placeholder 5"/>
+          <p:cNvSpPr>
+            <a:spLocks noGrp="1"/>
+          </p:cNvSpPr>
+          <p:nvPr>
+            <p:ph type="sldNum" sz="quarter" idx="4"/>
+          </p:nvPr>
+        </p:nvSpPr>
+        <p:spPr>
+          <a:xfrm>
+            <a:off x="10514012" y="5883275"/>
+            <a:ext cx="551167" cy="365125"/>
+          </a:xfrm>
+          <a:prstGeom prst="rect">
+            <a:avLst/>
+          </a:prstGeom>
+        </p:spPr>
+        <p:txBody>
+          <a:bodyPr vert="horz" lIns="91440" tIns="45720" rIns="91440" bIns="45720" rtlCol="0" anchor="ctr"/>
+          <a:lstStyle>
+            <a:lvl1pPr algn="r">
+              <a:defRPr sz="900" b="1" i="0">
+                <a:solidFill>
+                  <a:schemeClr val="tx1">
+                    <a:lumMod val="75000"/>
+                  </a:schemeClr>
+                </a:solidFill>
+                <a:effectLst>
+                  <a:outerShdw blurRad="50800" dist="38100" dir="2700000" algn="tl" rotWithShape="0">
+                    <a:srgbClr val="000000">
+                      <a:alpha val="43000"/>
+                    </a:srgbClr>
+                  </a:outerShdw>
+                </a:effectLst>
+                <a:latin typeface="+mn-lt"/>
+              </a:defRPr>
+            </a:lvl1pPr>
+          </a:lstStyle>
+          <a:p>
             <a:fld id="{1BE3AEAD-4961-45A3-8210-BDC7770D3F15}" type="slidenum">
               <a:rPr lang="es-ES" smtClean="0"/>
-              <a:t>‹Nº›</a:t>
+              <a:t>‹#›</a:t>
             </a:fld>
             <a:endParaRPr lang="es-ES"/>
           </a:p>
@@ -5453,60 +5004,72 @@
     </p:spTree>
     <p:extLst>
       <p:ext uri="{BB962C8B-B14F-4D97-AF65-F5344CB8AC3E}">
-        <p14:creationId xmlns:p14="http://schemas.microsoft.com/office/powerpoint/2010/main" val="1939641539"/>
+        <p14:creationId xmlns:p14="http://schemas.microsoft.com/office/powerpoint/2010/main" val="785478291"/>
       </p:ext>
     </p:extLst>
   </p:cSld>
   <p:clrMap bg1="dk1" tx1="lt1" bg2="dk2" tx2="lt2" accent1="accent1" accent2="accent2" accent3="accent3" accent4="accent4" accent5="accent5" accent6="accent6" hlink="hlink" folHlink="folHlink"/>
   <p:sldLayoutIdLst>
-    <p:sldLayoutId id="2147483679" r:id="rId1"/>
-    <p:sldLayoutId id="2147483680" r:id="rId2"/>
-    <p:sldLayoutId id="2147483681" r:id="rId3"/>
-    <p:sldLayoutId id="2147483682" r:id="rId4"/>
-    <p:sldLayoutId id="2147483683" r:id="rId5"/>
-    <p:sldLayoutId id="2147483684" r:id="rId6"/>
-    <p:sldLayoutId id="2147483685" r:id="rId7"/>
-    <p:sldLayoutId id="2147483686" r:id="rId8"/>
-    <p:sldLayoutId id="2147483687" r:id="rId9"/>
-    <p:sldLayoutId id="2147483688" r:id="rId10"/>
-    <p:sldLayoutId id="2147483689" r:id="rId11"/>
-    <p:sldLayoutId id="2147483690" r:id="rId12"/>
-    <p:sldLayoutId id="2147483691" r:id="rId13"/>
-    <p:sldLayoutId id="2147483692" r:id="rId14"/>
-    <p:sldLayoutId id="2147483693" r:id="rId15"/>
-    <p:sldLayoutId id="2147483694" r:id="rId16"/>
-    <p:sldLayoutId id="2147483695" r:id="rId17"/>
+    <p:sldLayoutId id="2147483972" r:id="rId1"/>
+    <p:sldLayoutId id="2147483973" r:id="rId2"/>
+    <p:sldLayoutId id="2147483974" r:id="rId3"/>
+    <p:sldLayoutId id="2147483975" r:id="rId4"/>
+    <p:sldLayoutId id="2147483976" r:id="rId5"/>
+    <p:sldLayoutId id="2147483977" r:id="rId6"/>
+    <p:sldLayoutId id="2147483978" r:id="rId7"/>
+    <p:sldLayoutId id="2147483979" r:id="rId8"/>
+    <p:sldLayoutId id="2147483980" r:id="rId9"/>
+    <p:sldLayoutId id="2147483981" r:id="rId10"/>
+    <p:sldLayoutId id="2147483982" r:id="rId11"/>
+    <p:sldLayoutId id="2147483983" r:id="rId12"/>
+    <p:sldLayoutId id="2147483984" r:id="rId13"/>
+    <p:sldLayoutId id="2147483985" r:id="rId14"/>
+    <p:sldLayoutId id="2147483986" r:id="rId15"/>
+    <p:sldLayoutId id="2147483987" r:id="rId16"/>
+    <p:sldLayoutId id="2147483988" r:id="rId17"/>
   </p:sldLayoutIdLst>
   <p:txStyles>
     <p:titleStyle>
-      <a:lvl1pPr algn="ctr" defTabSz="457200" rtl="0" eaLnBrk="1" latinLnBrk="0" hangingPunct="1">
+      <a:lvl1pPr algn="l" defTabSz="457200" rtl="0" eaLnBrk="1" latinLnBrk="0" hangingPunct="1">
         <a:spcBef>
           <a:spcPct val="0"/>
         </a:spcBef>
         <a:buNone/>
-        <a:defRPr sz="4000" kern="1200">
-          <a:ln>
-            <a:solidFill>
+        <a:defRPr sz="3200" kern="1200" cap="all">
+          <a:ln w="3175" cmpd="sng">
+            <a:noFill/>
+          </a:ln>
+          <a:gradFill flip="none" rotWithShape="1">
+            <a:gsLst>
+              <a:gs pos="0">
+                <a:schemeClr val="tx1"/>
+              </a:gs>
+              <a:gs pos="100000">
+                <a:schemeClr val="tx1">
+                  <a:lumMod val="65000"/>
+                </a:schemeClr>
+              </a:gs>
+            </a:gsLst>
+            <a:lin ang="5580000" scaled="0"/>
+            <a:tileRect/>
+          </a:gradFill>
+          <a:effectLst>
+            <a:glow rad="38100">
               <a:schemeClr val="bg1">
-                <a:lumMod val="75000"/>
-                <a:lumOff val="25000"/>
-                <a:alpha val="10000"/>
+                <a:lumMod val="65000"/>
+                <a:lumOff val="35000"/>
+                <a:alpha val="40000"/>
               </a:schemeClr>
-            </a:solidFill>
-          </a:ln>
-          <a:solidFill>
-            <a:schemeClr val="tx2"/>
-          </a:solidFill>
-          <a:effectLst>
-            <a:outerShdw blurRad="9525" dist="25400" dir="14640000" algn="tl" rotWithShape="0">
-              <a:schemeClr val="bg1">
-                <a:alpha val="30000"/>
-              </a:schemeClr>
+            </a:glow>
+            <a:outerShdw blurRad="28575" dist="38100" dir="14040000" algn="tl" rotWithShape="0">
+              <a:srgbClr val="000000">
+                <a:alpha val="25000"/>
+              </a:srgbClr>
             </a:outerShdw>
           </a:effectLst>
           <a:latin typeface="+mj-lt"/>
           <a:ea typeface="+mj-ea"/>
-          <a:cs typeface="Trebuchet MS"/>
+          <a:cs typeface="+mj-cs"/>
         </a:defRPr>
       </a:lvl1pPr>
       <a:lvl2pPr eaLnBrk="1" hangingPunct="1">
@@ -5567,7 +5130,7 @@
       </a:lvl9pPr>
     </p:titleStyle>
     <p:bodyStyle>
-      <a:lvl1pPr marL="342900" indent="-306000" algn="l" defTabSz="457200" rtl="0" eaLnBrk="1" latinLnBrk="0" hangingPunct="1">
+      <a:lvl1pPr marL="285750" indent="-285750" algn="l" defTabSz="457200" rtl="0" eaLnBrk="1" latinLnBrk="0" hangingPunct="1">
         <a:spcBef>
           <a:spcPct val="20000"/>
         </a:spcBef>
@@ -5575,29 +5138,38 @@
           <a:spcPts val="600"/>
         </a:spcAft>
         <a:buClr>
-          <a:schemeClr val="tx2"/>
+          <a:schemeClr val="tx1"/>
         </a:buClr>
-        <a:buSzPct val="70000"/>
-        <a:buFont typeface="Wingdings 2" charset="2"/>
-        <a:buChar char=""/>
-        <a:defRPr sz="2000" kern="1200">
-          <a:ln>
-            <a:solidFill>
+        <a:buSzPct val="100000"/>
+        <a:buFont typeface="Arial"/>
+        <a:buChar char="•"/>
+        <a:defRPr sz="2000" kern="1200" cap="small">
+          <a:gradFill flip="none" rotWithShape="1">
+            <a:gsLst>
+              <a:gs pos="0">
+                <a:schemeClr val="tx1"/>
+              </a:gs>
+              <a:gs pos="100000">
+                <a:schemeClr val="tx1">
+                  <a:lumMod val="75000"/>
+                </a:schemeClr>
+              </a:gs>
+            </a:gsLst>
+            <a:lin ang="5580000" scaled="0"/>
+            <a:tileRect/>
+          </a:gradFill>
+          <a:effectLst>
+            <a:glow rad="38100">
               <a:schemeClr val="bg1">
-                <a:lumMod val="75000"/>
-                <a:lumOff val="25000"/>
-                <a:alpha val="10000"/>
+                <a:lumMod val="50000"/>
+                <a:lumOff val="50000"/>
+                <a:alpha val="20000"/>
               </a:schemeClr>
-            </a:solidFill>
-          </a:ln>
-          <a:solidFill>
-            <a:schemeClr val="tx2"/>
-          </a:solidFill>
-          <a:effectLst>
-            <a:outerShdw blurRad="9525" dist="25400" dir="14640000" algn="tl" rotWithShape="0">
-              <a:schemeClr val="bg1">
-                <a:alpha val="30000"/>
-              </a:schemeClr>
+            </a:glow>
+            <a:outerShdw blurRad="44450" dist="12700" dir="13860000" algn="tl" rotWithShape="0">
+              <a:srgbClr val="000000">
+                <a:alpha val="20000"/>
+              </a:srgbClr>
             </a:outerShdw>
           </a:effectLst>
           <a:latin typeface="+mn-lt"/>
@@ -5605,7 +5177,7 @@
           <a:cs typeface="+mn-cs"/>
         </a:defRPr>
       </a:lvl1pPr>
-      <a:lvl2pPr marL="720000" indent="-270000" algn="l" defTabSz="457200" rtl="0" eaLnBrk="1" latinLnBrk="0" hangingPunct="1">
+      <a:lvl2pPr marL="742950" indent="-285750" algn="l" defTabSz="457200" rtl="0" eaLnBrk="1" latinLnBrk="0" hangingPunct="1">
         <a:spcBef>
           <a:spcPct val="20000"/>
         </a:spcBef>
@@ -5613,29 +5185,38 @@
           <a:spcPts val="600"/>
         </a:spcAft>
         <a:buClr>
-          <a:schemeClr val="tx2"/>
+          <a:schemeClr val="tx1"/>
         </a:buClr>
-        <a:buSzPct val="70000"/>
-        <a:buFont typeface="Wingdings 2" charset="2"/>
-        <a:buChar char=""/>
-        <a:defRPr sz="1800" kern="1200">
-          <a:ln>
-            <a:solidFill>
+        <a:buSzPct val="100000"/>
+        <a:buFont typeface="Arial"/>
+        <a:buChar char="•"/>
+        <a:defRPr sz="1800" kern="1200" cap="small">
+          <a:gradFill flip="none" rotWithShape="1">
+            <a:gsLst>
+              <a:gs pos="0">
+                <a:schemeClr val="tx1"/>
+              </a:gs>
+              <a:gs pos="100000">
+                <a:schemeClr val="tx1">
+                  <a:lumMod val="75000"/>
+                </a:schemeClr>
+              </a:gs>
+            </a:gsLst>
+            <a:lin ang="5580000" scaled="0"/>
+            <a:tileRect/>
+          </a:gradFill>
+          <a:effectLst>
+            <a:glow rad="38100">
               <a:schemeClr val="bg1">
-                <a:lumMod val="75000"/>
-                <a:lumOff val="25000"/>
-                <a:alpha val="10000"/>
+                <a:lumMod val="50000"/>
+                <a:lumOff val="50000"/>
+                <a:alpha val="20000"/>
               </a:schemeClr>
-            </a:solidFill>
-          </a:ln>
-          <a:solidFill>
-            <a:schemeClr val="tx2"/>
-          </a:solidFill>
-          <a:effectLst>
-            <a:outerShdw blurRad="9525" dist="25400" dir="14640000" algn="tl" rotWithShape="0">
-              <a:schemeClr val="bg1">
-                <a:alpha val="30000"/>
-              </a:schemeClr>
+            </a:glow>
+            <a:outerShdw blurRad="44450" dist="12700" dir="13860000" algn="tl" rotWithShape="0">
+              <a:srgbClr val="000000">
+                <a:alpha val="20000"/>
+              </a:srgbClr>
             </a:outerShdw>
           </a:effectLst>
           <a:latin typeface="+mn-lt"/>
@@ -5643,7 +5224,7 @@
           <a:cs typeface="+mn-cs"/>
         </a:defRPr>
       </a:lvl2pPr>
-      <a:lvl3pPr marL="1026000" indent="-216000" algn="l" defTabSz="457200" rtl="0" eaLnBrk="1" latinLnBrk="0" hangingPunct="1">
+      <a:lvl3pPr marL="1200150" indent="-285750" algn="l" defTabSz="457200" rtl="0" eaLnBrk="1" latinLnBrk="0" hangingPunct="1">
         <a:spcBef>
           <a:spcPct val="20000"/>
         </a:spcBef>
@@ -5651,29 +5232,38 @@
           <a:spcPts val="600"/>
         </a:spcAft>
         <a:buClr>
-          <a:schemeClr val="tx2"/>
+          <a:schemeClr val="tx1"/>
         </a:buClr>
-        <a:buSzPct val="70000"/>
-        <a:buFont typeface="Wingdings 2" charset="2"/>
-        <a:buChar char=""/>
-        <a:defRPr sz="1600" kern="1200">
-          <a:ln>
-            <a:solidFill>
+        <a:buSzPct val="100000"/>
+        <a:buFont typeface="Arial"/>
+        <a:buChar char="•"/>
+        <a:defRPr sz="1600" kern="1200" cap="small">
+          <a:gradFill flip="none" rotWithShape="1">
+            <a:gsLst>
+              <a:gs pos="0">
+                <a:schemeClr val="tx1"/>
+              </a:gs>
+              <a:gs pos="100000">
+                <a:schemeClr val="tx1">
+                  <a:lumMod val="75000"/>
+                </a:schemeClr>
+              </a:gs>
+            </a:gsLst>
+            <a:lin ang="5580000" scaled="0"/>
+            <a:tileRect/>
+          </a:gradFill>
+          <a:effectLst>
+            <a:glow rad="38100">
               <a:schemeClr val="bg1">
-                <a:lumMod val="75000"/>
-                <a:lumOff val="25000"/>
-                <a:alpha val="10000"/>
+                <a:lumMod val="50000"/>
+                <a:lumOff val="50000"/>
+                <a:alpha val="20000"/>
               </a:schemeClr>
-            </a:solidFill>
-          </a:ln>
-          <a:solidFill>
-            <a:schemeClr val="tx2"/>
-          </a:solidFill>
-          <a:effectLst>
-            <a:outerShdw blurRad="9525" dist="25400" dir="14640000" algn="tl" rotWithShape="0">
-              <a:schemeClr val="bg1">
-                <a:alpha val="30000"/>
-              </a:schemeClr>
+            </a:glow>
+            <a:outerShdw blurRad="44450" dist="12700" dir="13860000" algn="tl" rotWithShape="0">
+              <a:srgbClr val="000000">
+                <a:alpha val="20000"/>
+              </a:srgbClr>
             </a:outerShdw>
           </a:effectLst>
           <a:latin typeface="+mn-lt"/>
@@ -5681,7 +5271,7 @@
           <a:cs typeface="+mn-cs"/>
         </a:defRPr>
       </a:lvl3pPr>
-      <a:lvl4pPr marL="1386000" indent="-216000" algn="l" defTabSz="457200" rtl="0" eaLnBrk="1" latinLnBrk="0" hangingPunct="1">
+      <a:lvl4pPr marL="1543050" indent="-171450" algn="l" defTabSz="457200" rtl="0" eaLnBrk="1" latinLnBrk="0" hangingPunct="1">
         <a:spcBef>
           <a:spcPct val="20000"/>
         </a:spcBef>
@@ -5689,29 +5279,38 @@
           <a:spcPts val="600"/>
         </a:spcAft>
         <a:buClr>
-          <a:schemeClr val="tx2"/>
+          <a:schemeClr val="tx1"/>
         </a:buClr>
-        <a:buSzPct val="70000"/>
-        <a:buFont typeface="Wingdings 2" charset="2"/>
-        <a:buChar char=""/>
-        <a:defRPr sz="1400" kern="1200">
-          <a:ln>
-            <a:solidFill>
+        <a:buSzPct val="100000"/>
+        <a:buFont typeface="Arial"/>
+        <a:buChar char="•"/>
+        <a:defRPr sz="1400" kern="1200" cap="small">
+          <a:gradFill flip="none" rotWithShape="1">
+            <a:gsLst>
+              <a:gs pos="0">
+                <a:schemeClr val="tx1"/>
+              </a:gs>
+              <a:gs pos="100000">
+                <a:schemeClr val="tx1">
+                  <a:lumMod val="75000"/>
+                </a:schemeClr>
+              </a:gs>
+            </a:gsLst>
+            <a:lin ang="5580000" scaled="0"/>
+            <a:tileRect/>
+          </a:gradFill>
+          <a:effectLst>
+            <a:glow rad="38100">
               <a:schemeClr val="bg1">
-                <a:lumMod val="75000"/>
-                <a:lumOff val="25000"/>
-                <a:alpha val="10000"/>
+                <a:lumMod val="50000"/>
+                <a:lumOff val="50000"/>
+                <a:alpha val="20000"/>
               </a:schemeClr>
-            </a:solidFill>
-          </a:ln>
-          <a:solidFill>
-            <a:schemeClr val="tx2"/>
-          </a:solidFill>
-          <a:effectLst>
-            <a:outerShdw blurRad="9525" dist="25400" dir="14640000" algn="tl" rotWithShape="0">
-              <a:schemeClr val="bg1">
-                <a:alpha val="30000"/>
-              </a:schemeClr>
+            </a:glow>
+            <a:outerShdw blurRad="44450" dist="12700" dir="13860000" algn="tl" rotWithShape="0">
+              <a:srgbClr val="000000">
+                <a:alpha val="20000"/>
+              </a:srgbClr>
             </a:outerShdw>
           </a:effectLst>
           <a:latin typeface="+mn-lt"/>
@@ -5719,7 +5318,7 @@
           <a:cs typeface="+mn-cs"/>
         </a:defRPr>
       </a:lvl4pPr>
-      <a:lvl5pPr marL="1674000" indent="-216000" algn="l" defTabSz="457200" rtl="0" eaLnBrk="1" latinLnBrk="0" hangingPunct="1">
+      <a:lvl5pPr marL="2000250" indent="-171450" algn="l" defTabSz="457200" rtl="0" eaLnBrk="1" latinLnBrk="0" hangingPunct="1">
         <a:spcBef>
           <a:spcPct val="20000"/>
         </a:spcBef>
@@ -5727,29 +5326,38 @@
           <a:spcPts val="600"/>
         </a:spcAft>
         <a:buClr>
-          <a:schemeClr val="tx2"/>
+          <a:schemeClr val="tx1"/>
         </a:buClr>
-        <a:buSzPct val="70000"/>
-        <a:buFont typeface="Wingdings 2" charset="2"/>
-        <a:buChar char=""/>
-        <a:defRPr sz="1400" kern="1200">
-          <a:ln>
-            <a:solidFill>
+        <a:buSzPct val="100000"/>
+        <a:buFont typeface="Arial"/>
+        <a:buChar char="•"/>
+        <a:defRPr sz="1400" kern="1200" cap="small">
+          <a:gradFill flip="none" rotWithShape="1">
+            <a:gsLst>
+              <a:gs pos="0">
+                <a:schemeClr val="tx1"/>
+              </a:gs>
+              <a:gs pos="100000">
+                <a:schemeClr val="tx1">
+                  <a:lumMod val="75000"/>
+                </a:schemeClr>
+              </a:gs>
+            </a:gsLst>
+            <a:lin ang="5580000" scaled="0"/>
+            <a:tileRect/>
+          </a:gradFill>
+          <a:effectLst>
+            <a:glow rad="38100">
               <a:schemeClr val="bg1">
-                <a:lumMod val="75000"/>
-                <a:lumOff val="25000"/>
-                <a:alpha val="10000"/>
+                <a:lumMod val="50000"/>
+                <a:lumOff val="50000"/>
+                <a:alpha val="20000"/>
               </a:schemeClr>
-            </a:solidFill>
-          </a:ln>
-          <a:solidFill>
-            <a:schemeClr val="tx2"/>
-          </a:solidFill>
-          <a:effectLst>
-            <a:outerShdw blurRad="9525" dist="25400" dir="14640000" algn="tl" rotWithShape="0">
-              <a:schemeClr val="bg1">
-                <a:alpha val="30000"/>
-              </a:schemeClr>
+            </a:glow>
+            <a:outerShdw blurRad="44450" dist="12700" dir="13860000" algn="tl" rotWithShape="0">
+              <a:srgbClr val="000000">
+                <a:alpha val="20000"/>
+              </a:srgbClr>
             </a:outerShdw>
           </a:effectLst>
           <a:latin typeface="+mn-lt"/>
@@ -5757,7 +5365,7 @@
           <a:cs typeface="+mn-cs"/>
         </a:defRPr>
       </a:lvl5pPr>
-      <a:lvl6pPr marL="2014600" indent="-228600" algn="l" defTabSz="457200" rtl="0" eaLnBrk="1" latinLnBrk="0" hangingPunct="1">
+      <a:lvl6pPr marL="2514600" indent="-228600" algn="l" defTabSz="457200" rtl="0" eaLnBrk="1" latinLnBrk="0" hangingPunct="1">
         <a:spcBef>
           <a:spcPct val="20000"/>
         </a:spcBef>
@@ -5765,29 +5373,38 @@
           <a:spcPts val="600"/>
         </a:spcAft>
         <a:buClr>
-          <a:schemeClr val="tx2"/>
+          <a:schemeClr val="tx1"/>
         </a:buClr>
-        <a:buSzPct val="70000"/>
-        <a:buFont typeface="Wingdings 2" charset="2"/>
-        <a:buChar char=""/>
-        <a:defRPr sz="1400" kern="1200">
-          <a:ln>
-            <a:solidFill>
+        <a:buSzPct val="100000"/>
+        <a:buFont typeface="Arial"/>
+        <a:buChar char="•"/>
+        <a:defRPr sz="1200" kern="1200" cap="small">
+          <a:gradFill flip="none" rotWithShape="1">
+            <a:gsLst>
+              <a:gs pos="0">
+                <a:schemeClr val="tx1"/>
+              </a:gs>
+              <a:gs pos="100000">
+                <a:schemeClr val="tx1">
+                  <a:lumMod val="75000"/>
+                </a:schemeClr>
+              </a:gs>
+            </a:gsLst>
+            <a:lin ang="5580000" scaled="0"/>
+            <a:tileRect/>
+          </a:gradFill>
+          <a:effectLst>
+            <a:glow rad="38100">
               <a:schemeClr val="bg1">
-                <a:lumMod val="75000"/>
-                <a:lumOff val="25000"/>
-                <a:alpha val="10000"/>
+                <a:lumMod val="50000"/>
+                <a:lumOff val="50000"/>
+                <a:alpha val="20000"/>
               </a:schemeClr>
-            </a:solidFill>
-          </a:ln>
-          <a:solidFill>
-            <a:schemeClr val="tx2"/>
-          </a:solidFill>
-          <a:effectLst>
-            <a:outerShdw blurRad="9525" dist="25400" dir="14640000" algn="tl" rotWithShape="0">
-              <a:schemeClr val="bg1">
-                <a:alpha val="30000"/>
-              </a:schemeClr>
+            </a:glow>
+            <a:outerShdw blurRad="44450" dist="12700" dir="13860000" algn="tl" rotWithShape="0">
+              <a:srgbClr val="000000">
+                <a:alpha val="20000"/>
+              </a:srgbClr>
             </a:outerShdw>
           </a:effectLst>
           <a:latin typeface="+mn-lt"/>
@@ -5795,7 +5412,7 @@
           <a:cs typeface="+mn-cs"/>
         </a:defRPr>
       </a:lvl6pPr>
-      <a:lvl7pPr marL="2401800" indent="-228600" algn="l" defTabSz="457200" rtl="0" eaLnBrk="1" latinLnBrk="0" hangingPunct="1">
+      <a:lvl7pPr marL="2971800" indent="-228600" algn="l" defTabSz="457200" rtl="0" eaLnBrk="1" latinLnBrk="0" hangingPunct="1">
         <a:spcBef>
           <a:spcPct val="20000"/>
         </a:spcBef>
@@ -5803,29 +5420,38 @@
           <a:spcPts val="600"/>
         </a:spcAft>
         <a:buClr>
-          <a:schemeClr val="tx2"/>
+          <a:schemeClr val="tx1"/>
         </a:buClr>
-        <a:buSzPct val="70000"/>
-        <a:buFont typeface="Wingdings 2" charset="2"/>
-        <a:buChar char=""/>
-        <a:defRPr sz="1400" kern="1200">
-          <a:ln>
-            <a:solidFill>
+        <a:buSzPct val="100000"/>
+        <a:buFont typeface="Arial"/>
+        <a:buChar char="•"/>
+        <a:defRPr sz="1200" kern="1200" cap="small">
+          <a:gradFill flip="none" rotWithShape="1">
+            <a:gsLst>
+              <a:gs pos="0">
+                <a:schemeClr val="tx1"/>
+              </a:gs>
+              <a:gs pos="100000">
+                <a:schemeClr val="tx1">
+                  <a:lumMod val="75000"/>
+                </a:schemeClr>
+              </a:gs>
+            </a:gsLst>
+            <a:lin ang="5580000" scaled="0"/>
+            <a:tileRect/>
+          </a:gradFill>
+          <a:effectLst>
+            <a:glow rad="38100">
               <a:schemeClr val="bg1">
-                <a:lumMod val="75000"/>
-                <a:lumOff val="25000"/>
-                <a:alpha val="10000"/>
+                <a:lumMod val="50000"/>
+                <a:lumOff val="50000"/>
+                <a:alpha val="20000"/>
               </a:schemeClr>
-            </a:solidFill>
-          </a:ln>
-          <a:solidFill>
-            <a:schemeClr val="tx2"/>
-          </a:solidFill>
-          <a:effectLst>
-            <a:outerShdw blurRad="9525" dist="25400" dir="14640000" algn="tl" rotWithShape="0">
-              <a:schemeClr val="bg1">
-                <a:alpha val="30000"/>
-              </a:schemeClr>
+            </a:glow>
+            <a:outerShdw blurRad="44450" dist="12700" dir="13860000" algn="tl" rotWithShape="0">
+              <a:srgbClr val="000000">
+                <a:alpha val="20000"/>
+              </a:srgbClr>
             </a:outerShdw>
           </a:effectLst>
           <a:latin typeface="+mn-lt"/>
@@ -5833,7 +5459,7 @@
           <a:cs typeface="+mn-cs"/>
         </a:defRPr>
       </a:lvl7pPr>
-      <a:lvl8pPr marL="2789000" indent="-228600" algn="l" defTabSz="457200" rtl="0" eaLnBrk="1" latinLnBrk="0" hangingPunct="1">
+      <a:lvl8pPr marL="3429000" indent="-228600" algn="l" defTabSz="457200" rtl="0" eaLnBrk="1" latinLnBrk="0" hangingPunct="1">
         <a:spcBef>
           <a:spcPct val="20000"/>
         </a:spcBef>
@@ -5841,29 +5467,38 @@
           <a:spcPts val="600"/>
         </a:spcAft>
         <a:buClr>
-          <a:schemeClr val="tx2"/>
+          <a:schemeClr val="tx1"/>
         </a:buClr>
-        <a:buSzPct val="70000"/>
-        <a:buFont typeface="Wingdings 2" charset="2"/>
-        <a:buChar char=""/>
-        <a:defRPr sz="1400" kern="1200">
-          <a:ln>
-            <a:solidFill>
+        <a:buSzPct val="100000"/>
+        <a:buFont typeface="Arial"/>
+        <a:buChar char="•"/>
+        <a:defRPr sz="1200" kern="1200" cap="small">
+          <a:gradFill flip="none" rotWithShape="1">
+            <a:gsLst>
+              <a:gs pos="0">
+                <a:schemeClr val="tx1"/>
+              </a:gs>
+              <a:gs pos="100000">
+                <a:schemeClr val="tx1">
+                  <a:lumMod val="75000"/>
+                </a:schemeClr>
+              </a:gs>
+            </a:gsLst>
+            <a:lin ang="5580000" scaled="0"/>
+            <a:tileRect/>
+          </a:gradFill>
+          <a:effectLst>
+            <a:glow rad="38100">
               <a:schemeClr val="bg1">
-                <a:lumMod val="75000"/>
-                <a:lumOff val="25000"/>
-                <a:alpha val="10000"/>
+                <a:lumMod val="50000"/>
+                <a:lumOff val="50000"/>
+                <a:alpha val="20000"/>
               </a:schemeClr>
-            </a:solidFill>
-          </a:ln>
-          <a:solidFill>
-            <a:schemeClr val="tx2"/>
-          </a:solidFill>
-          <a:effectLst>
-            <a:outerShdw blurRad="9525" dist="25400" dir="14640000" algn="tl" rotWithShape="0">
-              <a:schemeClr val="bg1">
-                <a:alpha val="30000"/>
-              </a:schemeClr>
+            </a:glow>
+            <a:outerShdw blurRad="44450" dist="12700" dir="13860000" algn="tl" rotWithShape="0">
+              <a:srgbClr val="000000">
+                <a:alpha val="20000"/>
+              </a:srgbClr>
             </a:outerShdw>
           </a:effectLst>
           <a:latin typeface="+mn-lt"/>
@@ -5871,7 +5506,7 @@
           <a:cs typeface="+mn-cs"/>
         </a:defRPr>
       </a:lvl8pPr>
-      <a:lvl9pPr marL="3106200" indent="-228600" algn="l" defTabSz="457200" rtl="0" eaLnBrk="1" latinLnBrk="0" hangingPunct="1">
+      <a:lvl9pPr marL="3886200" indent="-228600" algn="l" defTabSz="457200" rtl="0" eaLnBrk="1" latinLnBrk="0" hangingPunct="1">
         <a:spcBef>
           <a:spcPct val="20000"/>
         </a:spcBef>
@@ -5879,29 +5514,38 @@
           <a:spcPts val="600"/>
         </a:spcAft>
         <a:buClr>
-          <a:schemeClr val="tx2"/>
+          <a:schemeClr val="tx1"/>
         </a:buClr>
-        <a:buSzPct val="70000"/>
-        <a:buFont typeface="Wingdings 2" charset="2"/>
-        <a:buChar char=""/>
-        <a:defRPr sz="1400" kern="1200">
-          <a:ln>
-            <a:solidFill>
+        <a:buSzPct val="100000"/>
+        <a:buFont typeface="Arial"/>
+        <a:buChar char="•"/>
+        <a:defRPr sz="1200" kern="1200" cap="small">
+          <a:gradFill flip="none" rotWithShape="1">
+            <a:gsLst>
+              <a:gs pos="0">
+                <a:schemeClr val="tx1"/>
+              </a:gs>
+              <a:gs pos="100000">
+                <a:schemeClr val="tx1">
+                  <a:lumMod val="75000"/>
+                </a:schemeClr>
+              </a:gs>
+            </a:gsLst>
+            <a:lin ang="5580000" scaled="0"/>
+            <a:tileRect/>
+          </a:gradFill>
+          <a:effectLst>
+            <a:glow rad="38100">
               <a:schemeClr val="bg1">
-                <a:lumMod val="75000"/>
-                <a:lumOff val="25000"/>
-                <a:alpha val="10000"/>
+                <a:lumMod val="50000"/>
+                <a:lumOff val="50000"/>
+                <a:alpha val="20000"/>
               </a:schemeClr>
-            </a:solidFill>
-          </a:ln>
-          <a:solidFill>
-            <a:schemeClr val="tx2"/>
-          </a:solidFill>
-          <a:effectLst>
-            <a:outerShdw blurRad="9525" dist="25400" dir="14640000" algn="tl" rotWithShape="0">
-              <a:schemeClr val="bg1">
-                <a:alpha val="30000"/>
-              </a:schemeClr>
+            </a:glow>
+            <a:outerShdw blurRad="44450" dist="12700" dir="13860000" algn="tl" rotWithShape="0">
+              <a:srgbClr val="000000">
+                <a:alpha val="20000"/>
+              </a:srgbClr>
             </a:outerShdw>
           </a:effectLst>
           <a:latin typeface="+mn-lt"/>
@@ -6006,6 +5650,11 @@
       </a:lvl9pPr>
     </p:otherStyle>
   </p:txStyles>
+  <p:extLst>
+    <p:ext uri="{27BBF7A9-308A-43DC-89C8-2F10F3537804}">
+      <p15:sldGuideLst xmlns:p15="http://schemas.microsoft.com/office/powerpoint/2012/main"/>
+    </p:ext>
+  </p:extLst>
 </p:sldMaster>
 </file>
 
@@ -6031,7 +5680,7 @@
           <p:cNvPr id="2" name="Título 1">
             <a:extLst>
               <a:ext uri="{FF2B5EF4-FFF2-40B4-BE49-F238E27FC236}">
-                <a16:creationId xmlns:a16="http://schemas.microsoft.com/office/drawing/2014/main" id="{352EB8E2-50FA-430E-86BE-EF2E630B864B}"/>
+                <a16:creationId xmlns="" xmlns:a16="http://schemas.microsoft.com/office/drawing/2014/main" id="{352EB8E2-50FA-430E-86BE-EF2E630B864B}"/>
               </a:ext>
             </a:extLst>
           </p:cNvPr>
@@ -6048,8 +5697,30 @@
           <a:lstStyle/>
           <a:p>
             <a:r>
-              <a:rPr lang="es-ES" dirty="0" err="1"/>
-              <a:t>BrickBreaker</a:t>
+              <a:rPr lang="es-ES" dirty="0" smtClean="0"/>
+              <a:t/>
+            </a:r>
+            <a:br>
+              <a:rPr lang="es-ES" dirty="0" smtClean="0"/>
+            </a:br>
+            <a:r>
+              <a:rPr lang="es-ES" dirty="0" smtClean="0"/>
+              <a:t/>
+            </a:r>
+            <a:br>
+              <a:rPr lang="es-ES" dirty="0" smtClean="0"/>
+            </a:br>
+            <a:r>
+              <a:rPr lang="es-ES" dirty="0" err="1" smtClean="0"/>
+              <a:t>Brick</a:t>
+            </a:r>
+            <a:r>
+              <a:rPr lang="es-ES" dirty="0" smtClean="0"/>
+              <a:t> </a:t>
+            </a:r>
+            <a:r>
+              <a:rPr lang="es-ES" dirty="0" err="1" smtClean="0"/>
+              <a:t>Breaker</a:t>
             </a:r>
             <a:endParaRPr lang="es-ES" dirty="0"/>
           </a:p>
@@ -6090,7 +5761,7 @@
           <p:cNvPr id="2" name="Título 1">
             <a:extLst>
               <a:ext uri="{FF2B5EF4-FFF2-40B4-BE49-F238E27FC236}">
-                <a16:creationId xmlns:a16="http://schemas.microsoft.com/office/drawing/2014/main" id="{A75E20AC-8284-4AC0-BC3C-3BE69793C47C}"/>
+                <a16:creationId xmlns="" xmlns:a16="http://schemas.microsoft.com/office/drawing/2014/main" id="{A75E20AC-8284-4AC0-BC3C-3BE69793C47C}"/>
               </a:ext>
             </a:extLst>
           </p:cNvPr>
@@ -6118,7 +5789,7 @@
           <p:cNvPr id="3" name="Marcador de contenido 2">
             <a:extLst>
               <a:ext uri="{FF2B5EF4-FFF2-40B4-BE49-F238E27FC236}">
-                <a16:creationId xmlns:a16="http://schemas.microsoft.com/office/drawing/2014/main" id="{74ED7092-2FE6-4DEC-B93D-434641C1AF66}"/>
+                <a16:creationId xmlns="" xmlns:a16="http://schemas.microsoft.com/office/drawing/2014/main" id="{74ED7092-2FE6-4DEC-B93D-434641C1AF66}"/>
               </a:ext>
             </a:extLst>
           </p:cNvPr>
@@ -6141,18 +5812,13 @@
           </a:p>
           <a:p>
             <a:r>
-              <a:rPr lang="es-ES" dirty="0" err="1"/>
-              <a:t>Nicolas</a:t>
+              <a:rPr lang="es-ES" dirty="0" smtClean="0"/>
+              <a:t>Nicolás </a:t>
             </a:r>
             <a:r>
               <a:rPr lang="es-ES" dirty="0"/>
-              <a:t> </a:t>
-            </a:r>
-            <a:r>
-              <a:rPr lang="es-ES" dirty="0" err="1"/>
               <a:t>Kuyumciyan</a:t>
             </a:r>
-            <a:endParaRPr lang="es-ES" dirty="0"/>
           </a:p>
           <a:p>
             <a:r>
@@ -6200,7 +5866,7 @@
           <p:cNvPr id="2" name="Título 1">
             <a:extLst>
               <a:ext uri="{FF2B5EF4-FFF2-40B4-BE49-F238E27FC236}">
-                <a16:creationId xmlns:a16="http://schemas.microsoft.com/office/drawing/2014/main" id="{8F0DEB7F-708C-4843-899F-F892F92E3CEA}"/>
+                <a16:creationId xmlns="" xmlns:a16="http://schemas.microsoft.com/office/drawing/2014/main" id="{8F0DEB7F-708C-4843-899F-F892F92E3CEA}"/>
               </a:ext>
             </a:extLst>
           </p:cNvPr>
@@ -6228,7 +5894,7 @@
           <p:cNvPr id="3" name="Marcador de contenido 2">
             <a:extLst>
               <a:ext uri="{FF2B5EF4-FFF2-40B4-BE49-F238E27FC236}">
-                <a16:creationId xmlns:a16="http://schemas.microsoft.com/office/drawing/2014/main" id="{A4BC0E16-F4B6-42AD-A8B6-772AF9CF3BF6}"/>
+                <a16:creationId xmlns="" xmlns:a16="http://schemas.microsoft.com/office/drawing/2014/main" id="{A4BC0E16-F4B6-42AD-A8B6-772AF9CF3BF6}"/>
               </a:ext>
             </a:extLst>
           </p:cNvPr>
@@ -6278,22 +5944,54 @@
             <a:pPr lvl="1"/>
             <a:r>
               <a:rPr lang="es-ES" dirty="0"/>
-              <a:t> Single Player : El jugador tiene que ir pasando por una serie de niveles, tiene una sola vida por nivel</a:t>
-            </a:r>
+              <a:t> Single Player : El jugador tiene que ir pasando por una serie de niveles, tiene una sola vida por </a:t>
+            </a:r>
+            <a:r>
+              <a:rPr lang="es-ES" dirty="0" smtClean="0"/>
+              <a:t>nivel</a:t>
+            </a:r>
+            <a:endParaRPr lang="es-ES" dirty="0"/>
           </a:p>
           <a:p>
             <a:pPr lvl="1"/>
             <a:r>
-              <a:rPr lang="es-ES" dirty="0" err="1"/>
+              <a:rPr lang="es-ES" dirty="0" err="1" smtClean="0"/>
               <a:t>Multiplayer</a:t>
             </a:r>
-            <a:r>
-              <a:rPr lang="es-ES" dirty="0"/>
-              <a:t> : </a:t>
-            </a:r>
-          </a:p>
-        </p:txBody>
-      </p:sp>
+            <a:endParaRPr lang="es-ES" dirty="0"/>
+          </a:p>
+        </p:txBody>
+      </p:sp>
+      <p:pic>
+        <p:nvPicPr>
+          <p:cNvPr id="5" name="Picture 4"/>
+          <p:cNvPicPr>
+            <a:picLocks noChangeAspect="1"/>
+          </p:cNvPicPr>
+          <p:nvPr/>
+        </p:nvPicPr>
+        <p:blipFill>
+          <a:blip r:embed="rId2">
+            <a:extLst>
+              <a:ext uri="{28A0092B-C50C-407E-A947-70E740481C1C}">
+                <a14:useLocalDpi xmlns:a14="http://schemas.microsoft.com/office/drawing/2010/main" val="0"/>
+              </a:ext>
+            </a:extLst>
+          </a:blip>
+          <a:stretch>
+            <a:fillRect/>
+          </a:stretch>
+        </p:blipFill>
+        <p:spPr>
+          <a:xfrm>
+            <a:off x="7225990" y="609600"/>
+            <a:ext cx="2414239" cy="2414239"/>
+          </a:xfrm>
+          <a:prstGeom prst="rect">
+            <a:avLst/>
+          </a:prstGeom>
+        </p:spPr>
+      </p:pic>
     </p:spTree>
     <p:extLst>
       <p:ext uri="{BB962C8B-B14F-4D97-AF65-F5344CB8AC3E}">
@@ -6329,7 +6027,7 @@
           <p:cNvPr id="2" name="Título 1">
             <a:extLst>
               <a:ext uri="{FF2B5EF4-FFF2-40B4-BE49-F238E27FC236}">
-                <a16:creationId xmlns:a16="http://schemas.microsoft.com/office/drawing/2014/main" id="{3E9C97CE-5529-4E2A-B9E6-37ADBADD64FA}"/>
+                <a16:creationId xmlns="" xmlns:a16="http://schemas.microsoft.com/office/drawing/2014/main" id="{3E9C97CE-5529-4E2A-B9E6-37ADBADD64FA}"/>
               </a:ext>
             </a:extLst>
           </p:cNvPr>
@@ -6357,7 +6055,7 @@
           <p:cNvPr id="3" name="Marcador de contenido 2">
             <a:extLst>
               <a:ext uri="{FF2B5EF4-FFF2-40B4-BE49-F238E27FC236}">
-                <a16:creationId xmlns:a16="http://schemas.microsoft.com/office/drawing/2014/main" id="{78334127-BBD4-4AEF-8A68-141FEAF3DB27}"/>
+                <a16:creationId xmlns="" xmlns:a16="http://schemas.microsoft.com/office/drawing/2014/main" id="{78334127-BBD4-4AEF-8A68-141FEAF3DB27}"/>
               </a:ext>
             </a:extLst>
           </p:cNvPr>
@@ -6370,7 +6068,9 @@
         </p:nvSpPr>
         <p:spPr/>
         <p:txBody>
-          <a:bodyPr/>
+          <a:bodyPr>
+            <a:normAutofit lnSpcReduction="10000"/>
+          </a:bodyPr>
           <a:lstStyle/>
           <a:p>
             <a:r>
@@ -6427,12 +6127,12 @@
           </a:p>
           <a:p>
             <a:r>
-              <a:rPr lang="es-ES" dirty="0" err="1"/>
-              <a:t>Integracion</a:t>
+              <a:rPr lang="es-ES" dirty="0" smtClean="0"/>
+              <a:t>Integración </a:t>
             </a:r>
             <a:r>
               <a:rPr lang="es-ES" dirty="0"/>
-              <a:t> con Facebook para el match-</a:t>
+              <a:t>con Facebook para el match-</a:t>
             </a:r>
             <a:r>
               <a:rPr lang="es-ES" dirty="0" err="1"/>
@@ -6453,6 +6153,35 @@
           </a:p>
         </p:txBody>
       </p:sp>
+      <p:pic>
+        <p:nvPicPr>
+          <p:cNvPr id="4" name="Picture 3"/>
+          <p:cNvPicPr>
+            <a:picLocks noChangeAspect="1"/>
+          </p:cNvPicPr>
+          <p:nvPr/>
+        </p:nvPicPr>
+        <p:blipFill rotWithShape="1">
+          <a:blip r:embed="rId2">
+            <a:extLst>
+              <a:ext uri="{28A0092B-C50C-407E-A947-70E740481C1C}">
+                <a14:useLocalDpi xmlns:a14="http://schemas.microsoft.com/office/drawing/2010/main" val="0"/>
+              </a:ext>
+            </a:extLst>
+          </a:blip>
+          <a:srcRect l="9906" t="13300" r="12700" b="13804"/>
+          <a:stretch/>
+        </p:blipFill>
+        <p:spPr>
+          <a:xfrm>
+            <a:off x="8771362" y="524107"/>
+            <a:ext cx="3268454" cy="1990493"/>
+          </a:xfrm>
+          <a:prstGeom prst="rect">
+            <a:avLst/>
+          </a:prstGeom>
+        </p:spPr>
+      </p:pic>
     </p:spTree>
     <p:extLst>
       <p:ext uri="{BB962C8B-B14F-4D97-AF65-F5344CB8AC3E}">
@@ -6488,7 +6217,7 @@
           <p:cNvPr id="2" name="Título 1">
             <a:extLst>
               <a:ext uri="{FF2B5EF4-FFF2-40B4-BE49-F238E27FC236}">
-                <a16:creationId xmlns:a16="http://schemas.microsoft.com/office/drawing/2014/main" id="{76EE66C0-7276-4A5E-8E72-253E9F6B9BF6}"/>
+                <a16:creationId xmlns="" xmlns:a16="http://schemas.microsoft.com/office/drawing/2014/main" id="{76EE66C0-7276-4A5E-8E72-253E9F6B9BF6}"/>
               </a:ext>
             </a:extLst>
           </p:cNvPr>
@@ -6516,7 +6245,7 @@
           <p:cNvPr id="3" name="Marcador de contenido 2">
             <a:extLst>
               <a:ext uri="{FF2B5EF4-FFF2-40B4-BE49-F238E27FC236}">
-                <a16:creationId xmlns:a16="http://schemas.microsoft.com/office/drawing/2014/main" id="{FEE0CCB2-1E0C-45BD-9032-8E97A8680739}"/>
+                <a16:creationId xmlns="" xmlns:a16="http://schemas.microsoft.com/office/drawing/2014/main" id="{FEE0CCB2-1E0C-45BD-9032-8E97A8680739}"/>
               </a:ext>
             </a:extLst>
           </p:cNvPr>
@@ -6527,7 +6256,12 @@
             <p:ph idx="1"/>
           </p:nvPr>
         </p:nvSpPr>
-        <p:spPr/>
+        <p:spPr>
+          <a:xfrm>
+            <a:off x="1261872" y="1839951"/>
+            <a:ext cx="8595360" cy="4351337"/>
+          </a:xfrm>
+        </p:spPr>
         <p:txBody>
           <a:bodyPr/>
           <a:lstStyle/>
@@ -6553,6 +6287,95 @@
           </a:p>
         </p:txBody>
       </p:sp>
+      <p:pic>
+        <p:nvPicPr>
+          <p:cNvPr id="4" name="Picture 3"/>
+          <p:cNvPicPr>
+            <a:picLocks noChangeAspect="1"/>
+          </p:cNvPicPr>
+          <p:nvPr/>
+        </p:nvPicPr>
+        <p:blipFill>
+          <a:blip r:embed="rId2">
+            <a:extLst>
+              <a:ext uri="{28A0092B-C50C-407E-A947-70E740481C1C}">
+                <a14:useLocalDpi xmlns:a14="http://schemas.microsoft.com/office/drawing/2010/main" val="0"/>
+              </a:ext>
+            </a:extLst>
+          </a:blip>
+          <a:stretch>
+            <a:fillRect/>
+          </a:stretch>
+        </p:blipFill>
+        <p:spPr>
+          <a:xfrm>
+            <a:off x="5999206" y="5298389"/>
+            <a:ext cx="1148576" cy="1148576"/>
+          </a:xfrm>
+          <a:prstGeom prst="rect">
+            <a:avLst/>
+          </a:prstGeom>
+        </p:spPr>
+      </p:pic>
+      <p:pic>
+        <p:nvPicPr>
+          <p:cNvPr id="5" name="Picture 4"/>
+          <p:cNvPicPr>
+            <a:picLocks noChangeAspect="1"/>
+          </p:cNvPicPr>
+          <p:nvPr/>
+        </p:nvPicPr>
+        <p:blipFill rotWithShape="1">
+          <a:blip r:embed="rId3">
+            <a:extLst>
+              <a:ext uri="{28A0092B-C50C-407E-A947-70E740481C1C}">
+                <a14:useLocalDpi xmlns:a14="http://schemas.microsoft.com/office/drawing/2010/main" val="0"/>
+              </a:ext>
+            </a:extLst>
+          </a:blip>
+          <a:srcRect r="55409"/>
+          <a:stretch/>
+        </p:blipFill>
+        <p:spPr>
+          <a:xfrm>
+            <a:off x="9703419" y="3912539"/>
+            <a:ext cx="1994210" cy="2517251"/>
+          </a:xfrm>
+          <a:prstGeom prst="rect">
+            <a:avLst/>
+          </a:prstGeom>
+        </p:spPr>
+      </p:pic>
+      <p:pic>
+        <p:nvPicPr>
+          <p:cNvPr id="7" name="Picture 6"/>
+          <p:cNvPicPr>
+            <a:picLocks noChangeAspect="1"/>
+          </p:cNvPicPr>
+          <p:nvPr/>
+        </p:nvPicPr>
+        <p:blipFill>
+          <a:blip r:embed="rId4">
+            <a:extLst>
+              <a:ext uri="{28A0092B-C50C-407E-A947-70E740481C1C}">
+                <a14:useLocalDpi xmlns:a14="http://schemas.microsoft.com/office/drawing/2010/main" val="0"/>
+              </a:ext>
+            </a:extLst>
+          </a:blip>
+          <a:stretch>
+            <a:fillRect/>
+          </a:stretch>
+        </p:blipFill>
+        <p:spPr>
+          <a:xfrm>
+            <a:off x="7268241" y="5186877"/>
+            <a:ext cx="1366792" cy="1366792"/>
+          </a:xfrm>
+          <a:prstGeom prst="rect">
+            <a:avLst/>
+          </a:prstGeom>
+        </p:spPr>
+      </p:pic>
     </p:spTree>
     <p:extLst>
       <p:ext uri="{BB962C8B-B14F-4D97-AF65-F5344CB8AC3E}">
@@ -6588,7 +6411,7 @@
           <p:cNvPr id="2" name="Título 1">
             <a:extLst>
               <a:ext uri="{FF2B5EF4-FFF2-40B4-BE49-F238E27FC236}">
-                <a16:creationId xmlns:a16="http://schemas.microsoft.com/office/drawing/2014/main" id="{5E3A57BC-6C27-420E-9343-902464124537}"/>
+                <a16:creationId xmlns="" xmlns:a16="http://schemas.microsoft.com/office/drawing/2014/main" id="{5E3A57BC-6C27-420E-9343-902464124537}"/>
               </a:ext>
             </a:extLst>
           </p:cNvPr>
@@ -6616,7 +6439,7 @@
           <p:cNvPr id="3" name="Marcador de contenido 2">
             <a:extLst>
               <a:ext uri="{FF2B5EF4-FFF2-40B4-BE49-F238E27FC236}">
-                <a16:creationId xmlns:a16="http://schemas.microsoft.com/office/drawing/2014/main" id="{1C73D552-7167-4806-AAC4-4079E8354A9A}"/>
+                <a16:creationId xmlns="" xmlns:a16="http://schemas.microsoft.com/office/drawing/2014/main" id="{1C73D552-7167-4806-AAC4-4079E8354A9A}"/>
               </a:ext>
             </a:extLst>
           </p:cNvPr>
@@ -6696,7 +6519,7 @@
           <p:cNvPr id="2" name="Título 1">
             <a:extLst>
               <a:ext uri="{FF2B5EF4-FFF2-40B4-BE49-F238E27FC236}">
-                <a16:creationId xmlns:a16="http://schemas.microsoft.com/office/drawing/2014/main" id="{58729E72-FE05-4F5C-A509-41FAF7EADD4D}"/>
+                <a16:creationId xmlns="" xmlns:a16="http://schemas.microsoft.com/office/drawing/2014/main" id="{58729E72-FE05-4F5C-A509-41FAF7EADD4D}"/>
               </a:ext>
             </a:extLst>
           </p:cNvPr>
@@ -6713,8 +6536,8 @@
           <a:lstStyle/>
           <a:p>
             <a:r>
-              <a:rPr lang="es-ES" dirty="0" err="1"/>
-              <a:t>Monetizacion</a:t>
+              <a:rPr lang="es-ES" dirty="0" smtClean="0"/>
+              <a:t>Monetización</a:t>
             </a:r>
             <a:endParaRPr lang="es-ES" dirty="0"/>
           </a:p>
@@ -6725,7 +6548,7 @@
           <p:cNvPr id="3" name="Marcador de contenido 2">
             <a:extLst>
               <a:ext uri="{FF2B5EF4-FFF2-40B4-BE49-F238E27FC236}">
-                <a16:creationId xmlns:a16="http://schemas.microsoft.com/office/drawing/2014/main" id="{C3BFA484-E664-48EA-8043-92A16377A638}"/>
+                <a16:creationId xmlns="" xmlns:a16="http://schemas.microsoft.com/office/drawing/2014/main" id="{C3BFA484-E664-48EA-8043-92A16377A638}"/>
               </a:ext>
             </a:extLst>
           </p:cNvPr>
@@ -6823,7 +6646,7 @@
           <p:cNvPr id="2" name="Título 1">
             <a:extLst>
               <a:ext uri="{FF2B5EF4-FFF2-40B4-BE49-F238E27FC236}">
-                <a16:creationId xmlns:a16="http://schemas.microsoft.com/office/drawing/2014/main" id="{A679E4DC-D5FF-4703-BD82-E453CFBC50A1}"/>
+                <a16:creationId xmlns="" xmlns:a16="http://schemas.microsoft.com/office/drawing/2014/main" id="{A679E4DC-D5FF-4703-BD82-E453CFBC50A1}"/>
               </a:ext>
             </a:extLst>
           </p:cNvPr>
@@ -6851,7 +6674,7 @@
           <p:cNvPr id="3" name="Marcador de contenido 2">
             <a:extLst>
               <a:ext uri="{FF2B5EF4-FFF2-40B4-BE49-F238E27FC236}">
-                <a16:creationId xmlns:a16="http://schemas.microsoft.com/office/drawing/2014/main" id="{15F6FDF7-A6CF-48E1-8EAD-152708454924}"/>
+                <a16:creationId xmlns="" xmlns:a16="http://schemas.microsoft.com/office/drawing/2014/main" id="{15F6FDF7-A6CF-48E1-8EAD-152708454924}"/>
               </a:ext>
             </a:extLst>
           </p:cNvPr>
@@ -6869,7 +6692,9 @@
           </a:xfrm>
         </p:spPr>
         <p:txBody>
-          <a:bodyPr/>
+          <a:bodyPr>
+            <a:normAutofit fontScale="92500" lnSpcReduction="20000"/>
+          </a:bodyPr>
           <a:lstStyle/>
           <a:p>
             <a:pPr>
@@ -6947,11 +6772,24 @@
             </a:r>
             <a:r>
               <a:rPr lang="es-ES" dirty="0"/>
-              <a:t> on-line. 2 posibilidades</a:t>
-            </a:r>
-          </a:p>
-          <a:p>
-            <a:pPr lvl="1"/>
+              <a:t> on-line. </a:t>
+            </a:r>
+            <a:endParaRPr lang="es-ES" dirty="0" smtClean="0"/>
+          </a:p>
+          <a:p>
+            <a:pPr lvl="1">
+              <a:lnSpc>
+                <a:spcPct val="150000"/>
+              </a:lnSpc>
+            </a:pPr>
+            <a:r>
+              <a:rPr lang="es-ES" dirty="0" smtClean="0"/>
+              <a:t>2 posibilidades:</a:t>
+            </a:r>
+            <a:endParaRPr lang="es-ES" dirty="0"/>
+          </a:p>
+          <a:p>
+            <a:pPr lvl="2"/>
             <a:r>
               <a:rPr lang="es-ES" dirty="0"/>
               <a:t>Utilizar algún </a:t>
@@ -6982,7 +6820,7 @@
             </a:r>
           </a:p>
           <a:p>
-            <a:pPr lvl="1"/>
+            <a:pPr lvl="2"/>
             <a:r>
               <a:rPr lang="es-ES" dirty="0"/>
               <a:t>Implementar nuestra capa de </a:t>
@@ -7041,7 +6879,7 @@
           <p:cNvPr id="2" name="Título 1">
             <a:extLst>
               <a:ext uri="{FF2B5EF4-FFF2-40B4-BE49-F238E27FC236}">
-                <a16:creationId xmlns:a16="http://schemas.microsoft.com/office/drawing/2014/main" id="{AC052097-811A-4E09-8164-073A84B1BCC1}"/>
+                <a16:creationId xmlns="" xmlns:a16="http://schemas.microsoft.com/office/drawing/2014/main" id="{AC052097-811A-4E09-8164-073A84B1BCC1}"/>
               </a:ext>
             </a:extLst>
           </p:cNvPr>
@@ -7080,9 +6918,9 @@
 </file>
 
 <file path=ppt/theme/theme1.xml><?xml version="1.0" encoding="utf-8"?>
-<a:theme xmlns:a="http://schemas.openxmlformats.org/drawingml/2006/main" name="Pizarra">
+<a:theme xmlns:a="http://schemas.openxmlformats.org/drawingml/2006/main" name="Mesh">
   <a:themeElements>
-    <a:clrScheme name="Pizarra">
+    <a:clrScheme name="Mesh">
       <a:dk1>
         <a:sysClr val="windowText" lastClr="000000"/>
       </a:dk1>
@@ -7090,48 +6928,48 @@
         <a:sysClr val="window" lastClr="FFFFFF"/>
       </a:lt1>
       <a:dk2>
-        <a:srgbClr val="212123"/>
+        <a:srgbClr val="363D46"/>
       </a:dk2>
       <a:lt2>
-        <a:srgbClr val="DADADA"/>
+        <a:srgbClr val="EBEBEB"/>
       </a:lt2>
       <a:accent1>
-        <a:srgbClr val="3EC26C"/>
+        <a:srgbClr val="6F6F6F"/>
       </a:accent1>
       <a:accent2>
-        <a:srgbClr val="B3D463"/>
+        <a:srgbClr val="BFBFA5"/>
       </a:accent2>
       <a:accent3>
-        <a:srgbClr val="3BBC9D"/>
+        <a:srgbClr val="DCD084"/>
       </a:accent3>
       <a:accent4>
-        <a:srgbClr val="97AF75"/>
+        <a:srgbClr val="E7BF5F"/>
       </a:accent4>
       <a:accent5>
-        <a:srgbClr val="6BA841"/>
+        <a:srgbClr val="E9A039"/>
       </a:accent5>
       <a:accent6>
-        <a:srgbClr val="79AE90"/>
+        <a:srgbClr val="CF7133"/>
       </a:accent6>
       <a:hlink>
-        <a:srgbClr val="85E4A6"/>
+        <a:srgbClr val="F28943"/>
       </a:hlink>
       <a:folHlink>
-        <a:srgbClr val="BDF3D0"/>
+        <a:srgbClr val="F1B76C"/>
       </a:folHlink>
     </a:clrScheme>
-    <a:fontScheme name="Pizarra">
+    <a:fontScheme name="Mesh">
       <a:majorFont>
-        <a:latin typeface="Calisto MT" panose="02040603050505030304"/>
+        <a:latin typeface="Century Gothic" panose="020B0502020202020204"/>
         <a:ea typeface=""/>
         <a:cs typeface=""/>
-        <a:font script="Jpan" typeface="ＭＳ Ｐゴシック"/>
-        <a:font script="Hang" typeface="돋움"/>
-        <a:font script="Hans" typeface="方正舒体"/>
-        <a:font script="Hant" typeface="微軟正黑體"/>
-        <a:font script="Arab" typeface="Arial"/>
-        <a:font script="Hebr" typeface="Arial"/>
-        <a:font script="Thai" typeface="Cordia New"/>
+        <a:font script="Jpan" typeface="ＭＳ ゴシック"/>
+        <a:font script="Hang" typeface="맑은 고딕"/>
+        <a:font script="Hans" typeface="宋体"/>
+        <a:font script="Hant" typeface="新細明體"/>
+        <a:font script="Arab" typeface="Tahoma"/>
+        <a:font script="Hebr" typeface="Gisha"/>
+        <a:font script="Thai" typeface="DilleniaUPC"/>
         <a:font script="Ethi" typeface="Nyala"/>
         <a:font script="Beng" typeface="Vrinda"/>
         <a:font script="Gujr" typeface="Shruti"/>
@@ -7152,21 +6990,21 @@
         <a:font script="Laoo" typeface="DokChampa"/>
         <a:font script="Sinh" typeface="Iskoola Pota"/>
         <a:font script="Mong" typeface="Mongolian Baiti"/>
-        <a:font script="Viet" typeface="Arial"/>
+        <a:font script="Viet" typeface="Tahoma"/>
         <a:font script="Uigh" typeface="Microsoft Uighur"/>
         <a:font script="Geor" typeface="Sylfaen"/>
       </a:majorFont>
       <a:minorFont>
-        <a:latin typeface="Calisto MT" panose="02040603050505030304"/>
+        <a:latin typeface="Century Gothic" panose="020B0502020202020204"/>
         <a:ea typeface=""/>
         <a:cs typeface=""/>
-        <a:font script="Jpan" typeface="ＭＳ Ｐゴシック"/>
-        <a:font script="Hang" typeface="돋움"/>
-        <a:font script="Hans" typeface="方正舒体"/>
-        <a:font script="Hant" typeface="微軟正黑體"/>
-        <a:font script="Arab" typeface="Arial"/>
-        <a:font script="Hebr" typeface="Arial"/>
-        <a:font script="Thai" typeface="Cordia New"/>
+        <a:font script="Jpan" typeface="ＭＳ ゴシック"/>
+        <a:font script="Hang" typeface="맑은 고딕"/>
+        <a:font script="Hans" typeface="宋体"/>
+        <a:font script="Hant" typeface="新細明體"/>
+        <a:font script="Arab" typeface="Tahoma"/>
+        <a:font script="Hebr" typeface="Gisha"/>
+        <a:font script="Thai" typeface="DilleniaUPC"/>
         <a:font script="Ethi" typeface="Nyala"/>
         <a:font script="Beng" typeface="Vrinda"/>
         <a:font script="Gujr" typeface="Shruti"/>
@@ -7187,12 +7025,12 @@
         <a:font script="Laoo" typeface="DokChampa"/>
         <a:font script="Sinh" typeface="Iskoola Pota"/>
         <a:font script="Mong" typeface="Mongolian Baiti"/>
-        <a:font script="Viet" typeface="Arial"/>
+        <a:font script="Viet" typeface="Verdana"/>
         <a:font script="Uigh" typeface="Microsoft Uighur"/>
         <a:font script="Geor" typeface="Sylfaen"/>
       </a:minorFont>
     </a:fontScheme>
-    <a:fmtScheme name="Pizarra">
+    <a:fmtScheme name="Mesh">
       <a:fillStyleLst>
         <a:solidFill>
           <a:schemeClr val="phClr"/>
@@ -7207,7 +7045,7 @@
             </a:gs>
             <a:gs pos="100000">
               <a:schemeClr val="phClr">
-                <a:tint val="88000"/>
+                <a:tint val="82000"/>
               </a:schemeClr>
             </a:gs>
           </a:gsLst>
@@ -7223,8 +7061,8 @@
             </a:gs>
             <a:gs pos="100000">
               <a:schemeClr val="phClr">
-                <a:shade val="90000"/>
-                <a:lumMod val="90000"/>
+                <a:shade val="84000"/>
+                <a:lumMod val="84000"/>
               </a:schemeClr>
             </a:gs>
           </a:gsLst>
@@ -7234,13 +7072,11 @@
       <a:lnStyleLst>
         <a:ln w="9525" cap="rnd" cmpd="sng" algn="ctr">
           <a:solidFill>
-            <a:schemeClr val="phClr">
-              <a:shade val="90000"/>
-            </a:schemeClr>
+            <a:schemeClr val="phClr"/>
           </a:solidFill>
           <a:prstDash val="solid"/>
         </a:ln>
-        <a:ln w="15875" cap="rnd" cmpd="sng" algn="ctr">
+        <a:ln w="19050" cap="rnd" cmpd="sng" algn="ctr">
           <a:solidFill>
             <a:schemeClr val="phClr"/>
           </a:solidFill>
@@ -7259,18 +7095,18 @@
         </a:effectStyle>
         <a:effectStyle>
           <a:effectLst>
-            <a:outerShdw blurRad="63500" dist="25400" dir="5400000" rotWithShape="0">
+            <a:innerShdw blurRad="50800" dist="25400" dir="13500000">
               <a:srgbClr val="000000">
-                <a:alpha val="60000"/>
+                <a:alpha val="55000"/>
               </a:srgbClr>
-            </a:outerShdw>
+            </a:innerShdw>
           </a:effectLst>
         </a:effectStyle>
         <a:effectStyle>
           <a:effectLst>
-            <a:outerShdw blurRad="76200" dist="38100" dir="5400000" rotWithShape="0">
+            <a:outerShdw blurRad="50800" dist="38100" dir="5400000" rotWithShape="0">
               <a:srgbClr val="000000">
-                <a:alpha val="75000"/>
+                <a:alpha val="60000"/>
               </a:srgbClr>
             </a:outerShdw>
           </a:effectLst>
@@ -7278,12 +7114,10 @@
             <a:camera prst="orthographicFront">
               <a:rot lat="0" lon="0" rev="0"/>
             </a:camera>
-            <a:lightRig rig="threePt" dir="t">
-              <a:rot lat="0" lon="0" rev="1200000"/>
-            </a:lightRig>
+            <a:lightRig rig="threePt" dir="tl"/>
           </a:scene3d>
           <a:sp3d>
-            <a:bevelT w="63500" h="25400" prst="hardEdge"/>
+            <a:bevelT w="25400" h="25400" prst="slope"/>
           </a:sp3d>
         </a:effectStyle>
       </a:effectStyleLst>
@@ -7291,18 +7125,36 @@
         <a:solidFill>
           <a:schemeClr val="phClr"/>
         </a:solidFill>
-        <a:solidFill>
-          <a:schemeClr val="phClr"/>
-        </a:solidFill>
+        <a:gradFill rotWithShape="1">
+          <a:gsLst>
+            <a:gs pos="0">
+              <a:schemeClr val="phClr">
+                <a:tint val="90000"/>
+                <a:lumMod val="110000"/>
+              </a:schemeClr>
+            </a:gs>
+            <a:gs pos="100000">
+              <a:schemeClr val="phClr">
+                <a:shade val="64000"/>
+                <a:lumMod val="98000"/>
+              </a:schemeClr>
+            </a:gs>
+          </a:gsLst>
+          <a:lin ang="5400000" scaled="0"/>
+        </a:gradFill>
         <a:blipFill rotWithShape="1">
           <a:blip xmlns:r="http://schemas.openxmlformats.org/officeDocument/2006/relationships" r:embed="rId1">
             <a:duotone>
               <a:schemeClr val="phClr">
-                <a:shade val="80000"/>
-                <a:lumMod val="80000"/>
+                <a:shade val="28000"/>
+                <a:satMod val="94000"/>
+                <a:lumMod val="20000"/>
               </a:schemeClr>
               <a:schemeClr val="phClr">
-                <a:tint val="98000"/>
+                <a:tint val="94000"/>
+                <a:shade val="84000"/>
+                <a:satMod val="148000"/>
+                <a:lumMod val="114000"/>
               </a:schemeClr>
             </a:duotone>
           </a:blip>
@@ -7315,7 +7167,7 @@
   <a:extraClrSchemeLst/>
   <a:extLst>
     <a:ext uri="{05A4C25C-085E-4340-85A3-A5531E510DB2}">
-      <thm15:themeFamily xmlns:thm15="http://schemas.microsoft.com/office/thememl/2012/main" name="Slate" id="{C3F70B94-7CE9-428E-ADC1-3269CC2C3385}" vid="{43372978-11FE-4814-AC26-BC300187D8C7}"/>
+      <thm15:themeFamily xmlns:thm15="http://schemas.microsoft.com/office/thememl/2012/main" name="Mesh" id="{789EC3FE-34FD-429C-9918-760025E6C145}" vid="{B8BE45C0-8141-4D58-8C71-A009BC26FBBB}"/>
     </a:ext>
   </a:extLst>
 </a:theme>
